--- a/slides/Final Review - Trajectory Generation.pptx
+++ b/slides/Final Review - Trajectory Generation.pptx
@@ -24,6 +24,7 @@
     <p:sldId id="264" r:id="rId17"/>
     <p:sldId id="265" r:id="rId18"/>
     <p:sldId id="266" r:id="rId19"/>
+    <p:sldId id="267" r:id="rId20"/>
   </p:sldIdLst>
   <p:sldSz cx="12192000" cy="6858000"/>
   <p:notesSz cx="7023100" cy="9309100"/>
@@ -271,7 +272,7 @@
           <a:bodyPr lIns="0" rIns="0" tIns="0" bIns="0" anchor="b"/>
           <a:p>
             <a:pPr algn="r"/>
-            <a:fld id="{DF9B839A-AC2B-498E-A8EC-B8AA3AB27E59}" type="slidenum">
+            <a:fld id="{29F18406-1BE1-46AF-BEBB-4E0F789425DA}" type="slidenum">
               <a:rPr b="0" lang="en-US" sz="1400" spc="-1" strike="noStrike">
                 <a:solidFill>
                   <a:srgbClr val="000000"/>
@@ -324,7 +325,7 @@
       </p:grpSpPr>
       <p:sp>
         <p:nvSpPr>
-          <p:cNvPr id="349" name="PlaceHolder 1"/>
+          <p:cNvPr id="361" name="PlaceHolder 1"/>
           <p:cNvSpPr>
             <a:spLocks noGrp="1"/>
           </p:cNvSpPr>
@@ -360,7 +361,7 @@
       </p:sp>
       <p:sp>
         <p:nvSpPr>
-          <p:cNvPr id="350" name="CustomShape 2"/>
+          <p:cNvPr id="362" name="CustomShape 2"/>
           <p:cNvSpPr/>
           <p:nvPr/>
         </p:nvSpPr>
@@ -386,7 +387,7 @@
       </p:sp>
       <p:sp>
         <p:nvSpPr>
-          <p:cNvPr id="351" name="CustomShape 3"/>
+          <p:cNvPr id="363" name="CustomShape 3"/>
           <p:cNvSpPr/>
           <p:nvPr/>
         </p:nvSpPr>
@@ -448,7 +449,7 @@
       </p:sp>
       <p:sp>
         <p:nvSpPr>
-          <p:cNvPr id="352" name="CustomShape 4"/>
+          <p:cNvPr id="364" name="CustomShape 4"/>
           <p:cNvSpPr/>
           <p:nvPr/>
         </p:nvSpPr>
@@ -479,7 +480,7 @@
                 <a:spcPct val="100000"/>
               </a:lnSpc>
             </a:pPr>
-            <a:fld id="{241C0BB3-077B-4A14-A0B5-C2E89987B516}" type="slidenum">
+            <a:fld id="{2515FD6E-BEE0-42A8-BC98-ADC7B8BAE01F}" type="slidenum">
               <a:rPr b="0" lang="en-US" sz="1200" spc="-1" strike="noStrike">
                 <a:solidFill>
                   <a:srgbClr val="000000"/>
@@ -492,7 +493,7 @@
                 <a:latin typeface="+mn-lt"/>
                 <a:ea typeface="+mn-ea"/>
               </a:rPr>
-              <a:t>1</a:t>
+              <a:t>&lt;number&gt;</a:t>
             </a:fld>
             <a:endParaRPr b="0" lang="en-US" sz="1800" spc="-1" strike="noStrike">
               <a:solidFill>
@@ -532,7 +533,7 @@
       </p:grpSpPr>
       <p:sp>
         <p:nvSpPr>
-          <p:cNvPr id="353" name="PlaceHolder 1"/>
+          <p:cNvPr id="365" name="PlaceHolder 1"/>
           <p:cNvSpPr>
             <a:spLocks noGrp="1"/>
           </p:cNvSpPr>
@@ -568,7 +569,7 @@
       </p:sp>
       <p:sp>
         <p:nvSpPr>
-          <p:cNvPr id="354" name="CustomShape 2"/>
+          <p:cNvPr id="366" name="CustomShape 2"/>
           <p:cNvSpPr/>
           <p:nvPr/>
         </p:nvSpPr>
@@ -594,7 +595,7 @@
       </p:sp>
       <p:sp>
         <p:nvSpPr>
-          <p:cNvPr id="355" name="CustomShape 3"/>
+          <p:cNvPr id="367" name="CustomShape 3"/>
           <p:cNvSpPr/>
           <p:nvPr/>
         </p:nvSpPr>
@@ -656,7 +657,7 @@
       </p:sp>
       <p:sp>
         <p:nvSpPr>
-          <p:cNvPr id="356" name="CustomShape 4"/>
+          <p:cNvPr id="368" name="CustomShape 4"/>
           <p:cNvSpPr/>
           <p:nvPr/>
         </p:nvSpPr>
@@ -687,7 +688,7 @@
                 <a:spcPct val="100000"/>
               </a:lnSpc>
             </a:pPr>
-            <a:fld id="{34C769EC-2774-45F4-BCCF-4358CA78836D}" type="slidenum">
+            <a:fld id="{1459D217-DA65-481F-A0E6-3712CD563329}" type="slidenum">
               <a:rPr b="0" lang="en-US" sz="1200" spc="-1" strike="noStrike">
                 <a:solidFill>
                   <a:srgbClr val="000000"/>
@@ -700,7 +701,215 @@
                 <a:latin typeface="+mn-lt"/>
                 <a:ea typeface="+mn-ea"/>
               </a:rPr>
-              <a:t>1</a:t>
+              <a:t>&lt;number&gt;</a:t>
+            </a:fld>
+            <a:endParaRPr b="0" lang="en-US" sz="1800" spc="-1" strike="noStrike">
+              <a:solidFill>
+                <a:srgbClr val="000000"/>
+              </a:solidFill>
+              <a:uFill>
+                <a:solidFill>
+                  <a:srgbClr val="ffffff"/>
+                </a:solidFill>
+              </a:uFill>
+              <a:latin typeface="Arial"/>
+            </a:endParaRPr>
+          </a:p>
+        </p:txBody>
+      </p:sp>
+    </p:spTree>
+  </p:cSld>
+</p:notes>
+</file>
+
+<file path=ppt/notesSlides/notesSlide12.xml><?xml version="1.0" encoding="utf-8"?>
+<p:notes xmlns:a="http://schemas.openxmlformats.org/drawingml/2006/main" xmlns:p="http://schemas.openxmlformats.org/presentationml/2006/main" xmlns:r="http://schemas.openxmlformats.org/officeDocument/2006/relationships" xmlns:p14="http://schemas.microsoft.com/office/powerpoint/2010/main" xmlns:p15="http://schemas.microsoft.com/office/powerpoint/2012/main" xmlns:mc="http://schemas.openxmlformats.org/markup-compatibility/2006">
+  <p:cSld>
+    <p:spTree>
+      <p:nvGrpSpPr>
+        <p:cNvPr id="1" name=""/>
+        <p:cNvGrpSpPr/>
+        <p:nvPr/>
+      </p:nvGrpSpPr>
+      <p:grpSpPr>
+        <a:xfrm>
+          <a:off x="0" y="0"/>
+          <a:ext cx="0" cy="0"/>
+          <a:chOff x="0" y="0"/>
+          <a:chExt cx="0" cy="0"/>
+        </a:xfrm>
+      </p:grpSpPr>
+      <p:sp>
+        <p:nvSpPr>
+          <p:cNvPr id="369" name="PlaceHolder 1"/>
+          <p:cNvSpPr>
+            <a:spLocks noGrp="1"/>
+          </p:cNvSpPr>
+          <p:nvPr>
+            <p:ph type="body"/>
+          </p:nvPr>
+        </p:nvSpPr>
+        <p:spPr>
+          <a:xfrm>
+            <a:off x="701640" y="4421160"/>
+            <a:ext cx="5618880" cy="4188600"/>
+          </a:xfrm>
+          <a:prstGeom prst="rect">
+            <a:avLst/>
+          </a:prstGeom>
+        </p:spPr>
+        <p:txBody>
+          <a:bodyPr lIns="93240" rIns="93240" tIns="46800" bIns="46800"/>
+          <a:p>
+            <a:endParaRPr b="0" lang="en-US" sz="2000" spc="-1" strike="noStrike">
+              <a:solidFill>
+                <a:srgbClr val="000000"/>
+              </a:solidFill>
+              <a:uFill>
+                <a:solidFill>
+                  <a:srgbClr val="ffffff"/>
+                </a:solidFill>
+              </a:uFill>
+              <a:latin typeface="Arial"/>
+            </a:endParaRPr>
+          </a:p>
+        </p:txBody>
+      </p:sp>
+      <p:sp>
+        <p:nvSpPr>
+          <p:cNvPr id="370" name="CustomShape 2"/>
+          <p:cNvSpPr/>
+          <p:nvPr/>
+        </p:nvSpPr>
+        <p:spPr>
+          <a:xfrm>
+            <a:off x="0" y="0"/>
+            <a:ext cx="3042360" cy="464400"/>
+          </a:xfrm>
+          <a:prstGeom prst="rect">
+            <a:avLst/>
+          </a:prstGeom>
+          <a:noFill/>
+          <a:ln>
+            <a:noFill/>
+          </a:ln>
+        </p:spPr>
+        <p:style>
+          <a:lnRef idx="0"/>
+          <a:fillRef idx="0"/>
+          <a:effectRef idx="0"/>
+          <a:fontRef idx="minor"/>
+        </p:style>
+      </p:sp>
+      <p:sp>
+        <p:nvSpPr>
+          <p:cNvPr id="371" name="CustomShape 3"/>
+          <p:cNvSpPr/>
+          <p:nvPr/>
+        </p:nvSpPr>
+        <p:spPr>
+          <a:xfrm>
+            <a:off x="0" y="8842320"/>
+            <a:ext cx="7022520" cy="464400"/>
+          </a:xfrm>
+          <a:prstGeom prst="rect">
+            <a:avLst/>
+          </a:prstGeom>
+          <a:noFill/>
+          <a:ln>
+            <a:noFill/>
+          </a:ln>
+        </p:spPr>
+        <p:style>
+          <a:lnRef idx="0"/>
+          <a:fillRef idx="0"/>
+          <a:effectRef idx="0"/>
+          <a:fontRef idx="minor"/>
+        </p:style>
+        <p:txBody>
+          <a:bodyPr lIns="93240" rIns="93240" tIns="46800" bIns="46800" anchor="b"/>
+          <a:p>
+            <a:pPr>
+              <a:lnSpc>
+                <a:spcPct val="100000"/>
+              </a:lnSpc>
+            </a:pPr>
+            <a:r>
+              <a:rPr b="0" lang="en-US" sz="700" spc="-1" strike="noStrike">
+                <a:solidFill>
+                  <a:srgbClr val="7f7f7f"/>
+                </a:solidFill>
+                <a:uFill>
+                  <a:solidFill>
+                    <a:srgbClr val="ffffff"/>
+                  </a:solidFill>
+                </a:uFill>
+                <a:latin typeface="Arial"/>
+                <a:ea typeface="+mn-ea"/>
+              </a:rPr>
+              <a:t>Honeywell Internal</a:t>
+            </a:r>
+            <a:endParaRPr b="0" lang="en-US" sz="1800" spc="-1" strike="noStrike">
+              <a:solidFill>
+                <a:srgbClr val="000000"/>
+              </a:solidFill>
+              <a:uFill>
+                <a:solidFill>
+                  <a:srgbClr val="ffffff"/>
+                </a:solidFill>
+              </a:uFill>
+              <a:latin typeface="Arial"/>
+            </a:endParaRPr>
+          </a:p>
+        </p:txBody>
+      </p:sp>
+      <p:sp>
+        <p:nvSpPr>
+          <p:cNvPr id="372" name="CustomShape 4"/>
+          <p:cNvSpPr/>
+          <p:nvPr/>
+        </p:nvSpPr>
+        <p:spPr>
+          <a:xfrm>
+            <a:off x="3978360" y="8842320"/>
+            <a:ext cx="3042360" cy="464400"/>
+          </a:xfrm>
+          <a:prstGeom prst="rect">
+            <a:avLst/>
+          </a:prstGeom>
+          <a:noFill/>
+          <a:ln>
+            <a:noFill/>
+          </a:ln>
+        </p:spPr>
+        <p:style>
+          <a:lnRef idx="0"/>
+          <a:fillRef idx="0"/>
+          <a:effectRef idx="0"/>
+          <a:fontRef idx="minor"/>
+        </p:style>
+        <p:txBody>
+          <a:bodyPr lIns="93240" rIns="93240" tIns="46800" bIns="46800" anchor="b"/>
+          <a:p>
+            <a:pPr algn="r">
+              <a:lnSpc>
+                <a:spcPct val="100000"/>
+              </a:lnSpc>
+            </a:pPr>
+            <a:fld id="{D0A2D33E-2648-4381-80CA-5DA64820E97B}" type="slidenum">
+              <a:rPr b="0" lang="en-US" sz="1200" spc="-1" strike="noStrike">
+                <a:solidFill>
+                  <a:srgbClr val="000000"/>
+                </a:solidFill>
+                <a:uFill>
+                  <a:solidFill>
+                    <a:srgbClr val="ffffff"/>
+                  </a:solidFill>
+                </a:uFill>
+                <a:latin typeface="+mn-lt"/>
+                <a:ea typeface="+mn-ea"/>
+              </a:rPr>
+              <a:t>&lt;number&gt;</a:t>
             </a:fld>
             <a:endParaRPr b="0" lang="en-US" sz="1800" spc="-1" strike="noStrike">
               <a:solidFill>
@@ -740,7 +949,7 @@
       </p:grpSpPr>
       <p:sp>
         <p:nvSpPr>
-          <p:cNvPr id="317" name="PlaceHolder 1"/>
+          <p:cNvPr id="329" name="PlaceHolder 1"/>
           <p:cNvSpPr>
             <a:spLocks noGrp="1"/>
           </p:cNvSpPr>
@@ -776,7 +985,7 @@
       </p:sp>
       <p:sp>
         <p:nvSpPr>
-          <p:cNvPr id="318" name="CustomShape 2"/>
+          <p:cNvPr id="330" name="CustomShape 2"/>
           <p:cNvSpPr/>
           <p:nvPr/>
         </p:nvSpPr>
@@ -802,7 +1011,7 @@
       </p:sp>
       <p:sp>
         <p:nvSpPr>
-          <p:cNvPr id="319" name="CustomShape 3"/>
+          <p:cNvPr id="331" name="CustomShape 3"/>
           <p:cNvSpPr/>
           <p:nvPr/>
         </p:nvSpPr>
@@ -864,7 +1073,7 @@
       </p:sp>
       <p:sp>
         <p:nvSpPr>
-          <p:cNvPr id="320" name="CustomShape 4"/>
+          <p:cNvPr id="332" name="CustomShape 4"/>
           <p:cNvSpPr/>
           <p:nvPr/>
         </p:nvSpPr>
@@ -895,7 +1104,7 @@
                 <a:spcPct val="100000"/>
               </a:lnSpc>
             </a:pPr>
-            <a:fld id="{50DD1205-77D7-4DA7-A188-B6EA1A44B13E}" type="slidenum">
+            <a:fld id="{E3D3E1A6-BEEC-405F-A53B-7B28C9E07534}" type="slidenum">
               <a:rPr b="0" lang="en-US" sz="1200" spc="-1" strike="noStrike">
                 <a:solidFill>
                   <a:srgbClr val="000000"/>
@@ -908,7 +1117,7 @@
                 <a:latin typeface="+mn-lt"/>
                 <a:ea typeface="+mn-ea"/>
               </a:rPr>
-              <a:t>1</a:t>
+              <a:t>&lt;number&gt;</a:t>
             </a:fld>
             <a:endParaRPr b="0" lang="en-US" sz="1800" spc="-1" strike="noStrike">
               <a:solidFill>
@@ -948,7 +1157,7 @@
       </p:grpSpPr>
       <p:sp>
         <p:nvSpPr>
-          <p:cNvPr id="321" name="PlaceHolder 1"/>
+          <p:cNvPr id="333" name="PlaceHolder 1"/>
           <p:cNvSpPr>
             <a:spLocks noGrp="1"/>
           </p:cNvSpPr>
@@ -984,7 +1193,7 @@
       </p:sp>
       <p:sp>
         <p:nvSpPr>
-          <p:cNvPr id="322" name="CustomShape 2"/>
+          <p:cNvPr id="334" name="CustomShape 2"/>
           <p:cNvSpPr/>
           <p:nvPr/>
         </p:nvSpPr>
@@ -1010,7 +1219,7 @@
       </p:sp>
       <p:sp>
         <p:nvSpPr>
-          <p:cNvPr id="323" name="CustomShape 3"/>
+          <p:cNvPr id="335" name="CustomShape 3"/>
           <p:cNvSpPr/>
           <p:nvPr/>
         </p:nvSpPr>
@@ -1072,7 +1281,7 @@
       </p:sp>
       <p:sp>
         <p:nvSpPr>
-          <p:cNvPr id="324" name="CustomShape 4"/>
+          <p:cNvPr id="336" name="CustomShape 4"/>
           <p:cNvSpPr/>
           <p:nvPr/>
         </p:nvSpPr>
@@ -1103,7 +1312,7 @@
                 <a:spcPct val="100000"/>
               </a:lnSpc>
             </a:pPr>
-            <a:fld id="{9253C6D0-F698-4515-862F-68CA1D95BE32}" type="slidenum">
+            <a:fld id="{2834A9E3-0DD1-460E-9FFE-E7338B2E4A86}" type="slidenum">
               <a:rPr b="0" lang="en-US" sz="1200" spc="-1" strike="noStrike">
                 <a:solidFill>
                   <a:srgbClr val="000000"/>
@@ -1116,7 +1325,7 @@
                 <a:latin typeface="+mn-lt"/>
                 <a:ea typeface="+mn-ea"/>
               </a:rPr>
-              <a:t>1</a:t>
+              <a:t>&lt;number&gt;</a:t>
             </a:fld>
             <a:endParaRPr b="0" lang="en-US" sz="1800" spc="-1" strike="noStrike">
               <a:solidFill>
@@ -1156,7 +1365,7 @@
       </p:grpSpPr>
       <p:sp>
         <p:nvSpPr>
-          <p:cNvPr id="325" name="PlaceHolder 1"/>
+          <p:cNvPr id="337" name="PlaceHolder 1"/>
           <p:cNvSpPr>
             <a:spLocks noGrp="1"/>
           </p:cNvSpPr>
@@ -1192,7 +1401,7 @@
       </p:sp>
       <p:sp>
         <p:nvSpPr>
-          <p:cNvPr id="326" name="CustomShape 2"/>
+          <p:cNvPr id="338" name="CustomShape 2"/>
           <p:cNvSpPr/>
           <p:nvPr/>
         </p:nvSpPr>
@@ -1218,7 +1427,7 @@
       </p:sp>
       <p:sp>
         <p:nvSpPr>
-          <p:cNvPr id="327" name="CustomShape 3"/>
+          <p:cNvPr id="339" name="CustomShape 3"/>
           <p:cNvSpPr/>
           <p:nvPr/>
         </p:nvSpPr>
@@ -1280,7 +1489,7 @@
       </p:sp>
       <p:sp>
         <p:nvSpPr>
-          <p:cNvPr id="328" name="CustomShape 4"/>
+          <p:cNvPr id="340" name="CustomShape 4"/>
           <p:cNvSpPr/>
           <p:nvPr/>
         </p:nvSpPr>
@@ -1311,7 +1520,7 @@
                 <a:spcPct val="100000"/>
               </a:lnSpc>
             </a:pPr>
-            <a:fld id="{AB46A0A6-C2D5-4D31-B137-B0F9F1970392}" type="slidenum">
+            <a:fld id="{538337A1-B2B8-4D5A-8059-7FFCB709306D}" type="slidenum">
               <a:rPr b="0" lang="en-US" sz="1200" spc="-1" strike="noStrike">
                 <a:solidFill>
                   <a:srgbClr val="000000"/>
@@ -1324,7 +1533,7 @@
                 <a:latin typeface="+mn-lt"/>
                 <a:ea typeface="+mn-ea"/>
               </a:rPr>
-              <a:t>1</a:t>
+              <a:t>&lt;number&gt;</a:t>
             </a:fld>
             <a:endParaRPr b="0" lang="en-US" sz="1800" spc="-1" strike="noStrike">
               <a:solidFill>
@@ -1364,7 +1573,7 @@
       </p:grpSpPr>
       <p:sp>
         <p:nvSpPr>
-          <p:cNvPr id="329" name="PlaceHolder 1"/>
+          <p:cNvPr id="341" name="PlaceHolder 1"/>
           <p:cNvSpPr>
             <a:spLocks noGrp="1"/>
           </p:cNvSpPr>
@@ -1400,7 +1609,7 @@
       </p:sp>
       <p:sp>
         <p:nvSpPr>
-          <p:cNvPr id="330" name="CustomShape 2"/>
+          <p:cNvPr id="342" name="CustomShape 2"/>
           <p:cNvSpPr/>
           <p:nvPr/>
         </p:nvSpPr>
@@ -1426,7 +1635,7 @@
       </p:sp>
       <p:sp>
         <p:nvSpPr>
-          <p:cNvPr id="331" name="CustomShape 3"/>
+          <p:cNvPr id="343" name="CustomShape 3"/>
           <p:cNvSpPr/>
           <p:nvPr/>
         </p:nvSpPr>
@@ -1488,7 +1697,7 @@
       </p:sp>
       <p:sp>
         <p:nvSpPr>
-          <p:cNvPr id="332" name="CustomShape 4"/>
+          <p:cNvPr id="344" name="CustomShape 4"/>
           <p:cNvSpPr/>
           <p:nvPr/>
         </p:nvSpPr>
@@ -1519,7 +1728,7 @@
                 <a:spcPct val="100000"/>
               </a:lnSpc>
             </a:pPr>
-            <a:fld id="{5E4BD6CB-46AB-4295-A712-2AC350387E11}" type="slidenum">
+            <a:fld id="{BE17D68C-8F07-4F76-A075-6EEBCA2D5F97}" type="slidenum">
               <a:rPr b="0" lang="en-US" sz="1200" spc="-1" strike="noStrike">
                 <a:solidFill>
                   <a:srgbClr val="000000"/>
@@ -1532,7 +1741,7 @@
                 <a:latin typeface="+mn-lt"/>
                 <a:ea typeface="+mn-ea"/>
               </a:rPr>
-              <a:t>1</a:t>
+              <a:t>&lt;number&gt;</a:t>
             </a:fld>
             <a:endParaRPr b="0" lang="en-US" sz="1800" spc="-1" strike="noStrike">
               <a:solidFill>
@@ -1572,7 +1781,7 @@
       </p:grpSpPr>
       <p:sp>
         <p:nvSpPr>
-          <p:cNvPr id="333" name="PlaceHolder 1"/>
+          <p:cNvPr id="345" name="PlaceHolder 1"/>
           <p:cNvSpPr>
             <a:spLocks noGrp="1"/>
           </p:cNvSpPr>
@@ -1608,7 +1817,7 @@
       </p:sp>
       <p:sp>
         <p:nvSpPr>
-          <p:cNvPr id="334" name="CustomShape 2"/>
+          <p:cNvPr id="346" name="CustomShape 2"/>
           <p:cNvSpPr/>
           <p:nvPr/>
         </p:nvSpPr>
@@ -1634,7 +1843,7 @@
       </p:sp>
       <p:sp>
         <p:nvSpPr>
-          <p:cNvPr id="335" name="CustomShape 3"/>
+          <p:cNvPr id="347" name="CustomShape 3"/>
           <p:cNvSpPr/>
           <p:nvPr/>
         </p:nvSpPr>
@@ -1696,7 +1905,7 @@
       </p:sp>
       <p:sp>
         <p:nvSpPr>
-          <p:cNvPr id="336" name="CustomShape 4"/>
+          <p:cNvPr id="348" name="CustomShape 4"/>
           <p:cNvSpPr/>
           <p:nvPr/>
         </p:nvSpPr>
@@ -1727,7 +1936,7 @@
                 <a:spcPct val="100000"/>
               </a:lnSpc>
             </a:pPr>
-            <a:fld id="{ED7F6727-D892-4E56-9ED8-3AB048F9E285}" type="slidenum">
+            <a:fld id="{8772A0B9-F0F6-488D-A646-C31896020278}" type="slidenum">
               <a:rPr b="0" lang="en-US" sz="1200" spc="-1" strike="noStrike">
                 <a:solidFill>
                   <a:srgbClr val="000000"/>
@@ -1740,7 +1949,7 @@
                 <a:latin typeface="+mn-lt"/>
                 <a:ea typeface="+mn-ea"/>
               </a:rPr>
-              <a:t>1</a:t>
+              <a:t>&lt;number&gt;</a:t>
             </a:fld>
             <a:endParaRPr b="0" lang="en-US" sz="1800" spc="-1" strike="noStrike">
               <a:solidFill>
@@ -1780,7 +1989,7 @@
       </p:grpSpPr>
       <p:sp>
         <p:nvSpPr>
-          <p:cNvPr id="337" name="PlaceHolder 1"/>
+          <p:cNvPr id="349" name="PlaceHolder 1"/>
           <p:cNvSpPr>
             <a:spLocks noGrp="1"/>
           </p:cNvSpPr>
@@ -1816,7 +2025,7 @@
       </p:sp>
       <p:sp>
         <p:nvSpPr>
-          <p:cNvPr id="338" name="CustomShape 2"/>
+          <p:cNvPr id="350" name="CustomShape 2"/>
           <p:cNvSpPr/>
           <p:nvPr/>
         </p:nvSpPr>
@@ -1842,7 +2051,7 @@
       </p:sp>
       <p:sp>
         <p:nvSpPr>
-          <p:cNvPr id="339" name="CustomShape 3"/>
+          <p:cNvPr id="351" name="CustomShape 3"/>
           <p:cNvSpPr/>
           <p:nvPr/>
         </p:nvSpPr>
@@ -1904,7 +2113,7 @@
       </p:sp>
       <p:sp>
         <p:nvSpPr>
-          <p:cNvPr id="340" name="CustomShape 4"/>
+          <p:cNvPr id="352" name="CustomShape 4"/>
           <p:cNvSpPr/>
           <p:nvPr/>
         </p:nvSpPr>
@@ -1935,7 +2144,7 @@
                 <a:spcPct val="100000"/>
               </a:lnSpc>
             </a:pPr>
-            <a:fld id="{F3A8A0A0-00F4-49E1-AFD7-3F874EA85145}" type="slidenum">
+            <a:fld id="{3E8904CC-3B3D-4C1E-8DB6-0CF4076DB3E9}" type="slidenum">
               <a:rPr b="0" lang="en-US" sz="1200" spc="-1" strike="noStrike">
                 <a:solidFill>
                   <a:srgbClr val="000000"/>
@@ -1948,7 +2157,7 @@
                 <a:latin typeface="+mn-lt"/>
                 <a:ea typeface="+mn-ea"/>
               </a:rPr>
-              <a:t>1</a:t>
+              <a:t>&lt;number&gt;</a:t>
             </a:fld>
             <a:endParaRPr b="0" lang="en-US" sz="1800" spc="-1" strike="noStrike">
               <a:solidFill>
@@ -1988,7 +2197,7 @@
       </p:grpSpPr>
       <p:sp>
         <p:nvSpPr>
-          <p:cNvPr id="341" name="PlaceHolder 1"/>
+          <p:cNvPr id="353" name="PlaceHolder 1"/>
           <p:cNvSpPr>
             <a:spLocks noGrp="1"/>
           </p:cNvSpPr>
@@ -2024,7 +2233,7 @@
       </p:sp>
       <p:sp>
         <p:nvSpPr>
-          <p:cNvPr id="342" name="CustomShape 2"/>
+          <p:cNvPr id="354" name="CustomShape 2"/>
           <p:cNvSpPr/>
           <p:nvPr/>
         </p:nvSpPr>
@@ -2050,7 +2259,7 @@
       </p:sp>
       <p:sp>
         <p:nvSpPr>
-          <p:cNvPr id="343" name="CustomShape 3"/>
+          <p:cNvPr id="355" name="CustomShape 3"/>
           <p:cNvSpPr/>
           <p:nvPr/>
         </p:nvSpPr>
@@ -2112,7 +2321,7 @@
       </p:sp>
       <p:sp>
         <p:nvSpPr>
-          <p:cNvPr id="344" name="CustomShape 4"/>
+          <p:cNvPr id="356" name="CustomShape 4"/>
           <p:cNvSpPr/>
           <p:nvPr/>
         </p:nvSpPr>
@@ -2143,7 +2352,7 @@
                 <a:spcPct val="100000"/>
               </a:lnSpc>
             </a:pPr>
-            <a:fld id="{71FF28BB-7620-4389-9379-3854E817A02D}" type="slidenum">
+            <a:fld id="{90580207-2409-47B5-9D5E-6F7F6776EF56}" type="slidenum">
               <a:rPr b="0" lang="en-US" sz="1200" spc="-1" strike="noStrike">
                 <a:solidFill>
                   <a:srgbClr val="000000"/>
@@ -2156,7 +2365,7 @@
                 <a:latin typeface="+mn-lt"/>
                 <a:ea typeface="+mn-ea"/>
               </a:rPr>
-              <a:t>1</a:t>
+              <a:t>&lt;number&gt;</a:t>
             </a:fld>
             <a:endParaRPr b="0" lang="en-US" sz="1800" spc="-1" strike="noStrike">
               <a:solidFill>
@@ -2196,7 +2405,7 @@
       </p:grpSpPr>
       <p:sp>
         <p:nvSpPr>
-          <p:cNvPr id="345" name="PlaceHolder 1"/>
+          <p:cNvPr id="357" name="PlaceHolder 1"/>
           <p:cNvSpPr>
             <a:spLocks noGrp="1"/>
           </p:cNvSpPr>
@@ -2232,7 +2441,7 @@
       </p:sp>
       <p:sp>
         <p:nvSpPr>
-          <p:cNvPr id="346" name="CustomShape 2"/>
+          <p:cNvPr id="358" name="CustomShape 2"/>
           <p:cNvSpPr/>
           <p:nvPr/>
         </p:nvSpPr>
@@ -2258,7 +2467,7 @@
       </p:sp>
       <p:sp>
         <p:nvSpPr>
-          <p:cNvPr id="347" name="CustomShape 3"/>
+          <p:cNvPr id="359" name="CustomShape 3"/>
           <p:cNvSpPr/>
           <p:nvPr/>
         </p:nvSpPr>
@@ -2320,7 +2529,7 @@
       </p:sp>
       <p:sp>
         <p:nvSpPr>
-          <p:cNvPr id="348" name="CustomShape 4"/>
+          <p:cNvPr id="360" name="CustomShape 4"/>
           <p:cNvSpPr/>
           <p:nvPr/>
         </p:nvSpPr>
@@ -2351,7 +2560,7 @@
                 <a:spcPct val="100000"/>
               </a:lnSpc>
             </a:pPr>
-            <a:fld id="{42D799B7-76B8-4C53-A7D8-31E205B33A90}" type="slidenum">
+            <a:fld id="{8667C93B-3818-4A2C-9DF9-125D50763823}" type="slidenum">
               <a:rPr b="0" lang="en-US" sz="1200" spc="-1" strike="noStrike">
                 <a:solidFill>
                   <a:srgbClr val="000000"/>
@@ -2364,7 +2573,7 @@
                 <a:latin typeface="+mn-lt"/>
                 <a:ea typeface="+mn-ea"/>
               </a:rPr>
-              <a:t>1</a:t>
+              <a:t>&lt;number&gt;</a:t>
             </a:fld>
             <a:endParaRPr b="0" lang="en-US" sz="1800" spc="-1" strike="noStrike">
               <a:solidFill>
@@ -11853,35 +12062,7 @@
                 </a:uFill>
                 <a:latin typeface="Arial"/>
               </a:rPr>
-              <a:t>Click to edit </a:t>
-            </a:r>
-            <a:r>
-              <a:rPr b="0" lang="en-US" sz="4400" spc="-1" strike="noStrike">
-                <a:solidFill>
-                  <a:srgbClr val="000000"/>
-                </a:solidFill>
-                <a:uFill>
-                  <a:solidFill>
-                    <a:srgbClr val="ffffff"/>
-                  </a:solidFill>
-                </a:uFill>
-                <a:latin typeface="Arial"/>
-              </a:rPr>
-              <a:t>the title text </a:t>
-            </a:r>
-            <a:r>
-              <a:rPr b="0" lang="en-US" sz="4400" spc="-1" strike="noStrike">
-                <a:solidFill>
-                  <a:srgbClr val="000000"/>
-                </a:solidFill>
-                <a:uFill>
-                  <a:solidFill>
-                    <a:srgbClr val="ffffff"/>
-                  </a:solidFill>
-                </a:uFill>
-                <a:latin typeface="Arial"/>
-              </a:rPr>
-              <a:t>format</a:t>
+              <a:t>Click to edit the title text format</a:t>
             </a:r>
             <a:endParaRPr b="0" lang="en-US" sz="4400" spc="-1" strike="noStrike">
               <a:solidFill>
@@ -12437,7 +12618,35 @@
                 </a:uFill>
                 <a:latin typeface="Arial"/>
               </a:rPr>
-              <a:t>Click to edit the title text format</a:t>
+              <a:t>Click to edit </a:t>
+            </a:r>
+            <a:r>
+              <a:rPr b="0" lang="en-US" sz="4400" spc="-1" strike="noStrike">
+                <a:solidFill>
+                  <a:srgbClr val="000000"/>
+                </a:solidFill>
+                <a:uFill>
+                  <a:solidFill>
+                    <a:srgbClr val="ffffff"/>
+                  </a:solidFill>
+                </a:uFill>
+                <a:latin typeface="Arial"/>
+              </a:rPr>
+              <a:t>the title text </a:t>
+            </a:r>
+            <a:r>
+              <a:rPr b="0" lang="en-US" sz="4400" spc="-1" strike="noStrike">
+                <a:solidFill>
+                  <a:srgbClr val="000000"/>
+                </a:solidFill>
+                <a:uFill>
+                  <a:solidFill>
+                    <a:srgbClr val="ffffff"/>
+                  </a:solidFill>
+                </a:uFill>
+                <a:latin typeface="Arial"/>
+              </a:rPr>
+              <a:t>format</a:t>
             </a:r>
             <a:endParaRPr b="0" lang="en-US" sz="4400" spc="-1" strike="noStrike">
               <a:solidFill>
@@ -14610,7 +14819,7 @@
       </p:grpSpPr>
       <p:sp>
         <p:nvSpPr>
-          <p:cNvPr id="313" name="CustomShape 1"/>
+          <p:cNvPr id="323" name="CustomShape 1"/>
           <p:cNvSpPr/>
           <p:nvPr/>
         </p:nvSpPr>
@@ -14672,7 +14881,7 @@
       </p:sp>
       <p:sp>
         <p:nvSpPr>
-          <p:cNvPr id="314" name="CustomShape 2"/>
+          <p:cNvPr id="324" name="CustomShape 2"/>
           <p:cNvSpPr/>
           <p:nvPr/>
         </p:nvSpPr>
@@ -14783,7 +14992,7 @@
       </p:grpSpPr>
       <p:sp>
         <p:nvSpPr>
-          <p:cNvPr id="315" name="CustomShape 1"/>
+          <p:cNvPr id="325" name="CustomShape 1"/>
           <p:cNvSpPr/>
           <p:nvPr/>
         </p:nvSpPr>
@@ -14845,7 +15054,7 @@
       </p:sp>
       <p:sp>
         <p:nvSpPr>
-          <p:cNvPr id="316" name="CustomShape 2"/>
+          <p:cNvPr id="326" name="CustomShape 2"/>
           <p:cNvSpPr/>
           <p:nvPr/>
         </p:nvSpPr>
@@ -14914,6 +15123,179 @@
           <p:childTnLst>
             <p:seq>
               <p:cTn id="22" nodeType="mainSeq"/>
+              <p:prevCondLst>
+                <p:cond delay="0" evt="onPrev">
+                  <p:tgtEl>
+                    <p:sldTgt/>
+                  </p:tgtEl>
+                </p:cond>
+              </p:prevCondLst>
+              <p:nextCondLst>
+                <p:cond delay="0" evt="onNext">
+                  <p:tgtEl>
+                    <p:sldTgt/>
+                  </p:tgtEl>
+                </p:cond>
+              </p:nextCondLst>
+            </p:seq>
+          </p:childTnLst>
+        </p:cTn>
+      </p:par>
+    </p:tnLst>
+  </p:timing>
+</p:sld>
+</file>
+
+<file path=ppt/slides/slide12.xml><?xml version="1.0" encoding="utf-8"?>
+<p:sld xmlns:a="http://schemas.openxmlformats.org/drawingml/2006/main" xmlns:p="http://schemas.openxmlformats.org/presentationml/2006/main" xmlns:r="http://schemas.openxmlformats.org/officeDocument/2006/relationships" xmlns:p14="http://schemas.microsoft.com/office/powerpoint/2010/main" xmlns:p15="http://schemas.microsoft.com/office/powerpoint/2012/main" xmlns:mc="http://schemas.openxmlformats.org/markup-compatibility/2006">
+  <p:cSld>
+    <p:spTree>
+      <p:nvGrpSpPr>
+        <p:cNvPr id="1" name=""/>
+        <p:cNvGrpSpPr/>
+        <p:nvPr/>
+      </p:nvGrpSpPr>
+      <p:grpSpPr>
+        <a:xfrm>
+          <a:off x="0" y="0"/>
+          <a:ext cx="0" cy="0"/>
+          <a:chOff x="0" y="0"/>
+          <a:chExt cx="0" cy="0"/>
+        </a:xfrm>
+      </p:grpSpPr>
+      <p:sp>
+        <p:nvSpPr>
+          <p:cNvPr id="327" name="CustomShape 1"/>
+          <p:cNvSpPr/>
+          <p:nvPr/>
+        </p:nvSpPr>
+        <p:spPr>
+          <a:xfrm>
+            <a:off x="712800" y="357120"/>
+            <a:ext cx="10479960" cy="497880"/>
+          </a:xfrm>
+          <a:prstGeom prst="rect">
+            <a:avLst/>
+          </a:prstGeom>
+          <a:noFill/>
+          <a:ln>
+            <a:noFill/>
+          </a:ln>
+        </p:spPr>
+        <p:style>
+          <a:lnRef idx="0"/>
+          <a:fillRef idx="0"/>
+          <a:effectRef idx="0"/>
+          <a:fontRef idx="minor"/>
+        </p:style>
+        <p:txBody>
+          <a:bodyPr lIns="90000" rIns="90000" tIns="45000" bIns="45000"/>
+          <a:p>
+            <a:pPr>
+              <a:lnSpc>
+                <a:spcPct val="100000"/>
+              </a:lnSpc>
+            </a:pPr>
+            <a:r>
+              <a:rPr b="1" lang="en-US" sz="2800" spc="-1" strike="noStrike">
+                <a:solidFill>
+                  <a:srgbClr val="000000"/>
+                </a:solidFill>
+                <a:uFill>
+                  <a:solidFill>
+                    <a:srgbClr val="ffffff"/>
+                  </a:solidFill>
+                </a:uFill>
+                <a:latin typeface="Arial"/>
+                <a:ea typeface="Arial"/>
+              </a:rPr>
+              <a:t>Q&amp;A</a:t>
+            </a:r>
+            <a:endParaRPr b="0" lang="en-US" sz="1800" spc="-1" strike="noStrike">
+              <a:solidFill>
+                <a:srgbClr val="000000"/>
+              </a:solidFill>
+              <a:uFill>
+                <a:solidFill>
+                  <a:srgbClr val="ffffff"/>
+                </a:solidFill>
+              </a:uFill>
+              <a:latin typeface="Arial"/>
+            </a:endParaRPr>
+          </a:p>
+        </p:txBody>
+      </p:sp>
+      <p:sp>
+        <p:nvSpPr>
+          <p:cNvPr id="328" name="CustomShape 2"/>
+          <p:cNvSpPr/>
+          <p:nvPr/>
+        </p:nvSpPr>
+        <p:spPr>
+          <a:xfrm>
+            <a:off x="1650960" y="6645240"/>
+            <a:ext cx="8889120" cy="196560"/>
+          </a:xfrm>
+          <a:prstGeom prst="rect">
+            <a:avLst/>
+          </a:prstGeom>
+          <a:noFill/>
+          <a:ln>
+            <a:noFill/>
+          </a:ln>
+        </p:spPr>
+        <p:style>
+          <a:lnRef idx="0"/>
+          <a:fillRef idx="0"/>
+          <a:effectRef idx="0"/>
+          <a:fontRef idx="minor"/>
+        </p:style>
+        <p:txBody>
+          <a:bodyPr lIns="90000" rIns="90000" tIns="45000" bIns="45000"/>
+          <a:p>
+            <a:pPr>
+              <a:lnSpc>
+                <a:spcPct val="100000"/>
+              </a:lnSpc>
+            </a:pPr>
+            <a:r>
+              <a:rPr b="0" lang="en-US" sz="700" spc="-1" strike="noStrike">
+                <a:solidFill>
+                  <a:srgbClr val="7f7f7f"/>
+                </a:solidFill>
+                <a:uFill>
+                  <a:solidFill>
+                    <a:srgbClr val="ffffff"/>
+                  </a:solidFill>
+                </a:uFill>
+                <a:latin typeface="Arial"/>
+                <a:ea typeface="DejaVu Sans"/>
+              </a:rPr>
+              <a:t>Honeywell Internal</a:t>
+            </a:r>
+            <a:endParaRPr b="0" lang="en-US" sz="1800" spc="-1" strike="noStrike">
+              <a:solidFill>
+                <a:srgbClr val="000000"/>
+              </a:solidFill>
+              <a:uFill>
+                <a:solidFill>
+                  <a:srgbClr val="ffffff"/>
+                </a:solidFill>
+              </a:uFill>
+              <a:latin typeface="Arial"/>
+            </a:endParaRPr>
+          </a:p>
+        </p:txBody>
+      </p:sp>
+    </p:spTree>
+  </p:cSld>
+  <p:timing>
+    <p:tnLst>
+      <p:par>
+        <p:cTn id="23" dur="indefinite" restart="never" nodeType="tmRoot">
+          <p:childTnLst>
+            <p:seq>
+              <p:cTn id="24" nodeType="mainSeq"/>
               <p:prevCondLst>
                 <p:cond delay="0" evt="onPrev">
                   <p:tgtEl>
@@ -16979,6 +17361,45 @@
                 <a:latin typeface="Arial"/>
                 <a:ea typeface="Arial"/>
               </a:rPr>
+              <a:t> </a:t>
+            </a:r>
+            <a:endParaRPr b="0" lang="en-US" sz="1800" spc="-1" strike="noStrike">
+              <a:solidFill>
+                <a:srgbClr val="000000"/>
+              </a:solidFill>
+              <a:uFill>
+                <a:solidFill>
+                  <a:srgbClr val="ffffff"/>
+                </a:solidFill>
+              </a:uFill>
+              <a:latin typeface="Arial"/>
+            </a:endParaRPr>
+          </a:p>
+          <a:p>
+            <a:pPr marL="432000" indent="-323640">
+              <a:lnSpc>
+                <a:spcPct val="100000"/>
+              </a:lnSpc>
+              <a:buClr>
+                <a:srgbClr val="000000"/>
+              </a:buClr>
+              <a:buSzPct val="45000"/>
+              <a:buFont typeface="Wingdings" charset="2"/>
+              <a:buChar char=""/>
+            </a:pPr>
+            <a:r>
+              <a:rPr b="0" lang="en-US" sz="1600" spc="-1" strike="noStrike">
+                <a:solidFill>
+                  <a:srgbClr val="000000"/>
+                </a:solidFill>
+                <a:uFill>
+                  <a:solidFill>
+                    <a:srgbClr val="ffffff"/>
+                  </a:solidFill>
+                </a:uFill>
+                <a:latin typeface="Arial"/>
+                <a:ea typeface="Arial"/>
+              </a:rPr>
               <a:t>Advantage of MPC Trajectory Generator</a:t>
             </a:r>
             <a:endParaRPr b="0" lang="en-US" sz="1800" spc="-1" strike="noStrike">
@@ -17057,7 +17478,85 @@
                 <a:latin typeface="Arial"/>
                 <a:ea typeface="Arial"/>
               </a:rPr>
+              <a:t> </a:t>
+            </a:r>
+            <a:endParaRPr b="0" lang="en-US" sz="1800" spc="-1" strike="noStrike">
+              <a:solidFill>
+                <a:srgbClr val="000000"/>
+              </a:solidFill>
+              <a:uFill>
+                <a:solidFill>
+                  <a:srgbClr val="ffffff"/>
+                </a:solidFill>
+              </a:uFill>
+              <a:latin typeface="Arial"/>
+            </a:endParaRPr>
+          </a:p>
+          <a:p>
+            <a:pPr marL="432000" indent="-323640">
+              <a:lnSpc>
+                <a:spcPct val="100000"/>
+              </a:lnSpc>
+              <a:buClr>
+                <a:srgbClr val="000000"/>
+              </a:buClr>
+              <a:buSzPct val="45000"/>
+              <a:buFont typeface="Wingdings" charset="2"/>
+              <a:buChar char=""/>
+            </a:pPr>
+            <a:r>
+              <a:rPr b="0" lang="en-US" sz="1600" spc="-1" strike="noStrike">
+                <a:solidFill>
+                  <a:srgbClr val="000000"/>
+                </a:solidFill>
+                <a:uFill>
+                  <a:solidFill>
+                    <a:srgbClr val="ffffff"/>
+                  </a:solidFill>
+                </a:uFill>
+                <a:latin typeface="Arial"/>
+                <a:ea typeface="Arial"/>
+              </a:rPr>
               <a:t>Performed design trade-off studies (mid-term)</a:t>
+            </a:r>
+            <a:endParaRPr b="0" lang="en-US" sz="1800" spc="-1" strike="noStrike">
+              <a:solidFill>
+                <a:srgbClr val="000000"/>
+              </a:solidFill>
+              <a:uFill>
+                <a:solidFill>
+                  <a:srgbClr val="ffffff"/>
+                </a:solidFill>
+              </a:uFill>
+              <a:latin typeface="Arial"/>
+            </a:endParaRPr>
+          </a:p>
+          <a:p>
+            <a:pPr marL="432000" indent="-323640">
+              <a:lnSpc>
+                <a:spcPct val="100000"/>
+              </a:lnSpc>
+              <a:buClr>
+                <a:srgbClr val="000000"/>
+              </a:buClr>
+              <a:buSzPct val="45000"/>
+              <a:buFont typeface="Wingdings" charset="2"/>
+              <a:buChar char=""/>
+            </a:pPr>
+            <a:r>
+              <a:rPr b="0" lang="en-US" sz="1600" spc="-1" strike="noStrike">
+                <a:solidFill>
+                  <a:srgbClr val="000000"/>
+                </a:solidFill>
+                <a:uFill>
+                  <a:solidFill>
+                    <a:srgbClr val="ffffff"/>
+                  </a:solidFill>
+                </a:uFill>
+                <a:latin typeface="Arial"/>
+                <a:ea typeface="Arial"/>
+              </a:rPr>
+              <a:t> </a:t>
             </a:r>
             <a:endParaRPr b="0" lang="en-US" sz="1800" spc="-1" strike="noStrike">
               <a:solidFill>
@@ -17097,6 +17596,45 @@
                 <a:ea typeface="Arial"/>
               </a:rPr>
               <a:t>Performed comparative study showing 2X to 3X reduction in computation time using MPC Trajectory Generator</a:t>
+            </a:r>
+            <a:endParaRPr b="0" lang="en-US" sz="1800" spc="-1" strike="noStrike">
+              <a:solidFill>
+                <a:srgbClr val="000000"/>
+              </a:solidFill>
+              <a:uFill>
+                <a:solidFill>
+                  <a:srgbClr val="ffffff"/>
+                </a:solidFill>
+              </a:uFill>
+              <a:latin typeface="Arial"/>
+            </a:endParaRPr>
+          </a:p>
+          <a:p>
+            <a:pPr marL="432000" indent="-323640">
+              <a:lnSpc>
+                <a:spcPct val="100000"/>
+              </a:lnSpc>
+              <a:buClr>
+                <a:srgbClr val="000000"/>
+              </a:buClr>
+              <a:buSzPct val="45000"/>
+              <a:buFont typeface="Wingdings" charset="2"/>
+              <a:buChar char=""/>
+            </a:pPr>
+            <a:r>
+              <a:rPr b="0" lang="en-US" sz="1600" spc="-1" strike="noStrike">
+                <a:solidFill>
+                  <a:srgbClr val="000000"/>
+                </a:solidFill>
+                <a:uFill>
+                  <a:solidFill>
+                    <a:srgbClr val="ffffff"/>
+                  </a:solidFill>
+                </a:uFill>
+                <a:latin typeface="Arial"/>
+                <a:ea typeface="Arial"/>
+              </a:rPr>
+              <a:t> </a:t>
             </a:r>
             <a:endParaRPr b="0" lang="en-US" sz="1800" spc="-1" strike="noStrike">
               <a:solidFill>
@@ -18518,7 +19056,7 @@
                 <a:latin typeface="Arial"/>
                 <a:ea typeface="Arial"/>
               </a:rPr>
-              <a:t>MPC Test Cases</a:t>
+              <a:t>MPC Randomized Test Cases</a:t>
             </a:r>
             <a:endParaRPr b="0" lang="en-US" sz="1800" spc="-1" strike="noStrike">
               <a:solidFill>
@@ -18944,7 +19482,7 @@
                 <a:latin typeface="Arial"/>
                 <a:ea typeface="Arial"/>
               </a:rPr>
-              <a:t>MPC Test Cases</a:t>
+              <a:t>MPC Randomized Test Cases</a:t>
             </a:r>
             <a:endParaRPr b="0" lang="en-US" sz="1800" spc="-1" strike="noStrike">
               <a:solidFill>
@@ -19409,9 +19947,55 @@
           <a:chExt cx="0" cy="0"/>
         </a:xfrm>
       </p:grpSpPr>
-      <p:sp>
-        <p:nvSpPr>
-          <p:cNvPr id="306" name="CustomShape 1"/>
+      <p:pic>
+        <p:nvPicPr>
+          <p:cNvPr id="306" name="" descr=""/>
+          <p:cNvPicPr/>
+          <p:nvPr/>
+        </p:nvPicPr>
+        <p:blipFill>
+          <a:blip r:embed="rId1"/>
+          <a:stretch/>
+        </p:blipFill>
+        <p:spPr>
+          <a:xfrm>
+            <a:off x="1536120" y="1828800"/>
+            <a:ext cx="3584520" cy="5029200"/>
+          </a:xfrm>
+          <a:prstGeom prst="rect">
+            <a:avLst/>
+          </a:prstGeom>
+          <a:ln>
+            <a:noFill/>
+          </a:ln>
+        </p:spPr>
+      </p:pic>
+      <p:pic>
+        <p:nvPicPr>
+          <p:cNvPr id="307" name="" descr=""/>
+          <p:cNvPicPr/>
+          <p:nvPr/>
+        </p:nvPicPr>
+        <p:blipFill>
+          <a:blip r:embed="rId2"/>
+          <a:stretch/>
+        </p:blipFill>
+        <p:spPr>
+          <a:xfrm>
+            <a:off x="6748200" y="1828800"/>
+            <a:ext cx="3584520" cy="5029200"/>
+          </a:xfrm>
+          <a:prstGeom prst="rect">
+            <a:avLst/>
+          </a:prstGeom>
+          <a:ln>
+            <a:noFill/>
+          </a:ln>
+        </p:spPr>
+      </p:pic>
+      <p:sp>
+        <p:nvSpPr>
+          <p:cNvPr id="308" name="CustomShape 1"/>
           <p:cNvSpPr/>
           <p:nvPr/>
         </p:nvSpPr>
@@ -19455,62 +20039,10 @@
                 <a:latin typeface="Arial"/>
                 <a:ea typeface="Arial"/>
               </a:rPr>
-              <a:t>Future Work</a:t>
+              <a:t>MPC Specific Test </a:t>
             </a:r>
-            <a:endParaRPr b="0" lang="en-US" sz="1800" spc="-1" strike="noStrike">
-              <a:solidFill>
-                <a:srgbClr val="000000"/>
-              </a:solidFill>
-              <a:uFill>
-                <a:solidFill>
-                  <a:srgbClr val="ffffff"/>
-                </a:solidFill>
-              </a:uFill>
-              <a:latin typeface="Arial"/>
-            </a:endParaRPr>
-          </a:p>
-        </p:txBody>
-      </p:sp>
-      <p:sp>
-        <p:nvSpPr>
-          <p:cNvPr id="307" name="CustomShape 2"/>
-          <p:cNvSpPr/>
-          <p:nvPr/>
-        </p:nvSpPr>
-        <p:spPr>
-          <a:xfrm>
-            <a:off x="712800" y="992520"/>
-            <a:ext cx="9802800" cy="5221800"/>
-          </a:xfrm>
-          <a:prstGeom prst="rect">
-            <a:avLst/>
-          </a:prstGeom>
-          <a:noFill/>
-          <a:ln>
-            <a:noFill/>
-          </a:ln>
-        </p:spPr>
-        <p:style>
-          <a:lnRef idx="0"/>
-          <a:fillRef idx="0"/>
-          <a:effectRef idx="0"/>
-          <a:fontRef idx="minor"/>
-        </p:style>
-        <p:txBody>
-          <a:bodyPr lIns="90000" rIns="90000" tIns="45000" bIns="45000"/>
-          <a:p>
-            <a:pPr marL="169920" indent="-169200">
-              <a:lnSpc>
-                <a:spcPct val="100000"/>
-              </a:lnSpc>
-              <a:buClr>
-                <a:srgbClr val="c00000"/>
-              </a:buClr>
-              <a:buFont typeface="Arial"/>
-              <a:buChar char="•"/>
-            </a:pPr>
             <a:r>
-              <a:rPr b="0" lang="en-US" sz="2000" spc="-1" strike="noStrike">
+              <a:rPr b="1" lang="en-US" sz="2800" spc="-1" strike="noStrike">
                 <a:solidFill>
                   <a:srgbClr val="000000"/>
                 </a:solidFill>
@@ -19522,7 +20054,7 @@
                 <a:latin typeface="Arial"/>
                 <a:ea typeface="Arial"/>
               </a:rPr>
-              <a:t>MPC Trajectory Generator solves a non-linear optimization problem which cannot guarantee a solution at every time step.</a:t>
+              <a:t>Cases</a:t>
             </a:r>
             <a:endParaRPr b="0" lang="en-US" sz="1800" spc="-1" strike="noStrike">
               <a:solidFill>
@@ -19536,281 +20068,11 @@
               <a:latin typeface="Arial"/>
             </a:endParaRPr>
           </a:p>
-          <a:p>
-            <a:pPr marL="169920" indent="-169200">
-              <a:lnSpc>
-                <a:spcPct val="100000"/>
-              </a:lnSpc>
-              <a:buClr>
-                <a:srgbClr val="c00000"/>
-              </a:buClr>
-              <a:buFont typeface="Arial"/>
-              <a:buChar char="•"/>
-            </a:pPr>
-            <a:r>
-              <a:rPr b="0" lang="en-US" sz="2000" spc="-1" strike="noStrike">
-                <a:solidFill>
-                  <a:srgbClr val="000000"/>
-                </a:solidFill>
-                <a:uFill>
-                  <a:solidFill>
-                    <a:srgbClr val="ffffff"/>
-                  </a:solidFill>
-                </a:uFill>
-                <a:latin typeface="Arial"/>
-                <a:ea typeface="Arial"/>
-              </a:rPr>
-              <a:t>To obtained a guaranteed solution we will look at the following approaches:</a:t>
-            </a:r>
-            <a:endParaRPr b="0" lang="en-US" sz="1800" spc="-1" strike="noStrike">
-              <a:solidFill>
-                <a:srgbClr val="000000"/>
-              </a:solidFill>
-              <a:uFill>
-                <a:solidFill>
-                  <a:srgbClr val="ffffff"/>
-                </a:solidFill>
-              </a:uFill>
-              <a:latin typeface="Arial"/>
-            </a:endParaRPr>
-          </a:p>
-          <a:p>
-            <a:pPr lvl="1" marL="864000" indent="-323640">
-              <a:lnSpc>
-                <a:spcPct val="100000"/>
-              </a:lnSpc>
-              <a:buClr>
-                <a:srgbClr val="000000"/>
-              </a:buClr>
-              <a:buSzPct val="75000"/>
-              <a:buFont typeface="Symbol"/>
-              <a:buChar char=""/>
-            </a:pPr>
-            <a:r>
-              <a:rPr b="0" lang="en-US" sz="1600" spc="-1" strike="noStrike">
-                <a:solidFill>
-                  <a:srgbClr val="000000"/>
-                </a:solidFill>
-                <a:uFill>
-                  <a:solidFill>
-                    <a:srgbClr val="ffffff"/>
-                  </a:solidFill>
-                </a:uFill>
-                <a:latin typeface="Arial"/>
-                <a:ea typeface="Arial"/>
-              </a:rPr>
-              <a:t>Approximate optimization problem formulation using linearized vehicle dynamics and linear constraints</a:t>
-            </a:r>
-            <a:endParaRPr b="0" lang="en-US" sz="1800" spc="-1" strike="noStrike">
-              <a:solidFill>
-                <a:srgbClr val="000000"/>
-              </a:solidFill>
-              <a:uFill>
-                <a:solidFill>
-                  <a:srgbClr val="ffffff"/>
-                </a:solidFill>
-              </a:uFill>
-              <a:latin typeface="Arial"/>
-            </a:endParaRPr>
-          </a:p>
-          <a:p>
-            <a:pPr lvl="1" marL="864000" indent="-323640">
-              <a:lnSpc>
-                <a:spcPct val="100000"/>
-              </a:lnSpc>
-              <a:buClr>
-                <a:srgbClr val="000000"/>
-              </a:buClr>
-              <a:buSzPct val="75000"/>
-              <a:buFont typeface="Symbol"/>
-              <a:buChar char=""/>
-            </a:pPr>
-            <a:r>
-              <a:rPr b="0" lang="en-US" sz="1600" spc="-1" strike="noStrike">
-                <a:solidFill>
-                  <a:srgbClr val="000000"/>
-                </a:solidFill>
-                <a:uFill>
-                  <a:solidFill>
-                    <a:srgbClr val="ffffff"/>
-                  </a:solidFill>
-                </a:uFill>
-                <a:latin typeface="Arial"/>
-                <a:ea typeface="Arial"/>
-              </a:rPr>
-              <a:t>Continue on the MPC path computed in the previous time step and run a  less costly global planner to re-initialize the MPC problem</a:t>
-            </a:r>
-            <a:endParaRPr b="0" lang="en-US" sz="1800" spc="-1" strike="noStrike">
-              <a:solidFill>
-                <a:srgbClr val="000000"/>
-              </a:solidFill>
-              <a:uFill>
-                <a:solidFill>
-                  <a:srgbClr val="ffffff"/>
-                </a:solidFill>
-              </a:uFill>
-              <a:latin typeface="Arial"/>
-            </a:endParaRPr>
-          </a:p>
-          <a:p>
-            <a:pPr marL="169920" indent="-169200">
-              <a:lnSpc>
-                <a:spcPct val="100000"/>
-              </a:lnSpc>
-              <a:buClr>
-                <a:srgbClr val="c00000"/>
-              </a:buClr>
-              <a:buFont typeface="Arial"/>
-              <a:buChar char="•"/>
-            </a:pPr>
-            <a:r>
-              <a:rPr b="0" lang="en-US" sz="2000" spc="-1" strike="noStrike">
-                <a:solidFill>
-                  <a:srgbClr val="000000"/>
-                </a:solidFill>
-                <a:uFill>
-                  <a:solidFill>
-                    <a:srgbClr val="ffffff"/>
-                  </a:solidFill>
-                </a:uFill>
-                <a:latin typeface="Arial"/>
-                <a:ea typeface="Arial"/>
-              </a:rPr>
-              <a:t>Current MPC trajectory generator is not optimized to run in real time</a:t>
-            </a:r>
-            <a:endParaRPr b="0" lang="en-US" sz="1800" spc="-1" strike="noStrike">
-              <a:solidFill>
-                <a:srgbClr val="000000"/>
-              </a:solidFill>
-              <a:uFill>
-                <a:solidFill>
-                  <a:srgbClr val="ffffff"/>
-                </a:solidFill>
-              </a:uFill>
-              <a:latin typeface="Arial"/>
-            </a:endParaRPr>
-          </a:p>
-          <a:p>
-            <a:pPr marL="169920" indent="-169200">
-              <a:lnSpc>
-                <a:spcPct val="100000"/>
-              </a:lnSpc>
-              <a:buClr>
-                <a:srgbClr val="c00000"/>
-              </a:buClr>
-              <a:buFont typeface="Arial"/>
-              <a:buChar char="•"/>
-            </a:pPr>
-            <a:r>
-              <a:rPr b="0" lang="en-US" sz="2000" spc="-1" strike="noStrike">
-                <a:solidFill>
-                  <a:srgbClr val="000000"/>
-                </a:solidFill>
-                <a:uFill>
-                  <a:solidFill>
-                    <a:srgbClr val="ffffff"/>
-                  </a:solidFill>
-                </a:uFill>
-                <a:latin typeface="Arial"/>
-                <a:ea typeface="Arial"/>
-              </a:rPr>
-              <a:t>To obtain real-time performance we will look at the following approaches:</a:t>
-            </a:r>
-            <a:endParaRPr b="0" lang="en-US" sz="1800" spc="-1" strike="noStrike">
-              <a:solidFill>
-                <a:srgbClr val="000000"/>
-              </a:solidFill>
-              <a:uFill>
-                <a:solidFill>
-                  <a:srgbClr val="ffffff"/>
-                </a:solidFill>
-              </a:uFill>
-              <a:latin typeface="Arial"/>
-            </a:endParaRPr>
-          </a:p>
-          <a:p>
-            <a:pPr lvl="1" marL="864000" indent="-323640">
-              <a:lnSpc>
-                <a:spcPct val="100000"/>
-              </a:lnSpc>
-              <a:buClr>
-                <a:srgbClr val="000000"/>
-              </a:buClr>
-              <a:buSzPct val="75000"/>
-              <a:buFont typeface="Symbol"/>
-              <a:buChar char=""/>
-            </a:pPr>
-            <a:r>
-              <a:rPr b="0" lang="en-US" sz="1600" spc="-1" strike="noStrike">
-                <a:solidFill>
-                  <a:srgbClr val="000000"/>
-                </a:solidFill>
-                <a:uFill>
-                  <a:solidFill>
-                    <a:srgbClr val="ffffff"/>
-                  </a:solidFill>
-                </a:uFill>
-                <a:latin typeface="Arial"/>
-                <a:ea typeface="Arial"/>
-              </a:rPr>
-              <a:t>Use near-optimal values to reduce the number of iterations</a:t>
-            </a:r>
-            <a:endParaRPr b="0" lang="en-US" sz="1800" spc="-1" strike="noStrike">
-              <a:solidFill>
-                <a:srgbClr val="000000"/>
-              </a:solidFill>
-              <a:uFill>
-                <a:solidFill>
-                  <a:srgbClr val="ffffff"/>
-                </a:solidFill>
-              </a:uFill>
-              <a:latin typeface="Arial"/>
-            </a:endParaRPr>
-          </a:p>
-          <a:p>
-            <a:pPr lvl="1" marL="864000" indent="-323640">
-              <a:lnSpc>
-                <a:spcPct val="100000"/>
-              </a:lnSpc>
-              <a:buClr>
-                <a:srgbClr val="000000"/>
-              </a:buClr>
-              <a:buSzPct val="75000"/>
-              <a:buFont typeface="Symbol"/>
-              <a:buChar char=""/>
-            </a:pPr>
-            <a:r>
-              <a:rPr b="0" lang="en-US" sz="1600" spc="-1" strike="noStrike">
-                <a:solidFill>
-                  <a:srgbClr val="000000"/>
-                </a:solidFill>
-                <a:uFill>
-                  <a:solidFill>
-                    <a:srgbClr val="ffffff"/>
-                  </a:solidFill>
-                </a:uFill>
-                <a:latin typeface="Arial"/>
-                <a:ea typeface="Arial"/>
-              </a:rPr>
-              <a:t>Use efficient linear solvers which is used by the nonlinear optimizer </a:t>
-            </a:r>
-            <a:endParaRPr b="0" lang="en-US" sz="1800" spc="-1" strike="noStrike">
-              <a:solidFill>
-                <a:srgbClr val="000000"/>
-              </a:solidFill>
-              <a:uFill>
-                <a:solidFill>
-                  <a:srgbClr val="ffffff"/>
-                </a:solidFill>
-              </a:uFill>
-              <a:latin typeface="Arial"/>
-            </a:endParaRPr>
-          </a:p>
-        </p:txBody>
-      </p:sp>
-      <p:sp>
-        <p:nvSpPr>
-          <p:cNvPr id="308" name="CustomShape 3"/>
+        </p:txBody>
+      </p:sp>
+      <p:sp>
+        <p:nvSpPr>
+          <p:cNvPr id="309" name="CustomShape 2"/>
           <p:cNvSpPr/>
           <p:nvPr/>
         </p:nvSpPr>
@@ -19854,7 +20116,232 @@
                 <a:latin typeface="Arial"/>
                 <a:ea typeface="DejaVu Sans"/>
               </a:rPr>
-              <a:t>Honeywell Internal</a:t>
+              <a:t>H</a:t>
+            </a:r>
+            <a:r>
+              <a:rPr b="0" lang="en-US" sz="700" spc="-1" strike="noStrike">
+                <a:solidFill>
+                  <a:srgbClr val="7f7f7f"/>
+                </a:solidFill>
+                <a:uFill>
+                  <a:solidFill>
+                    <a:srgbClr val="ffffff"/>
+                  </a:solidFill>
+                </a:uFill>
+                <a:latin typeface="Arial"/>
+                <a:ea typeface="DejaVu Sans"/>
+              </a:rPr>
+              <a:t>o</a:t>
+            </a:r>
+            <a:r>
+              <a:rPr b="0" lang="en-US" sz="700" spc="-1" strike="noStrike">
+                <a:solidFill>
+                  <a:srgbClr val="7f7f7f"/>
+                </a:solidFill>
+                <a:uFill>
+                  <a:solidFill>
+                    <a:srgbClr val="ffffff"/>
+                  </a:solidFill>
+                </a:uFill>
+                <a:latin typeface="Arial"/>
+                <a:ea typeface="DejaVu Sans"/>
+              </a:rPr>
+              <a:t>n</a:t>
+            </a:r>
+            <a:r>
+              <a:rPr b="0" lang="en-US" sz="700" spc="-1" strike="noStrike">
+                <a:solidFill>
+                  <a:srgbClr val="7f7f7f"/>
+                </a:solidFill>
+                <a:uFill>
+                  <a:solidFill>
+                    <a:srgbClr val="ffffff"/>
+                  </a:solidFill>
+                </a:uFill>
+                <a:latin typeface="Arial"/>
+                <a:ea typeface="DejaVu Sans"/>
+              </a:rPr>
+              <a:t>e</a:t>
+            </a:r>
+            <a:r>
+              <a:rPr b="0" lang="en-US" sz="700" spc="-1" strike="noStrike">
+                <a:solidFill>
+                  <a:srgbClr val="7f7f7f"/>
+                </a:solidFill>
+                <a:uFill>
+                  <a:solidFill>
+                    <a:srgbClr val="ffffff"/>
+                  </a:solidFill>
+                </a:uFill>
+                <a:latin typeface="Arial"/>
+                <a:ea typeface="DejaVu Sans"/>
+              </a:rPr>
+              <a:t>y</a:t>
+            </a:r>
+            <a:r>
+              <a:rPr b="0" lang="en-US" sz="700" spc="-1" strike="noStrike">
+                <a:solidFill>
+                  <a:srgbClr val="7f7f7f"/>
+                </a:solidFill>
+                <a:uFill>
+                  <a:solidFill>
+                    <a:srgbClr val="ffffff"/>
+                  </a:solidFill>
+                </a:uFill>
+                <a:latin typeface="Arial"/>
+                <a:ea typeface="DejaVu Sans"/>
+              </a:rPr>
+              <a:t>w</a:t>
+            </a:r>
+            <a:r>
+              <a:rPr b="0" lang="en-US" sz="700" spc="-1" strike="noStrike">
+                <a:solidFill>
+                  <a:srgbClr val="7f7f7f"/>
+                </a:solidFill>
+                <a:uFill>
+                  <a:solidFill>
+                    <a:srgbClr val="ffffff"/>
+                  </a:solidFill>
+                </a:uFill>
+                <a:latin typeface="Arial"/>
+                <a:ea typeface="DejaVu Sans"/>
+              </a:rPr>
+              <a:t>e</a:t>
+            </a:r>
+            <a:r>
+              <a:rPr b="0" lang="en-US" sz="700" spc="-1" strike="noStrike">
+                <a:solidFill>
+                  <a:srgbClr val="7f7f7f"/>
+                </a:solidFill>
+                <a:uFill>
+                  <a:solidFill>
+                    <a:srgbClr val="ffffff"/>
+                  </a:solidFill>
+                </a:uFill>
+                <a:latin typeface="Arial"/>
+                <a:ea typeface="DejaVu Sans"/>
+              </a:rPr>
+              <a:t>ll </a:t>
+            </a:r>
+            <a:r>
+              <a:rPr b="0" lang="en-US" sz="700" spc="-1" strike="noStrike">
+                <a:solidFill>
+                  <a:srgbClr val="7f7f7f"/>
+                </a:solidFill>
+                <a:uFill>
+                  <a:solidFill>
+                    <a:srgbClr val="ffffff"/>
+                  </a:solidFill>
+                </a:uFill>
+                <a:latin typeface="Arial"/>
+                <a:ea typeface="DejaVu Sans"/>
+              </a:rPr>
+              <a:t>I</a:t>
+            </a:r>
+            <a:r>
+              <a:rPr b="0" lang="en-US" sz="700" spc="-1" strike="noStrike">
+                <a:solidFill>
+                  <a:srgbClr val="7f7f7f"/>
+                </a:solidFill>
+                <a:uFill>
+                  <a:solidFill>
+                    <a:srgbClr val="ffffff"/>
+                  </a:solidFill>
+                </a:uFill>
+                <a:latin typeface="Arial"/>
+                <a:ea typeface="DejaVu Sans"/>
+              </a:rPr>
+              <a:t>n</a:t>
+            </a:r>
+            <a:r>
+              <a:rPr b="0" lang="en-US" sz="700" spc="-1" strike="noStrike">
+                <a:solidFill>
+                  <a:srgbClr val="7f7f7f"/>
+                </a:solidFill>
+                <a:uFill>
+                  <a:solidFill>
+                    <a:srgbClr val="ffffff"/>
+                  </a:solidFill>
+                </a:uFill>
+                <a:latin typeface="Arial"/>
+                <a:ea typeface="DejaVu Sans"/>
+              </a:rPr>
+              <a:t>t</a:t>
+            </a:r>
+            <a:r>
+              <a:rPr b="0" lang="en-US" sz="700" spc="-1" strike="noStrike">
+                <a:solidFill>
+                  <a:srgbClr val="7f7f7f"/>
+                </a:solidFill>
+                <a:uFill>
+                  <a:solidFill>
+                    <a:srgbClr val="ffffff"/>
+                  </a:solidFill>
+                </a:uFill>
+                <a:latin typeface="Arial"/>
+                <a:ea typeface="DejaVu Sans"/>
+              </a:rPr>
+              <a:t>e</a:t>
+            </a:r>
+            <a:r>
+              <a:rPr b="0" lang="en-US" sz="700" spc="-1" strike="noStrike">
+                <a:solidFill>
+                  <a:srgbClr val="7f7f7f"/>
+                </a:solidFill>
+                <a:uFill>
+                  <a:solidFill>
+                    <a:srgbClr val="ffffff"/>
+                  </a:solidFill>
+                </a:uFill>
+                <a:latin typeface="Arial"/>
+                <a:ea typeface="DejaVu Sans"/>
+              </a:rPr>
+              <a:t>r</a:t>
+            </a:r>
+            <a:r>
+              <a:rPr b="0" lang="en-US" sz="700" spc="-1" strike="noStrike">
+                <a:solidFill>
+                  <a:srgbClr val="7f7f7f"/>
+                </a:solidFill>
+                <a:uFill>
+                  <a:solidFill>
+                    <a:srgbClr val="ffffff"/>
+                  </a:solidFill>
+                </a:uFill>
+                <a:latin typeface="Arial"/>
+                <a:ea typeface="DejaVu Sans"/>
+              </a:rPr>
+              <a:t>n</a:t>
+            </a:r>
+            <a:r>
+              <a:rPr b="0" lang="en-US" sz="700" spc="-1" strike="noStrike">
+                <a:solidFill>
+                  <a:srgbClr val="7f7f7f"/>
+                </a:solidFill>
+                <a:uFill>
+                  <a:solidFill>
+                    <a:srgbClr val="ffffff"/>
+                  </a:solidFill>
+                </a:uFill>
+                <a:latin typeface="Arial"/>
+                <a:ea typeface="DejaVu Sans"/>
+              </a:rPr>
+              <a:t>a</a:t>
+            </a:r>
+            <a:r>
+              <a:rPr b="0" lang="en-US" sz="700" spc="-1" strike="noStrike">
+                <a:solidFill>
+                  <a:srgbClr val="7f7f7f"/>
+                </a:solidFill>
+                <a:uFill>
+                  <a:solidFill>
+                    <a:srgbClr val="ffffff"/>
+                  </a:solidFill>
+                </a:uFill>
+                <a:latin typeface="Arial"/>
+                <a:ea typeface="DejaVu Sans"/>
+              </a:rPr>
+              <a:t>l</a:t>
             </a:r>
             <a:endParaRPr b="0" lang="en-US" sz="1800" spc="-1" strike="noStrike">
               <a:solidFill>
@@ -19869,6 +20356,270 @@
             </a:endParaRPr>
           </a:p>
         </p:txBody>
+      </p:sp>
+      <p:sp>
+        <p:nvSpPr>
+          <p:cNvPr id="310" name="Line 3"/>
+          <p:cNvSpPr/>
+          <p:nvPr/>
+        </p:nvSpPr>
+        <p:spPr>
+          <a:xfrm flipV="1">
+            <a:off x="1097280" y="4389120"/>
+            <a:ext cx="2286000" cy="360"/>
+          </a:xfrm>
+          <a:prstGeom prst="line">
+            <a:avLst/>
+          </a:prstGeom>
+          <a:ln>
+            <a:solidFill>
+              <a:srgbClr val="000000"/>
+            </a:solidFill>
+            <a:tailEnd len="med" type="triangle" w="med"/>
+          </a:ln>
+        </p:spPr>
+        <p:style>
+          <a:lnRef idx="0"/>
+          <a:fillRef idx="0"/>
+          <a:effectRef idx="0"/>
+          <a:fontRef idx="minor"/>
+        </p:style>
+      </p:sp>
+      <p:sp>
+        <p:nvSpPr>
+          <p:cNvPr id="311" name="Line 4"/>
+          <p:cNvSpPr/>
+          <p:nvPr/>
+        </p:nvSpPr>
+        <p:spPr>
+          <a:xfrm>
+            <a:off x="1097280" y="1573920"/>
+            <a:ext cx="0" cy="2815200"/>
+          </a:xfrm>
+          <a:prstGeom prst="line">
+            <a:avLst/>
+          </a:prstGeom>
+          <a:ln>
+            <a:solidFill>
+              <a:srgbClr val="000000"/>
+            </a:solidFill>
+          </a:ln>
+        </p:spPr>
+        <p:style>
+          <a:lnRef idx="0"/>
+          <a:fillRef idx="0"/>
+          <a:effectRef idx="0"/>
+          <a:fontRef idx="minor"/>
+        </p:style>
+      </p:sp>
+      <p:sp>
+        <p:nvSpPr>
+          <p:cNvPr id="312" name="Line 5"/>
+          <p:cNvSpPr/>
+          <p:nvPr/>
+        </p:nvSpPr>
+        <p:spPr>
+          <a:xfrm>
+            <a:off x="1097280" y="1573920"/>
+            <a:ext cx="241560" cy="0"/>
+          </a:xfrm>
+          <a:prstGeom prst="line">
+            <a:avLst/>
+          </a:prstGeom>
+          <a:ln>
+            <a:solidFill>
+              <a:srgbClr val="000000"/>
+            </a:solidFill>
+          </a:ln>
+        </p:spPr>
+        <p:style>
+          <a:lnRef idx="0"/>
+          <a:fillRef idx="0"/>
+          <a:effectRef idx="0"/>
+          <a:fontRef idx="minor"/>
+        </p:style>
+      </p:sp>
+      <p:sp>
+        <p:nvSpPr>
+          <p:cNvPr id="313" name="TextShape 6"/>
+          <p:cNvSpPr txBox="1"/>
+          <p:nvPr/>
+        </p:nvSpPr>
+        <p:spPr>
+          <a:xfrm>
+            <a:off x="1339200" y="1188720"/>
+            <a:ext cx="4604400" cy="1114200"/>
+          </a:xfrm>
+          <a:prstGeom prst="rect">
+            <a:avLst/>
+          </a:prstGeom>
+          <a:noFill/>
+          <a:ln>
+            <a:noFill/>
+          </a:ln>
+        </p:spPr>
+        <p:txBody>
+          <a:bodyPr lIns="90000" rIns="90000" tIns="45000" bIns="45000"/>
+          <a:p>
+            <a:r>
+              <a:rPr b="0" lang="en-US" sz="1800" spc="-1" strike="noStrike">
+                <a:solidFill>
+                  <a:srgbClr val="000000"/>
+                </a:solidFill>
+                <a:uFill>
+                  <a:solidFill>
+                    <a:srgbClr val="ffffff"/>
+                  </a:solidFill>
+                </a:uFill>
+                <a:latin typeface="Arial"/>
+              </a:rPr>
+              <a:t>MPC Trajectory Generator is trapped and slows down to zero speed</a:t>
+            </a:r>
+            <a:endParaRPr b="0" lang="en-US" sz="1800" spc="-1" strike="noStrike">
+              <a:solidFill>
+                <a:srgbClr val="000000"/>
+              </a:solidFill>
+              <a:uFill>
+                <a:solidFill>
+                  <a:srgbClr val="ffffff"/>
+                </a:solidFill>
+              </a:uFill>
+              <a:latin typeface="Arial"/>
+            </a:endParaRPr>
+          </a:p>
+        </p:txBody>
+      </p:sp>
+      <p:sp>
+        <p:nvSpPr>
+          <p:cNvPr id="314" name="TextShape 7"/>
+          <p:cNvSpPr txBox="1"/>
+          <p:nvPr/>
+        </p:nvSpPr>
+        <p:spPr>
+          <a:xfrm>
+            <a:off x="6836400" y="1180440"/>
+            <a:ext cx="4022640" cy="858240"/>
+          </a:xfrm>
+          <a:prstGeom prst="rect">
+            <a:avLst/>
+          </a:prstGeom>
+          <a:noFill/>
+          <a:ln>
+            <a:noFill/>
+          </a:ln>
+        </p:spPr>
+        <p:txBody>
+          <a:bodyPr lIns="90000" rIns="90000" tIns="45000" bIns="45000"/>
+          <a:p>
+            <a:r>
+              <a:rPr b="0" lang="en-US" sz="1800" spc="-1" strike="noStrike">
+                <a:solidFill>
+                  <a:srgbClr val="000000"/>
+                </a:solidFill>
+                <a:uFill>
+                  <a:solidFill>
+                    <a:srgbClr val="ffffff"/>
+                  </a:solidFill>
+                </a:uFill>
+                <a:latin typeface="Arial"/>
+              </a:rPr>
+              <a:t>MPC Trajectory Generator successfully reaches the end point with relaxed turn constraints</a:t>
+            </a:r>
+            <a:endParaRPr b="0" lang="en-US" sz="1800" spc="-1" strike="noStrike">
+              <a:solidFill>
+                <a:srgbClr val="000000"/>
+              </a:solidFill>
+              <a:uFill>
+                <a:solidFill>
+                  <a:srgbClr val="ffffff"/>
+                </a:solidFill>
+              </a:uFill>
+              <a:latin typeface="Arial"/>
+            </a:endParaRPr>
+          </a:p>
+        </p:txBody>
+      </p:sp>
+      <p:sp>
+        <p:nvSpPr>
+          <p:cNvPr id="315" name="Line 8"/>
+          <p:cNvSpPr/>
+          <p:nvPr/>
+        </p:nvSpPr>
+        <p:spPr>
+          <a:xfrm>
+            <a:off x="10790280" y="1490040"/>
+            <a:ext cx="0" cy="2402640"/>
+          </a:xfrm>
+          <a:prstGeom prst="line">
+            <a:avLst/>
+          </a:prstGeom>
+          <a:ln>
+            <a:solidFill>
+              <a:srgbClr val="000000"/>
+            </a:solidFill>
+          </a:ln>
+        </p:spPr>
+        <p:style>
+          <a:lnRef idx="0"/>
+          <a:fillRef idx="0"/>
+          <a:effectRef idx="0"/>
+          <a:fontRef idx="minor"/>
+        </p:style>
+      </p:sp>
+      <p:sp>
+        <p:nvSpPr>
+          <p:cNvPr id="316" name="Line 9"/>
+          <p:cNvSpPr/>
+          <p:nvPr/>
+        </p:nvSpPr>
+        <p:spPr>
+          <a:xfrm>
+            <a:off x="10548720" y="1490040"/>
+            <a:ext cx="241560" cy="0"/>
+          </a:xfrm>
+          <a:prstGeom prst="line">
+            <a:avLst/>
+          </a:prstGeom>
+          <a:ln>
+            <a:solidFill>
+              <a:srgbClr val="000000"/>
+            </a:solidFill>
+          </a:ln>
+        </p:spPr>
+        <p:style>
+          <a:lnRef idx="0"/>
+          <a:fillRef idx="0"/>
+          <a:effectRef idx="0"/>
+          <a:fontRef idx="minor"/>
+        </p:style>
+      </p:sp>
+      <p:sp>
+        <p:nvSpPr>
+          <p:cNvPr id="317" name="Line 10"/>
+          <p:cNvSpPr/>
+          <p:nvPr/>
+        </p:nvSpPr>
+        <p:spPr>
+          <a:xfrm flipH="1">
+            <a:off x="9052560" y="3892680"/>
+            <a:ext cx="1737720" cy="0"/>
+          </a:xfrm>
+          <a:prstGeom prst="line">
+            <a:avLst/>
+          </a:prstGeom>
+          <a:ln>
+            <a:solidFill>
+              <a:srgbClr val="000000"/>
+            </a:solidFill>
+            <a:tailEnd len="med" type="triangle" w="med"/>
+          </a:ln>
+        </p:spPr>
+        <p:style>
+          <a:lnRef idx="0"/>
+          <a:fillRef idx="0"/>
+          <a:effectRef idx="0"/>
+          <a:fontRef idx="minor"/>
+        </p:style>
       </p:sp>
     </p:spTree>
   </p:cSld>
@@ -19921,7 +20672,7 @@
       </p:grpSpPr>
       <p:sp>
         <p:nvSpPr>
-          <p:cNvPr id="309" name="CustomShape 1"/>
+          <p:cNvPr id="318" name="CustomShape 1"/>
           <p:cNvSpPr/>
           <p:nvPr/>
         </p:nvSpPr>
@@ -19965,7 +20716,7 @@
                 <a:latin typeface="Arial"/>
                 <a:ea typeface="Arial"/>
               </a:rPr>
-              <a:t>Q&amp;A</a:t>
+              <a:t>Future Work</a:t>
             </a:r>
             <a:endParaRPr b="0" lang="en-US" sz="1800" spc="-1" strike="noStrike">
               <a:solidFill>
@@ -19983,7 +20734,383 @@
       </p:sp>
       <p:sp>
         <p:nvSpPr>
-          <p:cNvPr id="310" name="CustomShape 2"/>
+          <p:cNvPr id="319" name="CustomShape 2"/>
+          <p:cNvSpPr/>
+          <p:nvPr/>
+        </p:nvSpPr>
+        <p:spPr>
+          <a:xfrm>
+            <a:off x="712800" y="992520"/>
+            <a:ext cx="9802800" cy="5221800"/>
+          </a:xfrm>
+          <a:prstGeom prst="rect">
+            <a:avLst/>
+          </a:prstGeom>
+          <a:noFill/>
+          <a:ln>
+            <a:noFill/>
+          </a:ln>
+        </p:spPr>
+        <p:style>
+          <a:lnRef idx="0"/>
+          <a:fillRef idx="0"/>
+          <a:effectRef idx="0"/>
+          <a:fontRef idx="minor"/>
+        </p:style>
+        <p:txBody>
+          <a:bodyPr lIns="90000" rIns="90000" tIns="45000" bIns="45000"/>
+          <a:p>
+            <a:pPr marL="169920" indent="-169200">
+              <a:lnSpc>
+                <a:spcPct val="100000"/>
+              </a:lnSpc>
+              <a:buClr>
+                <a:srgbClr val="c00000"/>
+              </a:buClr>
+              <a:buFont typeface="Arial"/>
+              <a:buChar char="•"/>
+            </a:pPr>
+            <a:r>
+              <a:rPr b="0" lang="en-US" sz="2000" spc="-1" strike="noStrike">
+                <a:solidFill>
+                  <a:srgbClr val="000000"/>
+                </a:solidFill>
+                <a:uFill>
+                  <a:solidFill>
+                    <a:srgbClr val="ffffff"/>
+                  </a:solidFill>
+                </a:uFill>
+                <a:latin typeface="Arial"/>
+                <a:ea typeface="Arial"/>
+              </a:rPr>
+              <a:t>MPC Trajectory Generator solves a non-linear optimization problem which cannot guarantee a solution at every time step.</a:t>
+            </a:r>
+            <a:endParaRPr b="0" lang="en-US" sz="1800" spc="-1" strike="noStrike">
+              <a:solidFill>
+                <a:srgbClr val="000000"/>
+              </a:solidFill>
+              <a:uFill>
+                <a:solidFill>
+                  <a:srgbClr val="ffffff"/>
+                </a:solidFill>
+              </a:uFill>
+              <a:latin typeface="Arial"/>
+            </a:endParaRPr>
+          </a:p>
+          <a:p>
+            <a:pPr marL="169920" indent="-169200">
+              <a:lnSpc>
+                <a:spcPct val="100000"/>
+              </a:lnSpc>
+              <a:buClr>
+                <a:srgbClr val="c00000"/>
+              </a:buClr>
+              <a:buFont typeface="Arial"/>
+              <a:buChar char="•"/>
+            </a:pPr>
+            <a:r>
+              <a:rPr b="0" lang="en-US" sz="2000" spc="-1" strike="noStrike">
+                <a:solidFill>
+                  <a:srgbClr val="000000"/>
+                </a:solidFill>
+                <a:uFill>
+                  <a:solidFill>
+                    <a:srgbClr val="ffffff"/>
+                  </a:solidFill>
+                </a:uFill>
+                <a:latin typeface="Arial"/>
+                <a:ea typeface="Arial"/>
+              </a:rPr>
+              <a:t>To obtained a guaranteed solution we will look at the following approaches:</a:t>
+            </a:r>
+            <a:endParaRPr b="0" lang="en-US" sz="1800" spc="-1" strike="noStrike">
+              <a:solidFill>
+                <a:srgbClr val="000000"/>
+              </a:solidFill>
+              <a:uFill>
+                <a:solidFill>
+                  <a:srgbClr val="ffffff"/>
+                </a:solidFill>
+              </a:uFill>
+              <a:latin typeface="Arial"/>
+            </a:endParaRPr>
+          </a:p>
+          <a:p>
+            <a:pPr lvl="1" marL="864000" indent="-323640">
+              <a:lnSpc>
+                <a:spcPct val="100000"/>
+              </a:lnSpc>
+              <a:buClr>
+                <a:srgbClr val="000000"/>
+              </a:buClr>
+              <a:buSzPct val="75000"/>
+              <a:buFont typeface="Symbol"/>
+              <a:buChar char=""/>
+            </a:pPr>
+            <a:r>
+              <a:rPr b="0" lang="en-US" sz="1600" spc="-1" strike="noStrike">
+                <a:solidFill>
+                  <a:srgbClr val="000000"/>
+                </a:solidFill>
+                <a:uFill>
+                  <a:solidFill>
+                    <a:srgbClr val="ffffff"/>
+                  </a:solidFill>
+                </a:uFill>
+                <a:latin typeface="Arial"/>
+                <a:ea typeface="Arial"/>
+              </a:rPr>
+              <a:t>Approximate optimization problem formulation using linearized vehicle dynamics and linear constraints</a:t>
+            </a:r>
+            <a:endParaRPr b="0" lang="en-US" sz="1800" spc="-1" strike="noStrike">
+              <a:solidFill>
+                <a:srgbClr val="000000"/>
+              </a:solidFill>
+              <a:uFill>
+                <a:solidFill>
+                  <a:srgbClr val="ffffff"/>
+                </a:solidFill>
+              </a:uFill>
+              <a:latin typeface="Arial"/>
+            </a:endParaRPr>
+          </a:p>
+          <a:p>
+            <a:pPr lvl="1" marL="864000" indent="-323640">
+              <a:lnSpc>
+                <a:spcPct val="100000"/>
+              </a:lnSpc>
+              <a:buClr>
+                <a:srgbClr val="000000"/>
+              </a:buClr>
+              <a:buSzPct val="75000"/>
+              <a:buFont typeface="Symbol"/>
+              <a:buChar char=""/>
+            </a:pPr>
+            <a:r>
+              <a:rPr b="0" lang="en-US" sz="1600" spc="-1" strike="noStrike">
+                <a:solidFill>
+                  <a:srgbClr val="000000"/>
+                </a:solidFill>
+                <a:uFill>
+                  <a:solidFill>
+                    <a:srgbClr val="ffffff"/>
+                  </a:solidFill>
+                </a:uFill>
+                <a:latin typeface="Arial"/>
+                <a:ea typeface="Arial"/>
+              </a:rPr>
+              <a:t>Modify problem formulation to allow velocity reversal</a:t>
+            </a:r>
+            <a:endParaRPr b="0" lang="en-US" sz="1800" spc="-1" strike="noStrike">
+              <a:solidFill>
+                <a:srgbClr val="000000"/>
+              </a:solidFill>
+              <a:uFill>
+                <a:solidFill>
+                  <a:srgbClr val="ffffff"/>
+                </a:solidFill>
+              </a:uFill>
+              <a:latin typeface="Arial"/>
+            </a:endParaRPr>
+          </a:p>
+          <a:p>
+            <a:pPr lvl="1" marL="864000" indent="-323640">
+              <a:lnSpc>
+                <a:spcPct val="100000"/>
+              </a:lnSpc>
+              <a:buClr>
+                <a:srgbClr val="000000"/>
+              </a:buClr>
+              <a:buSzPct val="75000"/>
+              <a:buFont typeface="Symbol"/>
+              <a:buChar char=""/>
+            </a:pPr>
+            <a:r>
+              <a:rPr b="0" lang="en-US" sz="1600" spc="-1" strike="noStrike">
+                <a:solidFill>
+                  <a:srgbClr val="000000"/>
+                </a:solidFill>
+                <a:uFill>
+                  <a:solidFill>
+                    <a:srgbClr val="ffffff"/>
+                  </a:solidFill>
+                </a:uFill>
+                <a:latin typeface="Arial"/>
+                <a:ea typeface="Arial"/>
+              </a:rPr>
+              <a:t>Continue on the MPC path computed in the previous time step and run a  less costly global planner (e.g., Probabilistic Road Maps) to re-initialize the MPC problem</a:t>
+            </a:r>
+            <a:endParaRPr b="0" lang="en-US" sz="1800" spc="-1" strike="noStrike">
+              <a:solidFill>
+                <a:srgbClr val="000000"/>
+              </a:solidFill>
+              <a:uFill>
+                <a:solidFill>
+                  <a:srgbClr val="ffffff"/>
+                </a:solidFill>
+              </a:uFill>
+              <a:latin typeface="Arial"/>
+            </a:endParaRPr>
+          </a:p>
+          <a:p>
+            <a:pPr marL="169920" indent="-169200">
+              <a:lnSpc>
+                <a:spcPct val="100000"/>
+              </a:lnSpc>
+              <a:buClr>
+                <a:srgbClr val="c00000"/>
+              </a:buClr>
+              <a:buFont typeface="Arial"/>
+              <a:buChar char="•"/>
+            </a:pPr>
+            <a:r>
+              <a:rPr b="0" lang="en-US" sz="2000" spc="-1" strike="noStrike">
+                <a:solidFill>
+                  <a:srgbClr val="000000"/>
+                </a:solidFill>
+                <a:uFill>
+                  <a:solidFill>
+                    <a:srgbClr val="ffffff"/>
+                  </a:solidFill>
+                </a:uFill>
+                <a:latin typeface="Arial"/>
+                <a:ea typeface="Arial"/>
+              </a:rPr>
+              <a:t>Current MPC trajectory generator is not optimized to run in real time</a:t>
+            </a:r>
+            <a:endParaRPr b="0" lang="en-US" sz="1800" spc="-1" strike="noStrike">
+              <a:solidFill>
+                <a:srgbClr val="000000"/>
+              </a:solidFill>
+              <a:uFill>
+                <a:solidFill>
+                  <a:srgbClr val="ffffff"/>
+                </a:solidFill>
+              </a:uFill>
+              <a:latin typeface="Arial"/>
+            </a:endParaRPr>
+          </a:p>
+          <a:p>
+            <a:pPr marL="169920" indent="-169200">
+              <a:lnSpc>
+                <a:spcPct val="100000"/>
+              </a:lnSpc>
+              <a:buClr>
+                <a:srgbClr val="c00000"/>
+              </a:buClr>
+              <a:buFont typeface="Arial"/>
+              <a:buChar char="•"/>
+            </a:pPr>
+            <a:r>
+              <a:rPr b="0" lang="en-US" sz="2000" spc="-1" strike="noStrike">
+                <a:solidFill>
+                  <a:srgbClr val="000000"/>
+                </a:solidFill>
+                <a:uFill>
+                  <a:solidFill>
+                    <a:srgbClr val="ffffff"/>
+                  </a:solidFill>
+                </a:uFill>
+                <a:latin typeface="Arial"/>
+                <a:ea typeface="Arial"/>
+              </a:rPr>
+              <a:t>To obtain real-time performance we will look at the following approaches:</a:t>
+            </a:r>
+            <a:endParaRPr b="0" lang="en-US" sz="1800" spc="-1" strike="noStrike">
+              <a:solidFill>
+                <a:srgbClr val="000000"/>
+              </a:solidFill>
+              <a:uFill>
+                <a:solidFill>
+                  <a:srgbClr val="ffffff"/>
+                </a:solidFill>
+              </a:uFill>
+              <a:latin typeface="Arial"/>
+            </a:endParaRPr>
+          </a:p>
+          <a:p>
+            <a:pPr lvl="1" marL="864000" indent="-323640">
+              <a:lnSpc>
+                <a:spcPct val="100000"/>
+              </a:lnSpc>
+              <a:buClr>
+                <a:srgbClr val="000000"/>
+              </a:buClr>
+              <a:buSzPct val="75000"/>
+              <a:buFont typeface="Symbol"/>
+              <a:buChar char=""/>
+            </a:pPr>
+            <a:r>
+              <a:rPr b="0" lang="en-US" sz="1600" spc="-1" strike="noStrike">
+                <a:solidFill>
+                  <a:srgbClr val="000000"/>
+                </a:solidFill>
+                <a:uFill>
+                  <a:solidFill>
+                    <a:srgbClr val="ffffff"/>
+                  </a:solidFill>
+                </a:uFill>
+                <a:latin typeface="Arial"/>
+                <a:ea typeface="Arial"/>
+              </a:rPr>
+              <a:t>Use near-optimal values to reduce the number of iterations</a:t>
+            </a:r>
+            <a:endParaRPr b="0" lang="en-US" sz="1800" spc="-1" strike="noStrike">
+              <a:solidFill>
+                <a:srgbClr val="000000"/>
+              </a:solidFill>
+              <a:uFill>
+                <a:solidFill>
+                  <a:srgbClr val="ffffff"/>
+                </a:solidFill>
+              </a:uFill>
+              <a:latin typeface="Arial"/>
+            </a:endParaRPr>
+          </a:p>
+          <a:p>
+            <a:pPr lvl="1" marL="864000" indent="-323640">
+              <a:lnSpc>
+                <a:spcPct val="100000"/>
+              </a:lnSpc>
+              <a:buClr>
+                <a:srgbClr val="000000"/>
+              </a:buClr>
+              <a:buSzPct val="75000"/>
+              <a:buFont typeface="Symbol"/>
+              <a:buChar char=""/>
+            </a:pPr>
+            <a:r>
+              <a:rPr b="0" lang="en-US" sz="1600" spc="-1" strike="noStrike">
+                <a:solidFill>
+                  <a:srgbClr val="000000"/>
+                </a:solidFill>
+                <a:uFill>
+                  <a:solidFill>
+                    <a:srgbClr val="ffffff"/>
+                  </a:solidFill>
+                </a:uFill>
+                <a:latin typeface="Arial"/>
+                <a:ea typeface="Arial"/>
+              </a:rPr>
+              <a:t>Use efficient linear solvers which is used by the nonlinear optimizer </a:t>
+            </a:r>
+            <a:endParaRPr b="0" lang="en-US" sz="1800" spc="-1" strike="noStrike">
+              <a:solidFill>
+                <a:srgbClr val="000000"/>
+              </a:solidFill>
+              <a:uFill>
+                <a:solidFill>
+                  <a:srgbClr val="ffffff"/>
+                </a:solidFill>
+              </a:uFill>
+              <a:latin typeface="Arial"/>
+            </a:endParaRPr>
+          </a:p>
+        </p:txBody>
+      </p:sp>
+      <p:sp>
+        <p:nvSpPr>
+          <p:cNvPr id="320" name="CustomShape 3"/>
           <p:cNvSpPr/>
           <p:nvPr/>
         </p:nvSpPr>
@@ -20094,7 +21221,7 @@
       </p:grpSpPr>
       <p:sp>
         <p:nvSpPr>
-          <p:cNvPr id="311" name="CustomShape 1"/>
+          <p:cNvPr id="321" name="CustomShape 1"/>
           <p:cNvSpPr/>
           <p:nvPr/>
         </p:nvSpPr>
@@ -20156,7 +21283,7 @@
       </p:sp>
       <p:sp>
         <p:nvSpPr>
-          <p:cNvPr id="312" name="CustomShape 2"/>
+          <p:cNvPr id="322" name="CustomShape 2"/>
           <p:cNvSpPr/>
           <p:nvPr/>
         </p:nvSpPr>

--- a/slides/Final Review - Trajectory Generation.pptx
+++ b/slides/Final Review - Trajectory Generation.pptx
@@ -7,24 +7,23 @@
     <p:sldMasterId id="2147483674" r:id="rId4"/>
     <p:sldMasterId id="2147483687" r:id="rId5"/>
     <p:sldMasterId id="2147483700" r:id="rId6"/>
-    <p:sldMasterId id="2147483713" r:id="rId7"/>
   </p:sldMasterIdLst>
   <p:notesMasterIdLst>
-    <p:notesMasterId r:id="rId8"/>
+    <p:notesMasterId r:id="rId7"/>
   </p:notesMasterIdLst>
   <p:sldIdLst>
-    <p:sldId id="256" r:id="rId9"/>
-    <p:sldId id="257" r:id="rId10"/>
-    <p:sldId id="258" r:id="rId11"/>
-    <p:sldId id="259" r:id="rId12"/>
-    <p:sldId id="260" r:id="rId13"/>
-    <p:sldId id="261" r:id="rId14"/>
-    <p:sldId id="262" r:id="rId15"/>
-    <p:sldId id="263" r:id="rId16"/>
-    <p:sldId id="264" r:id="rId17"/>
-    <p:sldId id="265" r:id="rId18"/>
-    <p:sldId id="266" r:id="rId19"/>
-    <p:sldId id="267" r:id="rId20"/>
+    <p:sldId id="256" r:id="rId8"/>
+    <p:sldId id="257" r:id="rId9"/>
+    <p:sldId id="258" r:id="rId10"/>
+    <p:sldId id="259" r:id="rId11"/>
+    <p:sldId id="260" r:id="rId12"/>
+    <p:sldId id="261" r:id="rId13"/>
+    <p:sldId id="262" r:id="rId14"/>
+    <p:sldId id="263" r:id="rId15"/>
+    <p:sldId id="264" r:id="rId16"/>
+    <p:sldId id="265" r:id="rId17"/>
+    <p:sldId id="266" r:id="rId18"/>
+    <p:sldId id="267" r:id="rId19"/>
   </p:sldIdLst>
   <p:sldSz cx="12192000" cy="6858000"/>
   <p:notesSz cx="7023100" cy="9309100"/>
@@ -50,7 +49,7 @@
       </p:grpSpPr>
       <p:sp>
         <p:nvSpPr>
-          <p:cNvPr id="238" name="PlaceHolder 1"/>
+          <p:cNvPr id="200" name="PlaceHolder 1"/>
           <p:cNvSpPr>
             <a:spLocks noGrp="1"/>
           </p:cNvSpPr>
@@ -100,7 +99,7 @@
       </p:sp>
       <p:sp>
         <p:nvSpPr>
-          <p:cNvPr id="239" name="PlaceHolder 2"/>
+          <p:cNvPr id="201" name="PlaceHolder 2"/>
           <p:cNvSpPr>
             <a:spLocks noGrp="1"/>
           </p:cNvSpPr>
@@ -132,7 +131,7 @@
                 </a:uFill>
                 <a:latin typeface="Times New Roman"/>
               </a:rPr>
-              <a:t> </a:t>
+              <a:t>&lt;header&gt;</a:t>
             </a:r>
             <a:endParaRPr b="0" lang="en-US" sz="1400" spc="-1" strike="noStrike">
               <a:solidFill>
@@ -150,7 +149,7 @@
       </p:sp>
       <p:sp>
         <p:nvSpPr>
-          <p:cNvPr id="240" name="PlaceHolder 3"/>
+          <p:cNvPr id="202" name="PlaceHolder 3"/>
           <p:cNvSpPr>
             <a:spLocks noGrp="1"/>
           </p:cNvSpPr>
@@ -183,7 +182,7 @@
                 </a:uFill>
                 <a:latin typeface="Times New Roman"/>
               </a:rPr>
-              <a:t> </a:t>
+              <a:t>&lt;date/time&gt;</a:t>
             </a:r>
             <a:endParaRPr b="0" lang="en-US" sz="1400" spc="-1" strike="noStrike">
               <a:solidFill>
@@ -201,7 +200,7 @@
       </p:sp>
       <p:sp>
         <p:nvSpPr>
-          <p:cNvPr id="241" name="PlaceHolder 4"/>
+          <p:cNvPr id="203" name="PlaceHolder 4"/>
           <p:cNvSpPr>
             <a:spLocks noGrp="1"/>
           </p:cNvSpPr>
@@ -233,7 +232,7 @@
                 </a:uFill>
                 <a:latin typeface="Times New Roman"/>
               </a:rPr>
-              <a:t> </a:t>
+              <a:t>&lt;footer&gt;</a:t>
             </a:r>
             <a:endParaRPr b="0" lang="en-US" sz="1400" spc="-1" strike="noStrike">
               <a:solidFill>
@@ -251,7 +250,7 @@
       </p:sp>
       <p:sp>
         <p:nvSpPr>
-          <p:cNvPr id="242" name="PlaceHolder 5"/>
+          <p:cNvPr id="204" name="PlaceHolder 5"/>
           <p:cNvSpPr>
             <a:spLocks noGrp="1"/>
           </p:cNvSpPr>
@@ -272,7 +271,7 @@
           <a:bodyPr lIns="0" rIns="0" tIns="0" bIns="0" anchor="b"/>
           <a:p>
             <a:pPr algn="r"/>
-            <a:fld id="{29F18406-1BE1-46AF-BEBB-4E0F789425DA}" type="slidenum">
+            <a:fld id="{85B5CD65-2ED3-4950-A894-875A0D071B53}" type="slidenum">
               <a:rPr b="0" lang="en-US" sz="1400" spc="-1" strike="noStrike">
                 <a:solidFill>
                   <a:srgbClr val="000000"/>
@@ -284,7 +283,7 @@
                 </a:uFill>
                 <a:latin typeface="Times New Roman"/>
               </a:rPr>
-              <a:t>1</a:t>
+              <a:t>&lt;number&gt;</a:t>
             </a:fld>
             <a:endParaRPr b="0" lang="en-US" sz="1400" spc="-1" strike="noStrike">
               <a:solidFill>
@@ -325,7 +324,7 @@
       </p:grpSpPr>
       <p:sp>
         <p:nvSpPr>
-          <p:cNvPr id="361" name="PlaceHolder 1"/>
+          <p:cNvPr id="323" name="PlaceHolder 1"/>
           <p:cNvSpPr>
             <a:spLocks noGrp="1"/>
           </p:cNvSpPr>
@@ -336,7 +335,7 @@
         <p:spPr>
           <a:xfrm>
             <a:off x="701640" y="4421160"/>
-            <a:ext cx="5618880" cy="4188600"/>
+            <a:ext cx="5618520" cy="4188240"/>
           </a:xfrm>
           <a:prstGeom prst="rect">
             <a:avLst/>
@@ -361,14 +360,14 @@
       </p:sp>
       <p:sp>
         <p:nvSpPr>
-          <p:cNvPr id="362" name="CustomShape 2"/>
+          <p:cNvPr id="324" name="CustomShape 2"/>
           <p:cNvSpPr/>
           <p:nvPr/>
         </p:nvSpPr>
         <p:spPr>
           <a:xfrm>
             <a:off x="0" y="0"/>
-            <a:ext cx="3042360" cy="464400"/>
+            <a:ext cx="3042000" cy="464040"/>
           </a:xfrm>
           <a:prstGeom prst="rect">
             <a:avLst/>
@@ -387,14 +386,14 @@
       </p:sp>
       <p:sp>
         <p:nvSpPr>
-          <p:cNvPr id="363" name="CustomShape 3"/>
+          <p:cNvPr id="325" name="CustomShape 3"/>
           <p:cNvSpPr/>
           <p:nvPr/>
         </p:nvSpPr>
         <p:spPr>
           <a:xfrm>
             <a:off x="0" y="8842320"/>
-            <a:ext cx="7022520" cy="464400"/>
+            <a:ext cx="7022160" cy="464040"/>
           </a:xfrm>
           <a:prstGeom prst="rect">
             <a:avLst/>
@@ -449,14 +448,14 @@
       </p:sp>
       <p:sp>
         <p:nvSpPr>
-          <p:cNvPr id="364" name="CustomShape 4"/>
+          <p:cNvPr id="326" name="CustomShape 4"/>
           <p:cNvSpPr/>
           <p:nvPr/>
         </p:nvSpPr>
         <p:spPr>
           <a:xfrm>
             <a:off x="3978360" y="8842320"/>
-            <a:ext cx="3042360" cy="464400"/>
+            <a:ext cx="3042000" cy="464040"/>
           </a:xfrm>
           <a:prstGeom prst="rect">
             <a:avLst/>
@@ -480,7 +479,7 @@
                 <a:spcPct val="100000"/>
               </a:lnSpc>
             </a:pPr>
-            <a:fld id="{2515FD6E-BEE0-42A8-BC98-ADC7B8BAE01F}" type="slidenum">
+            <a:fld id="{7DA63076-1A2A-4030-BD92-AA47B7AB66C2}" type="slidenum">
               <a:rPr b="0" lang="en-US" sz="1200" spc="-1" strike="noStrike">
                 <a:solidFill>
                   <a:srgbClr val="000000"/>
@@ -533,7 +532,7 @@
       </p:grpSpPr>
       <p:sp>
         <p:nvSpPr>
-          <p:cNvPr id="365" name="PlaceHolder 1"/>
+          <p:cNvPr id="327" name="PlaceHolder 1"/>
           <p:cNvSpPr>
             <a:spLocks noGrp="1"/>
           </p:cNvSpPr>
@@ -544,7 +543,7 @@
         <p:spPr>
           <a:xfrm>
             <a:off x="701640" y="4421160"/>
-            <a:ext cx="5618880" cy="4188600"/>
+            <a:ext cx="5618520" cy="4188240"/>
           </a:xfrm>
           <a:prstGeom prst="rect">
             <a:avLst/>
@@ -569,14 +568,14 @@
       </p:sp>
       <p:sp>
         <p:nvSpPr>
-          <p:cNvPr id="366" name="CustomShape 2"/>
+          <p:cNvPr id="328" name="CustomShape 2"/>
           <p:cNvSpPr/>
           <p:nvPr/>
         </p:nvSpPr>
         <p:spPr>
           <a:xfrm>
             <a:off x="0" y="0"/>
-            <a:ext cx="3042360" cy="464400"/>
+            <a:ext cx="3042000" cy="464040"/>
           </a:xfrm>
           <a:prstGeom prst="rect">
             <a:avLst/>
@@ -595,14 +594,14 @@
       </p:sp>
       <p:sp>
         <p:nvSpPr>
-          <p:cNvPr id="367" name="CustomShape 3"/>
+          <p:cNvPr id="329" name="CustomShape 3"/>
           <p:cNvSpPr/>
           <p:nvPr/>
         </p:nvSpPr>
         <p:spPr>
           <a:xfrm>
             <a:off x="0" y="8842320"/>
-            <a:ext cx="7022520" cy="464400"/>
+            <a:ext cx="7022160" cy="464040"/>
           </a:xfrm>
           <a:prstGeom prst="rect">
             <a:avLst/>
@@ -657,14 +656,14 @@
       </p:sp>
       <p:sp>
         <p:nvSpPr>
-          <p:cNvPr id="368" name="CustomShape 4"/>
+          <p:cNvPr id="330" name="CustomShape 4"/>
           <p:cNvSpPr/>
           <p:nvPr/>
         </p:nvSpPr>
         <p:spPr>
           <a:xfrm>
             <a:off x="3978360" y="8842320"/>
-            <a:ext cx="3042360" cy="464400"/>
+            <a:ext cx="3042000" cy="464040"/>
           </a:xfrm>
           <a:prstGeom prst="rect">
             <a:avLst/>
@@ -688,7 +687,7 @@
                 <a:spcPct val="100000"/>
               </a:lnSpc>
             </a:pPr>
-            <a:fld id="{1459D217-DA65-481F-A0E6-3712CD563329}" type="slidenum">
+            <a:fld id="{D2C44BD3-9B0A-4C03-ADFF-49A60795A639}" type="slidenum">
               <a:rPr b="0" lang="en-US" sz="1200" spc="-1" strike="noStrike">
                 <a:solidFill>
                   <a:srgbClr val="000000"/>
@@ -741,7 +740,7 @@
       </p:grpSpPr>
       <p:sp>
         <p:nvSpPr>
-          <p:cNvPr id="369" name="PlaceHolder 1"/>
+          <p:cNvPr id="331" name="PlaceHolder 1"/>
           <p:cNvSpPr>
             <a:spLocks noGrp="1"/>
           </p:cNvSpPr>
@@ -752,7 +751,7 @@
         <p:spPr>
           <a:xfrm>
             <a:off x="701640" y="4421160"/>
-            <a:ext cx="5618880" cy="4188600"/>
+            <a:ext cx="5618520" cy="4188240"/>
           </a:xfrm>
           <a:prstGeom prst="rect">
             <a:avLst/>
@@ -777,14 +776,14 @@
       </p:sp>
       <p:sp>
         <p:nvSpPr>
-          <p:cNvPr id="370" name="CustomShape 2"/>
+          <p:cNvPr id="332" name="CustomShape 2"/>
           <p:cNvSpPr/>
           <p:nvPr/>
         </p:nvSpPr>
         <p:spPr>
           <a:xfrm>
             <a:off x="0" y="0"/>
-            <a:ext cx="3042360" cy="464400"/>
+            <a:ext cx="3042000" cy="464040"/>
           </a:xfrm>
           <a:prstGeom prst="rect">
             <a:avLst/>
@@ -803,14 +802,14 @@
       </p:sp>
       <p:sp>
         <p:nvSpPr>
-          <p:cNvPr id="371" name="CustomShape 3"/>
+          <p:cNvPr id="333" name="CustomShape 3"/>
           <p:cNvSpPr/>
           <p:nvPr/>
         </p:nvSpPr>
         <p:spPr>
           <a:xfrm>
             <a:off x="0" y="8842320"/>
-            <a:ext cx="7022520" cy="464400"/>
+            <a:ext cx="7022160" cy="464040"/>
           </a:xfrm>
           <a:prstGeom prst="rect">
             <a:avLst/>
@@ -865,14 +864,14 @@
       </p:sp>
       <p:sp>
         <p:nvSpPr>
-          <p:cNvPr id="372" name="CustomShape 4"/>
+          <p:cNvPr id="334" name="CustomShape 4"/>
           <p:cNvSpPr/>
           <p:nvPr/>
         </p:nvSpPr>
         <p:spPr>
           <a:xfrm>
             <a:off x="3978360" y="8842320"/>
-            <a:ext cx="3042360" cy="464400"/>
+            <a:ext cx="3042000" cy="464040"/>
           </a:xfrm>
           <a:prstGeom prst="rect">
             <a:avLst/>
@@ -896,7 +895,7 @@
                 <a:spcPct val="100000"/>
               </a:lnSpc>
             </a:pPr>
-            <a:fld id="{D0A2D33E-2648-4381-80CA-5DA64820E97B}" type="slidenum">
+            <a:fld id="{DFB00353-3D7B-4B40-80E6-89D10561E4A3}" type="slidenum">
               <a:rPr b="0" lang="en-US" sz="1200" spc="-1" strike="noStrike">
                 <a:solidFill>
                   <a:srgbClr val="000000"/>
@@ -949,7 +948,7 @@
       </p:grpSpPr>
       <p:sp>
         <p:nvSpPr>
-          <p:cNvPr id="329" name="PlaceHolder 1"/>
+          <p:cNvPr id="291" name="PlaceHolder 1"/>
           <p:cNvSpPr>
             <a:spLocks noGrp="1"/>
           </p:cNvSpPr>
@@ -960,7 +959,7 @@
         <p:spPr>
           <a:xfrm>
             <a:off x="701640" y="4421160"/>
-            <a:ext cx="5618880" cy="4188600"/>
+            <a:ext cx="5618520" cy="4188240"/>
           </a:xfrm>
           <a:prstGeom prst="rect">
             <a:avLst/>
@@ -985,14 +984,14 @@
       </p:sp>
       <p:sp>
         <p:nvSpPr>
-          <p:cNvPr id="330" name="CustomShape 2"/>
+          <p:cNvPr id="292" name="CustomShape 2"/>
           <p:cNvSpPr/>
           <p:nvPr/>
         </p:nvSpPr>
         <p:spPr>
           <a:xfrm>
             <a:off x="0" y="0"/>
-            <a:ext cx="3042360" cy="464400"/>
+            <a:ext cx="3042000" cy="464040"/>
           </a:xfrm>
           <a:prstGeom prst="rect">
             <a:avLst/>
@@ -1011,14 +1010,14 @@
       </p:sp>
       <p:sp>
         <p:nvSpPr>
-          <p:cNvPr id="331" name="CustomShape 3"/>
+          <p:cNvPr id="293" name="CustomShape 3"/>
           <p:cNvSpPr/>
           <p:nvPr/>
         </p:nvSpPr>
         <p:spPr>
           <a:xfrm>
             <a:off x="0" y="8842320"/>
-            <a:ext cx="7022520" cy="464400"/>
+            <a:ext cx="7022160" cy="464040"/>
           </a:xfrm>
           <a:prstGeom prst="rect">
             <a:avLst/>
@@ -1073,14 +1072,14 @@
       </p:sp>
       <p:sp>
         <p:nvSpPr>
-          <p:cNvPr id="332" name="CustomShape 4"/>
+          <p:cNvPr id="294" name="CustomShape 4"/>
           <p:cNvSpPr/>
           <p:nvPr/>
         </p:nvSpPr>
         <p:spPr>
           <a:xfrm>
             <a:off x="3978360" y="8842320"/>
-            <a:ext cx="3042360" cy="464400"/>
+            <a:ext cx="3042000" cy="464040"/>
           </a:xfrm>
           <a:prstGeom prst="rect">
             <a:avLst/>
@@ -1104,7 +1103,7 @@
                 <a:spcPct val="100000"/>
               </a:lnSpc>
             </a:pPr>
-            <a:fld id="{E3D3E1A6-BEEC-405F-A53B-7B28C9E07534}" type="slidenum">
+            <a:fld id="{D0F22056-3383-4EF7-AC3C-13B46DB61FBB}" type="slidenum">
               <a:rPr b="0" lang="en-US" sz="1200" spc="-1" strike="noStrike">
                 <a:solidFill>
                   <a:srgbClr val="000000"/>
@@ -1157,7 +1156,7 @@
       </p:grpSpPr>
       <p:sp>
         <p:nvSpPr>
-          <p:cNvPr id="333" name="PlaceHolder 1"/>
+          <p:cNvPr id="295" name="PlaceHolder 1"/>
           <p:cNvSpPr>
             <a:spLocks noGrp="1"/>
           </p:cNvSpPr>
@@ -1168,7 +1167,7 @@
         <p:spPr>
           <a:xfrm>
             <a:off x="701640" y="4421160"/>
-            <a:ext cx="5618880" cy="4188600"/>
+            <a:ext cx="5618520" cy="4188240"/>
           </a:xfrm>
           <a:prstGeom prst="rect">
             <a:avLst/>
@@ -1193,14 +1192,14 @@
       </p:sp>
       <p:sp>
         <p:nvSpPr>
-          <p:cNvPr id="334" name="CustomShape 2"/>
+          <p:cNvPr id="296" name="CustomShape 2"/>
           <p:cNvSpPr/>
           <p:nvPr/>
         </p:nvSpPr>
         <p:spPr>
           <a:xfrm>
             <a:off x="0" y="0"/>
-            <a:ext cx="3042360" cy="464400"/>
+            <a:ext cx="3042000" cy="464040"/>
           </a:xfrm>
           <a:prstGeom prst="rect">
             <a:avLst/>
@@ -1219,14 +1218,14 @@
       </p:sp>
       <p:sp>
         <p:nvSpPr>
-          <p:cNvPr id="335" name="CustomShape 3"/>
+          <p:cNvPr id="297" name="CustomShape 3"/>
           <p:cNvSpPr/>
           <p:nvPr/>
         </p:nvSpPr>
         <p:spPr>
           <a:xfrm>
             <a:off x="0" y="8842320"/>
-            <a:ext cx="7022520" cy="464400"/>
+            <a:ext cx="7022160" cy="464040"/>
           </a:xfrm>
           <a:prstGeom prst="rect">
             <a:avLst/>
@@ -1281,14 +1280,14 @@
       </p:sp>
       <p:sp>
         <p:nvSpPr>
-          <p:cNvPr id="336" name="CustomShape 4"/>
+          <p:cNvPr id="298" name="CustomShape 4"/>
           <p:cNvSpPr/>
           <p:nvPr/>
         </p:nvSpPr>
         <p:spPr>
           <a:xfrm>
             <a:off x="3978360" y="8842320"/>
-            <a:ext cx="3042360" cy="464400"/>
+            <a:ext cx="3042000" cy="464040"/>
           </a:xfrm>
           <a:prstGeom prst="rect">
             <a:avLst/>
@@ -1312,7 +1311,7 @@
                 <a:spcPct val="100000"/>
               </a:lnSpc>
             </a:pPr>
-            <a:fld id="{2834A9E3-0DD1-460E-9FFE-E7338B2E4A86}" type="slidenum">
+            <a:fld id="{BF97698B-3758-4173-951D-057374B653C3}" type="slidenum">
               <a:rPr b="0" lang="en-US" sz="1200" spc="-1" strike="noStrike">
                 <a:solidFill>
                   <a:srgbClr val="000000"/>
@@ -1365,7 +1364,7 @@
       </p:grpSpPr>
       <p:sp>
         <p:nvSpPr>
-          <p:cNvPr id="337" name="PlaceHolder 1"/>
+          <p:cNvPr id="299" name="PlaceHolder 1"/>
           <p:cNvSpPr>
             <a:spLocks noGrp="1"/>
           </p:cNvSpPr>
@@ -1376,7 +1375,7 @@
         <p:spPr>
           <a:xfrm>
             <a:off x="701640" y="4421160"/>
-            <a:ext cx="5618880" cy="4188600"/>
+            <a:ext cx="5618520" cy="4188240"/>
           </a:xfrm>
           <a:prstGeom prst="rect">
             <a:avLst/>
@@ -1401,14 +1400,14 @@
       </p:sp>
       <p:sp>
         <p:nvSpPr>
-          <p:cNvPr id="338" name="CustomShape 2"/>
+          <p:cNvPr id="300" name="CustomShape 2"/>
           <p:cNvSpPr/>
           <p:nvPr/>
         </p:nvSpPr>
         <p:spPr>
           <a:xfrm>
             <a:off x="0" y="0"/>
-            <a:ext cx="3042360" cy="464400"/>
+            <a:ext cx="3042000" cy="464040"/>
           </a:xfrm>
           <a:prstGeom prst="rect">
             <a:avLst/>
@@ -1427,14 +1426,14 @@
       </p:sp>
       <p:sp>
         <p:nvSpPr>
-          <p:cNvPr id="339" name="CustomShape 3"/>
+          <p:cNvPr id="301" name="CustomShape 3"/>
           <p:cNvSpPr/>
           <p:nvPr/>
         </p:nvSpPr>
         <p:spPr>
           <a:xfrm>
             <a:off x="0" y="8842320"/>
-            <a:ext cx="7022520" cy="464400"/>
+            <a:ext cx="7022160" cy="464040"/>
           </a:xfrm>
           <a:prstGeom prst="rect">
             <a:avLst/>
@@ -1489,14 +1488,14 @@
       </p:sp>
       <p:sp>
         <p:nvSpPr>
-          <p:cNvPr id="340" name="CustomShape 4"/>
+          <p:cNvPr id="302" name="CustomShape 4"/>
           <p:cNvSpPr/>
           <p:nvPr/>
         </p:nvSpPr>
         <p:spPr>
           <a:xfrm>
             <a:off x="3978360" y="8842320"/>
-            <a:ext cx="3042360" cy="464400"/>
+            <a:ext cx="3042000" cy="464040"/>
           </a:xfrm>
           <a:prstGeom prst="rect">
             <a:avLst/>
@@ -1520,7 +1519,7 @@
                 <a:spcPct val="100000"/>
               </a:lnSpc>
             </a:pPr>
-            <a:fld id="{538337A1-B2B8-4D5A-8059-7FFCB709306D}" type="slidenum">
+            <a:fld id="{AF0825A5-F01E-487C-8B23-A7D6AC690927}" type="slidenum">
               <a:rPr b="0" lang="en-US" sz="1200" spc="-1" strike="noStrike">
                 <a:solidFill>
                   <a:srgbClr val="000000"/>
@@ -1573,7 +1572,7 @@
       </p:grpSpPr>
       <p:sp>
         <p:nvSpPr>
-          <p:cNvPr id="341" name="PlaceHolder 1"/>
+          <p:cNvPr id="303" name="PlaceHolder 1"/>
           <p:cNvSpPr>
             <a:spLocks noGrp="1"/>
           </p:cNvSpPr>
@@ -1584,7 +1583,7 @@
         <p:spPr>
           <a:xfrm>
             <a:off x="701640" y="4421160"/>
-            <a:ext cx="5618880" cy="4188600"/>
+            <a:ext cx="5618520" cy="4188240"/>
           </a:xfrm>
           <a:prstGeom prst="rect">
             <a:avLst/>
@@ -1609,14 +1608,14 @@
       </p:sp>
       <p:sp>
         <p:nvSpPr>
-          <p:cNvPr id="342" name="CustomShape 2"/>
+          <p:cNvPr id="304" name="CustomShape 2"/>
           <p:cNvSpPr/>
           <p:nvPr/>
         </p:nvSpPr>
         <p:spPr>
           <a:xfrm>
             <a:off x="0" y="0"/>
-            <a:ext cx="3042360" cy="464400"/>
+            <a:ext cx="3042000" cy="464040"/>
           </a:xfrm>
           <a:prstGeom prst="rect">
             <a:avLst/>
@@ -1635,14 +1634,14 @@
       </p:sp>
       <p:sp>
         <p:nvSpPr>
-          <p:cNvPr id="343" name="CustomShape 3"/>
+          <p:cNvPr id="305" name="CustomShape 3"/>
           <p:cNvSpPr/>
           <p:nvPr/>
         </p:nvSpPr>
         <p:spPr>
           <a:xfrm>
             <a:off x="0" y="8842320"/>
-            <a:ext cx="7022520" cy="464400"/>
+            <a:ext cx="7022160" cy="464040"/>
           </a:xfrm>
           <a:prstGeom prst="rect">
             <a:avLst/>
@@ -1697,14 +1696,14 @@
       </p:sp>
       <p:sp>
         <p:nvSpPr>
-          <p:cNvPr id="344" name="CustomShape 4"/>
+          <p:cNvPr id="306" name="CustomShape 4"/>
           <p:cNvSpPr/>
           <p:nvPr/>
         </p:nvSpPr>
         <p:spPr>
           <a:xfrm>
             <a:off x="3978360" y="8842320"/>
-            <a:ext cx="3042360" cy="464400"/>
+            <a:ext cx="3042000" cy="464040"/>
           </a:xfrm>
           <a:prstGeom prst="rect">
             <a:avLst/>
@@ -1728,7 +1727,7 @@
                 <a:spcPct val="100000"/>
               </a:lnSpc>
             </a:pPr>
-            <a:fld id="{BE17D68C-8F07-4F76-A075-6EEBCA2D5F97}" type="slidenum">
+            <a:fld id="{86FF22EA-1E23-4CEC-85C5-07C69807D8B5}" type="slidenum">
               <a:rPr b="0" lang="en-US" sz="1200" spc="-1" strike="noStrike">
                 <a:solidFill>
                   <a:srgbClr val="000000"/>
@@ -1781,7 +1780,7 @@
       </p:grpSpPr>
       <p:sp>
         <p:nvSpPr>
-          <p:cNvPr id="345" name="PlaceHolder 1"/>
+          <p:cNvPr id="307" name="PlaceHolder 1"/>
           <p:cNvSpPr>
             <a:spLocks noGrp="1"/>
           </p:cNvSpPr>
@@ -1792,7 +1791,7 @@
         <p:spPr>
           <a:xfrm>
             <a:off x="701640" y="4421160"/>
-            <a:ext cx="5618880" cy="4188600"/>
+            <a:ext cx="5618520" cy="4188240"/>
           </a:xfrm>
           <a:prstGeom prst="rect">
             <a:avLst/>
@@ -1817,14 +1816,14 @@
       </p:sp>
       <p:sp>
         <p:nvSpPr>
-          <p:cNvPr id="346" name="CustomShape 2"/>
+          <p:cNvPr id="308" name="CustomShape 2"/>
           <p:cNvSpPr/>
           <p:nvPr/>
         </p:nvSpPr>
         <p:spPr>
           <a:xfrm>
             <a:off x="0" y="0"/>
-            <a:ext cx="3042360" cy="464400"/>
+            <a:ext cx="3042000" cy="464040"/>
           </a:xfrm>
           <a:prstGeom prst="rect">
             <a:avLst/>
@@ -1843,14 +1842,14 @@
       </p:sp>
       <p:sp>
         <p:nvSpPr>
-          <p:cNvPr id="347" name="CustomShape 3"/>
+          <p:cNvPr id="309" name="CustomShape 3"/>
           <p:cNvSpPr/>
           <p:nvPr/>
         </p:nvSpPr>
         <p:spPr>
           <a:xfrm>
             <a:off x="0" y="8842320"/>
-            <a:ext cx="7022520" cy="464400"/>
+            <a:ext cx="7022160" cy="464040"/>
           </a:xfrm>
           <a:prstGeom prst="rect">
             <a:avLst/>
@@ -1905,14 +1904,14 @@
       </p:sp>
       <p:sp>
         <p:nvSpPr>
-          <p:cNvPr id="348" name="CustomShape 4"/>
+          <p:cNvPr id="310" name="CustomShape 4"/>
           <p:cNvSpPr/>
           <p:nvPr/>
         </p:nvSpPr>
         <p:spPr>
           <a:xfrm>
             <a:off x="3978360" y="8842320"/>
-            <a:ext cx="3042360" cy="464400"/>
+            <a:ext cx="3042000" cy="464040"/>
           </a:xfrm>
           <a:prstGeom prst="rect">
             <a:avLst/>
@@ -1936,7 +1935,7 @@
                 <a:spcPct val="100000"/>
               </a:lnSpc>
             </a:pPr>
-            <a:fld id="{8772A0B9-F0F6-488D-A646-C31896020278}" type="slidenum">
+            <a:fld id="{D004E4F0-6964-4925-9415-8EA4B7DF35BD}" type="slidenum">
               <a:rPr b="0" lang="en-US" sz="1200" spc="-1" strike="noStrike">
                 <a:solidFill>
                   <a:srgbClr val="000000"/>
@@ -1989,7 +1988,7 @@
       </p:grpSpPr>
       <p:sp>
         <p:nvSpPr>
-          <p:cNvPr id="349" name="PlaceHolder 1"/>
+          <p:cNvPr id="311" name="PlaceHolder 1"/>
           <p:cNvSpPr>
             <a:spLocks noGrp="1"/>
           </p:cNvSpPr>
@@ -2000,7 +1999,7 @@
         <p:spPr>
           <a:xfrm>
             <a:off x="701640" y="4421160"/>
-            <a:ext cx="5618880" cy="4188600"/>
+            <a:ext cx="5618520" cy="4188240"/>
           </a:xfrm>
           <a:prstGeom prst="rect">
             <a:avLst/>
@@ -2025,14 +2024,14 @@
       </p:sp>
       <p:sp>
         <p:nvSpPr>
-          <p:cNvPr id="350" name="CustomShape 2"/>
+          <p:cNvPr id="312" name="CustomShape 2"/>
           <p:cNvSpPr/>
           <p:nvPr/>
         </p:nvSpPr>
         <p:spPr>
           <a:xfrm>
             <a:off x="0" y="0"/>
-            <a:ext cx="3042360" cy="464400"/>
+            <a:ext cx="3042000" cy="464040"/>
           </a:xfrm>
           <a:prstGeom prst="rect">
             <a:avLst/>
@@ -2051,14 +2050,14 @@
       </p:sp>
       <p:sp>
         <p:nvSpPr>
-          <p:cNvPr id="351" name="CustomShape 3"/>
+          <p:cNvPr id="313" name="CustomShape 3"/>
           <p:cNvSpPr/>
           <p:nvPr/>
         </p:nvSpPr>
         <p:spPr>
           <a:xfrm>
             <a:off x="0" y="8842320"/>
-            <a:ext cx="7022520" cy="464400"/>
+            <a:ext cx="7022160" cy="464040"/>
           </a:xfrm>
           <a:prstGeom prst="rect">
             <a:avLst/>
@@ -2113,14 +2112,14 @@
       </p:sp>
       <p:sp>
         <p:nvSpPr>
-          <p:cNvPr id="352" name="CustomShape 4"/>
+          <p:cNvPr id="314" name="CustomShape 4"/>
           <p:cNvSpPr/>
           <p:nvPr/>
         </p:nvSpPr>
         <p:spPr>
           <a:xfrm>
             <a:off x="3978360" y="8842320"/>
-            <a:ext cx="3042360" cy="464400"/>
+            <a:ext cx="3042000" cy="464040"/>
           </a:xfrm>
           <a:prstGeom prst="rect">
             <a:avLst/>
@@ -2144,7 +2143,7 @@
                 <a:spcPct val="100000"/>
               </a:lnSpc>
             </a:pPr>
-            <a:fld id="{3E8904CC-3B3D-4C1E-8DB6-0CF4076DB3E9}" type="slidenum">
+            <a:fld id="{8BD472E5-6E71-4E29-9C84-0ECEC903C17C}" type="slidenum">
               <a:rPr b="0" lang="en-US" sz="1200" spc="-1" strike="noStrike">
                 <a:solidFill>
                   <a:srgbClr val="000000"/>
@@ -2197,7 +2196,7 @@
       </p:grpSpPr>
       <p:sp>
         <p:nvSpPr>
-          <p:cNvPr id="353" name="PlaceHolder 1"/>
+          <p:cNvPr id="315" name="PlaceHolder 1"/>
           <p:cNvSpPr>
             <a:spLocks noGrp="1"/>
           </p:cNvSpPr>
@@ -2208,7 +2207,7 @@
         <p:spPr>
           <a:xfrm>
             <a:off x="701640" y="4421160"/>
-            <a:ext cx="5618880" cy="4188600"/>
+            <a:ext cx="5618520" cy="4188240"/>
           </a:xfrm>
           <a:prstGeom prst="rect">
             <a:avLst/>
@@ -2233,14 +2232,14 @@
       </p:sp>
       <p:sp>
         <p:nvSpPr>
-          <p:cNvPr id="354" name="CustomShape 2"/>
+          <p:cNvPr id="316" name="CustomShape 2"/>
           <p:cNvSpPr/>
           <p:nvPr/>
         </p:nvSpPr>
         <p:spPr>
           <a:xfrm>
             <a:off x="0" y="0"/>
-            <a:ext cx="3042360" cy="464400"/>
+            <a:ext cx="3042000" cy="464040"/>
           </a:xfrm>
           <a:prstGeom prst="rect">
             <a:avLst/>
@@ -2259,14 +2258,14 @@
       </p:sp>
       <p:sp>
         <p:nvSpPr>
-          <p:cNvPr id="355" name="CustomShape 3"/>
+          <p:cNvPr id="317" name="CustomShape 3"/>
           <p:cNvSpPr/>
           <p:nvPr/>
         </p:nvSpPr>
         <p:spPr>
           <a:xfrm>
             <a:off x="0" y="8842320"/>
-            <a:ext cx="7022520" cy="464400"/>
+            <a:ext cx="7022160" cy="464040"/>
           </a:xfrm>
           <a:prstGeom prst="rect">
             <a:avLst/>
@@ -2321,14 +2320,14 @@
       </p:sp>
       <p:sp>
         <p:nvSpPr>
-          <p:cNvPr id="356" name="CustomShape 4"/>
+          <p:cNvPr id="318" name="CustomShape 4"/>
           <p:cNvSpPr/>
           <p:nvPr/>
         </p:nvSpPr>
         <p:spPr>
           <a:xfrm>
             <a:off x="3978360" y="8842320"/>
-            <a:ext cx="3042360" cy="464400"/>
+            <a:ext cx="3042000" cy="464040"/>
           </a:xfrm>
           <a:prstGeom prst="rect">
             <a:avLst/>
@@ -2352,7 +2351,7 @@
                 <a:spcPct val="100000"/>
               </a:lnSpc>
             </a:pPr>
-            <a:fld id="{90580207-2409-47B5-9D5E-6F7F6776EF56}" type="slidenum">
+            <a:fld id="{A1174473-CCB7-41D7-A2CD-E6D830530767}" type="slidenum">
               <a:rPr b="0" lang="en-US" sz="1200" spc="-1" strike="noStrike">
                 <a:solidFill>
                   <a:srgbClr val="000000"/>
@@ -2405,7 +2404,7 @@
       </p:grpSpPr>
       <p:sp>
         <p:nvSpPr>
-          <p:cNvPr id="357" name="PlaceHolder 1"/>
+          <p:cNvPr id="319" name="PlaceHolder 1"/>
           <p:cNvSpPr>
             <a:spLocks noGrp="1"/>
           </p:cNvSpPr>
@@ -2416,7 +2415,7 @@
         <p:spPr>
           <a:xfrm>
             <a:off x="701640" y="4421160"/>
-            <a:ext cx="5618880" cy="4188600"/>
+            <a:ext cx="5618520" cy="4188240"/>
           </a:xfrm>
           <a:prstGeom prst="rect">
             <a:avLst/>
@@ -2441,14 +2440,14 @@
       </p:sp>
       <p:sp>
         <p:nvSpPr>
-          <p:cNvPr id="358" name="CustomShape 2"/>
+          <p:cNvPr id="320" name="CustomShape 2"/>
           <p:cNvSpPr/>
           <p:nvPr/>
         </p:nvSpPr>
         <p:spPr>
           <a:xfrm>
             <a:off x="0" y="0"/>
-            <a:ext cx="3042360" cy="464400"/>
+            <a:ext cx="3042000" cy="464040"/>
           </a:xfrm>
           <a:prstGeom prst="rect">
             <a:avLst/>
@@ -2467,14 +2466,14 @@
       </p:sp>
       <p:sp>
         <p:nvSpPr>
-          <p:cNvPr id="359" name="CustomShape 3"/>
+          <p:cNvPr id="321" name="CustomShape 3"/>
           <p:cNvSpPr/>
           <p:nvPr/>
         </p:nvSpPr>
         <p:spPr>
           <a:xfrm>
             <a:off x="0" y="8842320"/>
-            <a:ext cx="7022520" cy="464400"/>
+            <a:ext cx="7022160" cy="464040"/>
           </a:xfrm>
           <a:prstGeom prst="rect">
             <a:avLst/>
@@ -2529,14 +2528,14 @@
       </p:sp>
       <p:sp>
         <p:nvSpPr>
-          <p:cNvPr id="360" name="CustomShape 4"/>
+          <p:cNvPr id="322" name="CustomShape 4"/>
           <p:cNvSpPr/>
           <p:nvPr/>
         </p:nvSpPr>
         <p:spPr>
           <a:xfrm>
             <a:off x="3978360" y="8842320"/>
-            <a:ext cx="3042360" cy="464400"/>
+            <a:ext cx="3042000" cy="464040"/>
           </a:xfrm>
           <a:prstGeom prst="rect">
             <a:avLst/>
@@ -2560,7 +2559,7 @@
                 <a:spcPct val="100000"/>
               </a:lnSpc>
             </a:pPr>
-            <a:fld id="{8667C93B-3818-4A2C-9DF9-125D50763823}" type="slidenum">
+            <a:fld id="{B25B32E7-5A94-4F0B-8A47-820A82508CED}" type="slidenum">
               <a:rPr b="0" lang="en-US" sz="1200" spc="-1" strike="noStrike">
                 <a:solidFill>
                   <a:srgbClr val="000000"/>
@@ -3089,7 +3088,7 @@
         <p:spPr>
           <a:xfrm>
             <a:off x="3602880" y="1604520"/>
-            <a:ext cx="4984920" cy="3977280"/>
+            <a:ext cx="4985280" cy="3977280"/>
           </a:xfrm>
           <a:prstGeom prst="rect">
             <a:avLst/>
@@ -3112,7 +3111,7 @@
         <p:spPr>
           <a:xfrm>
             <a:off x="3602880" y="1604520"/>
-            <a:ext cx="4984920" cy="3977280"/>
+            <a:ext cx="4985280" cy="3977280"/>
           </a:xfrm>
           <a:prstGeom prst="rect">
             <a:avLst/>
@@ -4659,7 +4658,7 @@
         <p:spPr>
           <a:xfrm>
             <a:off x="3602880" y="1604520"/>
-            <a:ext cx="4984920" cy="3977280"/>
+            <a:ext cx="4985280" cy="3977280"/>
           </a:xfrm>
           <a:prstGeom prst="rect">
             <a:avLst/>
@@ -4682,7 +4681,7 @@
         <p:spPr>
           <a:xfrm>
             <a:off x="3602880" y="1604520"/>
-            <a:ext cx="4984920" cy="3977280"/>
+            <a:ext cx="4985280" cy="3977280"/>
           </a:xfrm>
           <a:prstGeom prst="rect">
             <a:avLst/>
@@ -6228,7 +6227,7 @@
         <p:spPr>
           <a:xfrm>
             <a:off x="3602880" y="1604520"/>
-            <a:ext cx="4984920" cy="3977280"/>
+            <a:ext cx="4985280" cy="3977280"/>
           </a:xfrm>
           <a:prstGeom prst="rect">
             <a:avLst/>
@@ -6251,7 +6250,7 @@
         <p:spPr>
           <a:xfrm>
             <a:off x="3602880" y="1604520"/>
-            <a:ext cx="4984920" cy="3977280"/>
+            <a:ext cx="4985280" cy="3977280"/>
           </a:xfrm>
           <a:prstGeom prst="rect">
             <a:avLst/>
@@ -7833,7 +7832,7 @@
         <p:spPr>
           <a:xfrm>
             <a:off x="3602880" y="1604520"/>
-            <a:ext cx="4984920" cy="3977280"/>
+            <a:ext cx="4985280" cy="3977280"/>
           </a:xfrm>
           <a:prstGeom prst="rect">
             <a:avLst/>
@@ -7856,7 +7855,7 @@
         <p:spPr>
           <a:xfrm>
             <a:off x="3602880" y="1604520"/>
-            <a:ext cx="4984920" cy="3977280"/>
+            <a:ext cx="4985280" cy="3977280"/>
           </a:xfrm>
           <a:prstGeom prst="rect">
             <a:avLst/>
@@ -7971,7 +7970,7 @@
       </p:grpSpPr>
       <p:sp>
         <p:nvSpPr>
-          <p:cNvPr id="164" name="PlaceHolder 1"/>
+          <p:cNvPr id="166" name="PlaceHolder 1"/>
           <p:cNvSpPr>
             <a:spLocks noGrp="1"/>
           </p:cNvSpPr>
@@ -8008,7 +8007,7 @@
       </p:sp>
       <p:sp>
         <p:nvSpPr>
-          <p:cNvPr id="165" name="PlaceHolder 2"/>
+          <p:cNvPr id="167" name="PlaceHolder 2"/>
           <p:cNvSpPr>
             <a:spLocks noGrp="1"/>
           </p:cNvSpPr>
@@ -8067,7 +8066,7 @@
       </p:grpSpPr>
       <p:sp>
         <p:nvSpPr>
-          <p:cNvPr id="166" name="PlaceHolder 1"/>
+          <p:cNvPr id="168" name="PlaceHolder 1"/>
           <p:cNvSpPr>
             <a:spLocks noGrp="1"/>
           </p:cNvSpPr>
@@ -8104,7 +8103,7 @@
       </p:sp>
       <p:sp>
         <p:nvSpPr>
-          <p:cNvPr id="167" name="PlaceHolder 2"/>
+          <p:cNvPr id="169" name="PlaceHolder 2"/>
           <p:cNvSpPr>
             <a:spLocks noGrp="1"/>
           </p:cNvSpPr>
@@ -8162,7 +8161,7 @@
       </p:grpSpPr>
       <p:sp>
         <p:nvSpPr>
-          <p:cNvPr id="168" name="PlaceHolder 1"/>
+          <p:cNvPr id="170" name="PlaceHolder 1"/>
           <p:cNvSpPr>
             <a:spLocks noGrp="1"/>
           </p:cNvSpPr>
@@ -8199,7 +8198,7 @@
       </p:sp>
       <p:sp>
         <p:nvSpPr>
-          <p:cNvPr id="169" name="PlaceHolder 2"/>
+          <p:cNvPr id="171" name="PlaceHolder 2"/>
           <p:cNvSpPr>
             <a:spLocks noGrp="1"/>
           </p:cNvSpPr>
@@ -8235,7 +8234,7 @@
       </p:sp>
       <p:sp>
         <p:nvSpPr>
-          <p:cNvPr id="170" name="PlaceHolder 3"/>
+          <p:cNvPr id="172" name="PlaceHolder 3"/>
           <p:cNvSpPr>
             <a:spLocks noGrp="1"/>
           </p:cNvSpPr>
@@ -8293,7 +8292,7 @@
       </p:grpSpPr>
       <p:sp>
         <p:nvSpPr>
-          <p:cNvPr id="171" name="PlaceHolder 1"/>
+          <p:cNvPr id="173" name="PlaceHolder 1"/>
           <p:cNvSpPr>
             <a:spLocks noGrp="1"/>
           </p:cNvSpPr>
@@ -8352,7 +8351,7 @@
       </p:grpSpPr>
       <p:sp>
         <p:nvSpPr>
-          <p:cNvPr id="172" name="PlaceHolder 1"/>
+          <p:cNvPr id="174" name="PlaceHolder 1"/>
           <p:cNvSpPr>
             <a:spLocks noGrp="1"/>
           </p:cNvSpPr>
@@ -8411,7 +8410,7 @@
       </p:grpSpPr>
       <p:sp>
         <p:nvSpPr>
-          <p:cNvPr id="173" name="PlaceHolder 1"/>
+          <p:cNvPr id="175" name="PlaceHolder 1"/>
           <p:cNvSpPr>
             <a:spLocks noGrp="1"/>
           </p:cNvSpPr>
@@ -8448,7 +8447,7 @@
       </p:sp>
       <p:sp>
         <p:nvSpPr>
-          <p:cNvPr id="174" name="PlaceHolder 2"/>
+          <p:cNvPr id="176" name="PlaceHolder 2"/>
           <p:cNvSpPr>
             <a:spLocks noGrp="1"/>
           </p:cNvSpPr>
@@ -8484,7 +8483,7 @@
       </p:sp>
       <p:sp>
         <p:nvSpPr>
-          <p:cNvPr id="175" name="PlaceHolder 3"/>
+          <p:cNvPr id="177" name="PlaceHolder 3"/>
           <p:cNvSpPr>
             <a:spLocks noGrp="1"/>
           </p:cNvSpPr>
@@ -8520,7 +8519,7 @@
       </p:sp>
       <p:sp>
         <p:nvSpPr>
-          <p:cNvPr id="176" name="PlaceHolder 4"/>
+          <p:cNvPr id="178" name="PlaceHolder 4"/>
           <p:cNvSpPr>
             <a:spLocks noGrp="1"/>
           </p:cNvSpPr>
@@ -8578,7 +8577,7 @@
       </p:grpSpPr>
       <p:sp>
         <p:nvSpPr>
-          <p:cNvPr id="177" name="PlaceHolder 1"/>
+          <p:cNvPr id="179" name="PlaceHolder 1"/>
           <p:cNvSpPr>
             <a:spLocks noGrp="1"/>
           </p:cNvSpPr>
@@ -8615,7 +8614,7 @@
       </p:sp>
       <p:sp>
         <p:nvSpPr>
-          <p:cNvPr id="178" name="PlaceHolder 2"/>
+          <p:cNvPr id="180" name="PlaceHolder 2"/>
           <p:cNvSpPr>
             <a:spLocks noGrp="1"/>
           </p:cNvSpPr>
@@ -8651,7 +8650,7 @@
       </p:sp>
       <p:sp>
         <p:nvSpPr>
-          <p:cNvPr id="179" name="PlaceHolder 3"/>
+          <p:cNvPr id="181" name="PlaceHolder 3"/>
           <p:cNvSpPr>
             <a:spLocks noGrp="1"/>
           </p:cNvSpPr>
@@ -8687,7 +8686,7 @@
       </p:sp>
       <p:sp>
         <p:nvSpPr>
-          <p:cNvPr id="180" name="PlaceHolder 4"/>
+          <p:cNvPr id="182" name="PlaceHolder 4"/>
           <p:cNvSpPr>
             <a:spLocks noGrp="1"/>
           </p:cNvSpPr>
@@ -8745,7 +8744,7 @@
       </p:grpSpPr>
       <p:sp>
         <p:nvSpPr>
-          <p:cNvPr id="181" name="PlaceHolder 1"/>
+          <p:cNvPr id="183" name="PlaceHolder 1"/>
           <p:cNvSpPr>
             <a:spLocks noGrp="1"/>
           </p:cNvSpPr>
@@ -8782,7 +8781,7 @@
       </p:sp>
       <p:sp>
         <p:nvSpPr>
-          <p:cNvPr id="182" name="PlaceHolder 2"/>
+          <p:cNvPr id="184" name="PlaceHolder 2"/>
           <p:cNvSpPr>
             <a:spLocks noGrp="1"/>
           </p:cNvSpPr>
@@ -8818,7 +8817,7 @@
       </p:sp>
       <p:sp>
         <p:nvSpPr>
-          <p:cNvPr id="183" name="PlaceHolder 3"/>
+          <p:cNvPr id="185" name="PlaceHolder 3"/>
           <p:cNvSpPr>
             <a:spLocks noGrp="1"/>
           </p:cNvSpPr>
@@ -8854,7 +8853,7 @@
       </p:sp>
       <p:sp>
         <p:nvSpPr>
-          <p:cNvPr id="184" name="PlaceHolder 4"/>
+          <p:cNvPr id="186" name="PlaceHolder 4"/>
           <p:cNvSpPr>
             <a:spLocks noGrp="1"/>
           </p:cNvSpPr>
@@ -8912,7 +8911,7 @@
       </p:grpSpPr>
       <p:sp>
         <p:nvSpPr>
-          <p:cNvPr id="185" name="PlaceHolder 1"/>
+          <p:cNvPr id="187" name="PlaceHolder 1"/>
           <p:cNvSpPr>
             <a:spLocks noGrp="1"/>
           </p:cNvSpPr>
@@ -8949,7 +8948,7 @@
       </p:sp>
       <p:sp>
         <p:nvSpPr>
-          <p:cNvPr id="186" name="PlaceHolder 2"/>
+          <p:cNvPr id="188" name="PlaceHolder 2"/>
           <p:cNvSpPr>
             <a:spLocks noGrp="1"/>
           </p:cNvSpPr>
@@ -8985,7 +8984,7 @@
       </p:sp>
       <p:sp>
         <p:nvSpPr>
-          <p:cNvPr id="187" name="PlaceHolder 3"/>
+          <p:cNvPr id="189" name="PlaceHolder 3"/>
           <p:cNvSpPr>
             <a:spLocks noGrp="1"/>
           </p:cNvSpPr>
@@ -9043,7 +9042,7 @@
       </p:grpSpPr>
       <p:sp>
         <p:nvSpPr>
-          <p:cNvPr id="188" name="PlaceHolder 1"/>
+          <p:cNvPr id="190" name="PlaceHolder 1"/>
           <p:cNvSpPr>
             <a:spLocks noGrp="1"/>
           </p:cNvSpPr>
@@ -9080,7 +9079,7 @@
       </p:sp>
       <p:sp>
         <p:nvSpPr>
-          <p:cNvPr id="189" name="PlaceHolder 2"/>
+          <p:cNvPr id="191" name="PlaceHolder 2"/>
           <p:cNvSpPr>
             <a:spLocks noGrp="1"/>
           </p:cNvSpPr>
@@ -9116,7 +9115,7 @@
       </p:sp>
       <p:sp>
         <p:nvSpPr>
-          <p:cNvPr id="190" name="PlaceHolder 3"/>
+          <p:cNvPr id="192" name="PlaceHolder 3"/>
           <p:cNvSpPr>
             <a:spLocks noGrp="1"/>
           </p:cNvSpPr>
@@ -9152,7 +9151,7 @@
       </p:sp>
       <p:sp>
         <p:nvSpPr>
-          <p:cNvPr id="191" name="PlaceHolder 4"/>
+          <p:cNvPr id="193" name="PlaceHolder 4"/>
           <p:cNvSpPr>
             <a:spLocks noGrp="1"/>
           </p:cNvSpPr>
@@ -9188,7 +9187,7 @@
       </p:sp>
       <p:sp>
         <p:nvSpPr>
-          <p:cNvPr id="192" name="PlaceHolder 5"/>
+          <p:cNvPr id="194" name="PlaceHolder 5"/>
           <p:cNvSpPr>
             <a:spLocks noGrp="1"/>
           </p:cNvSpPr>
@@ -9305,7 +9304,7 @@
       </p:grpSpPr>
       <p:sp>
         <p:nvSpPr>
-          <p:cNvPr id="193" name="PlaceHolder 1"/>
+          <p:cNvPr id="195" name="PlaceHolder 1"/>
           <p:cNvSpPr>
             <a:spLocks noGrp="1"/>
           </p:cNvSpPr>
@@ -9342,7 +9341,7 @@
       </p:sp>
       <p:sp>
         <p:nvSpPr>
-          <p:cNvPr id="194" name="PlaceHolder 2"/>
+          <p:cNvPr id="196" name="PlaceHolder 2"/>
           <p:cNvSpPr>
             <a:spLocks noGrp="1"/>
           </p:cNvSpPr>
@@ -9378,7 +9377,7 @@
       </p:sp>
       <p:sp>
         <p:nvSpPr>
-          <p:cNvPr id="195" name="PlaceHolder 3"/>
+          <p:cNvPr id="197" name="PlaceHolder 3"/>
           <p:cNvSpPr>
             <a:spLocks noGrp="1"/>
           </p:cNvSpPr>
@@ -9414,7 +9413,7 @@
       </p:sp>
       <p:pic>
         <p:nvPicPr>
-          <p:cNvPr id="196" name="" descr=""/>
+          <p:cNvPr id="198" name="" descr=""/>
           <p:cNvPicPr/>
           <p:nvPr/>
         </p:nvPicPr>
@@ -9425,7 +9424,7 @@
         <p:spPr>
           <a:xfrm>
             <a:off x="3602880" y="1604520"/>
-            <a:ext cx="4984920" cy="3977280"/>
+            <a:ext cx="4985280" cy="3977280"/>
           </a:xfrm>
           <a:prstGeom prst="rect">
             <a:avLst/>
@@ -9437,7 +9436,7 @@
       </p:pic>
       <p:pic>
         <p:nvPicPr>
-          <p:cNvPr id="197" name="" descr=""/>
+          <p:cNvPr id="199" name="" descr=""/>
           <p:cNvPicPr/>
           <p:nvPr/>
         </p:nvPicPr>
@@ -9448,7 +9447,7 @@
         <p:spPr>
           <a:xfrm>
             <a:off x="3602880" y="1604520"/>
-            <a:ext cx="4984920" cy="3977280"/>
+            <a:ext cx="4985280" cy="3977280"/>
           </a:xfrm>
           <a:prstGeom prst="rect">
             <a:avLst/>
@@ -9458,969 +9457,6 @@
           </a:ln>
         </p:spPr>
       </p:pic>
-    </p:spTree>
-  </p:cSld>
-</p:sldLayout>
-</file>
-
-<file path=ppt/slideLayouts/slideLayout61.xml><?xml version="1.0" encoding="utf-8"?>
-<p:sldLayout xmlns:a="http://schemas.openxmlformats.org/drawingml/2006/main" xmlns:p="http://schemas.openxmlformats.org/presentationml/2006/main" xmlns:r="http://schemas.openxmlformats.org/officeDocument/2006/relationships" xmlns:p14="http://schemas.microsoft.com/office/powerpoint/2010/main" xmlns:p15="http://schemas.microsoft.com/office/powerpoint/2012/main" xmlns:mc="http://schemas.openxmlformats.org/markup-compatibility/2006" type="blank" preserve="1">
-  <p:cSld name="Blank Slide">
-    <p:spTree>
-      <p:nvGrpSpPr>
-        <p:cNvPr id="1" name=""/>
-        <p:cNvGrpSpPr/>
-        <p:nvPr/>
-      </p:nvGrpSpPr>
-      <p:grpSpPr>
-        <a:xfrm>
-          <a:off x="0" y="0"/>
-          <a:ext cx="0" cy="0"/>
-          <a:chOff x="0" y="0"/>
-          <a:chExt cx="0" cy="0"/>
-        </a:xfrm>
-      </p:grpSpPr>
-    </p:spTree>
-  </p:cSld>
-</p:sldLayout>
-</file>
-
-<file path=ppt/slideLayouts/slideLayout62.xml><?xml version="1.0" encoding="utf-8"?>
-<p:sldLayout xmlns:a="http://schemas.openxmlformats.org/drawingml/2006/main" xmlns:p="http://schemas.openxmlformats.org/presentationml/2006/main" xmlns:r="http://schemas.openxmlformats.org/officeDocument/2006/relationships" xmlns:p14="http://schemas.microsoft.com/office/powerpoint/2010/main" xmlns:p15="http://schemas.microsoft.com/office/powerpoint/2012/main" xmlns:mc="http://schemas.openxmlformats.org/markup-compatibility/2006" type="tx" preserve="1">
-  <p:cSld name="Title Slide">
-    <p:spTree>
-      <p:nvGrpSpPr>
-        <p:cNvPr id="1" name=""/>
-        <p:cNvGrpSpPr/>
-        <p:nvPr/>
-      </p:nvGrpSpPr>
-      <p:grpSpPr>
-        <a:xfrm>
-          <a:off x="0" y="0"/>
-          <a:ext cx="0" cy="0"/>
-          <a:chOff x="0" y="0"/>
-          <a:chExt cx="0" cy="0"/>
-        </a:xfrm>
-      </p:grpSpPr>
-      <p:sp>
-        <p:nvSpPr>
-          <p:cNvPr id="204" name="PlaceHolder 1"/>
-          <p:cNvSpPr>
-            <a:spLocks noGrp="1"/>
-          </p:cNvSpPr>
-          <p:nvPr>
-            <p:ph type="title"/>
-          </p:nvPr>
-        </p:nvSpPr>
-        <p:spPr>
-          <a:xfrm>
-            <a:off x="609480" y="273600"/>
-            <a:ext cx="10972440" cy="1144800"/>
-          </a:xfrm>
-          <a:prstGeom prst="rect">
-            <a:avLst/>
-          </a:prstGeom>
-        </p:spPr>
-        <p:txBody>
-          <a:bodyPr lIns="0" rIns="0" tIns="0" bIns="0" anchor="ctr"/>
-          <a:p>
-            <a:pPr algn="ctr"/>
-            <a:endParaRPr b="0" lang="en-US" sz="4400" spc="-1" strike="noStrike">
-              <a:solidFill>
-                <a:srgbClr val="000000"/>
-              </a:solidFill>
-              <a:uFill>
-                <a:solidFill>
-                  <a:srgbClr val="ffffff"/>
-                </a:solidFill>
-              </a:uFill>
-              <a:latin typeface="Arial"/>
-            </a:endParaRPr>
-          </a:p>
-        </p:txBody>
-      </p:sp>
-      <p:sp>
-        <p:nvSpPr>
-          <p:cNvPr id="205" name="PlaceHolder 2"/>
-          <p:cNvSpPr>
-            <a:spLocks noGrp="1"/>
-          </p:cNvSpPr>
-          <p:nvPr>
-            <p:ph type="subTitle"/>
-          </p:nvPr>
-        </p:nvSpPr>
-        <p:spPr>
-          <a:xfrm>
-            <a:off x="609480" y="1604520"/>
-            <a:ext cx="10972440" cy="3977280"/>
-          </a:xfrm>
-          <a:prstGeom prst="rect">
-            <a:avLst/>
-          </a:prstGeom>
-        </p:spPr>
-        <p:txBody>
-          <a:bodyPr lIns="0" rIns="0" tIns="0" bIns="0" anchor="ctr"/>
-          <a:p>
-            <a:pPr algn="ctr"/>
-            <a:endParaRPr b="0" lang="en-US" sz="3200" spc="-1" strike="noStrike">
-              <a:solidFill>
-                <a:srgbClr val="000000"/>
-              </a:solidFill>
-              <a:uFill>
-                <a:solidFill>
-                  <a:srgbClr val="ffffff"/>
-                </a:solidFill>
-              </a:uFill>
-              <a:latin typeface="Arial"/>
-            </a:endParaRPr>
-          </a:p>
-        </p:txBody>
-      </p:sp>
-    </p:spTree>
-  </p:cSld>
-</p:sldLayout>
-</file>
-
-<file path=ppt/slideLayouts/slideLayout63.xml><?xml version="1.0" encoding="utf-8"?>
-<p:sldLayout xmlns:a="http://schemas.openxmlformats.org/drawingml/2006/main" xmlns:p="http://schemas.openxmlformats.org/presentationml/2006/main" xmlns:r="http://schemas.openxmlformats.org/officeDocument/2006/relationships" xmlns:p14="http://schemas.microsoft.com/office/powerpoint/2010/main" xmlns:p15="http://schemas.microsoft.com/office/powerpoint/2012/main" xmlns:mc="http://schemas.openxmlformats.org/markup-compatibility/2006" type="obj" preserve="1">
-  <p:cSld name="Title, Content">
-    <p:spTree>
-      <p:nvGrpSpPr>
-        <p:cNvPr id="1" name=""/>
-        <p:cNvGrpSpPr/>
-        <p:nvPr/>
-      </p:nvGrpSpPr>
-      <p:grpSpPr>
-        <a:xfrm>
-          <a:off x="0" y="0"/>
-          <a:ext cx="0" cy="0"/>
-          <a:chOff x="0" y="0"/>
-          <a:chExt cx="0" cy="0"/>
-        </a:xfrm>
-      </p:grpSpPr>
-      <p:sp>
-        <p:nvSpPr>
-          <p:cNvPr id="206" name="PlaceHolder 1"/>
-          <p:cNvSpPr>
-            <a:spLocks noGrp="1"/>
-          </p:cNvSpPr>
-          <p:nvPr>
-            <p:ph type="title"/>
-          </p:nvPr>
-        </p:nvSpPr>
-        <p:spPr>
-          <a:xfrm>
-            <a:off x="609480" y="273600"/>
-            <a:ext cx="10972440" cy="1144800"/>
-          </a:xfrm>
-          <a:prstGeom prst="rect">
-            <a:avLst/>
-          </a:prstGeom>
-        </p:spPr>
-        <p:txBody>
-          <a:bodyPr lIns="0" rIns="0" tIns="0" bIns="0" anchor="ctr"/>
-          <a:p>
-            <a:pPr algn="ctr"/>
-            <a:endParaRPr b="0" lang="en-US" sz="4400" spc="-1" strike="noStrike">
-              <a:solidFill>
-                <a:srgbClr val="000000"/>
-              </a:solidFill>
-              <a:uFill>
-                <a:solidFill>
-                  <a:srgbClr val="ffffff"/>
-                </a:solidFill>
-              </a:uFill>
-              <a:latin typeface="Arial"/>
-            </a:endParaRPr>
-          </a:p>
-        </p:txBody>
-      </p:sp>
-      <p:sp>
-        <p:nvSpPr>
-          <p:cNvPr id="207" name="PlaceHolder 2"/>
-          <p:cNvSpPr>
-            <a:spLocks noGrp="1"/>
-          </p:cNvSpPr>
-          <p:nvPr>
-            <p:ph type="body"/>
-          </p:nvPr>
-        </p:nvSpPr>
-        <p:spPr>
-          <a:xfrm>
-            <a:off x="609480" y="1604520"/>
-            <a:ext cx="10972440" cy="3977280"/>
-          </a:xfrm>
-          <a:prstGeom prst="rect">
-            <a:avLst/>
-          </a:prstGeom>
-        </p:spPr>
-        <p:txBody>
-          <a:bodyPr lIns="0" rIns="0" tIns="0" bIns="0"/>
-          <a:p>
-            <a:endParaRPr b="0" lang="en-US" sz="3200" spc="-1" strike="noStrike">
-              <a:solidFill>
-                <a:srgbClr val="000000"/>
-              </a:solidFill>
-              <a:uFill>
-                <a:solidFill>
-                  <a:srgbClr val="ffffff"/>
-                </a:solidFill>
-              </a:uFill>
-              <a:latin typeface="Arial"/>
-            </a:endParaRPr>
-          </a:p>
-        </p:txBody>
-      </p:sp>
-    </p:spTree>
-  </p:cSld>
-</p:sldLayout>
-</file>
-
-<file path=ppt/slideLayouts/slideLayout64.xml><?xml version="1.0" encoding="utf-8"?>
-<p:sldLayout xmlns:a="http://schemas.openxmlformats.org/drawingml/2006/main" xmlns:p="http://schemas.openxmlformats.org/presentationml/2006/main" xmlns:r="http://schemas.openxmlformats.org/officeDocument/2006/relationships" xmlns:p14="http://schemas.microsoft.com/office/powerpoint/2010/main" xmlns:p15="http://schemas.microsoft.com/office/powerpoint/2012/main" xmlns:mc="http://schemas.openxmlformats.org/markup-compatibility/2006" type="twoObj" preserve="1">
-  <p:cSld name="Title, 2 Content">
-    <p:spTree>
-      <p:nvGrpSpPr>
-        <p:cNvPr id="1" name=""/>
-        <p:cNvGrpSpPr/>
-        <p:nvPr/>
-      </p:nvGrpSpPr>
-      <p:grpSpPr>
-        <a:xfrm>
-          <a:off x="0" y="0"/>
-          <a:ext cx="0" cy="0"/>
-          <a:chOff x="0" y="0"/>
-          <a:chExt cx="0" cy="0"/>
-        </a:xfrm>
-      </p:grpSpPr>
-      <p:sp>
-        <p:nvSpPr>
-          <p:cNvPr id="208" name="PlaceHolder 1"/>
-          <p:cNvSpPr>
-            <a:spLocks noGrp="1"/>
-          </p:cNvSpPr>
-          <p:nvPr>
-            <p:ph type="title"/>
-          </p:nvPr>
-        </p:nvSpPr>
-        <p:spPr>
-          <a:xfrm>
-            <a:off x="609480" y="273600"/>
-            <a:ext cx="10972440" cy="1144800"/>
-          </a:xfrm>
-          <a:prstGeom prst="rect">
-            <a:avLst/>
-          </a:prstGeom>
-        </p:spPr>
-        <p:txBody>
-          <a:bodyPr lIns="0" rIns="0" tIns="0" bIns="0" anchor="ctr"/>
-          <a:p>
-            <a:pPr algn="ctr"/>
-            <a:endParaRPr b="0" lang="en-US" sz="4400" spc="-1" strike="noStrike">
-              <a:solidFill>
-                <a:srgbClr val="000000"/>
-              </a:solidFill>
-              <a:uFill>
-                <a:solidFill>
-                  <a:srgbClr val="ffffff"/>
-                </a:solidFill>
-              </a:uFill>
-              <a:latin typeface="Arial"/>
-            </a:endParaRPr>
-          </a:p>
-        </p:txBody>
-      </p:sp>
-      <p:sp>
-        <p:nvSpPr>
-          <p:cNvPr id="209" name="PlaceHolder 2"/>
-          <p:cNvSpPr>
-            <a:spLocks noGrp="1"/>
-          </p:cNvSpPr>
-          <p:nvPr>
-            <p:ph type="body"/>
-          </p:nvPr>
-        </p:nvSpPr>
-        <p:spPr>
-          <a:xfrm>
-            <a:off x="609480" y="1604520"/>
-            <a:ext cx="5354280" cy="3977280"/>
-          </a:xfrm>
-          <a:prstGeom prst="rect">
-            <a:avLst/>
-          </a:prstGeom>
-        </p:spPr>
-        <p:txBody>
-          <a:bodyPr lIns="0" rIns="0" tIns="0" bIns="0"/>
-          <a:p>
-            <a:endParaRPr b="0" lang="en-US" sz="3200" spc="-1" strike="noStrike">
-              <a:solidFill>
-                <a:srgbClr val="000000"/>
-              </a:solidFill>
-              <a:uFill>
-                <a:solidFill>
-                  <a:srgbClr val="ffffff"/>
-                </a:solidFill>
-              </a:uFill>
-              <a:latin typeface="Arial"/>
-            </a:endParaRPr>
-          </a:p>
-        </p:txBody>
-      </p:sp>
-      <p:sp>
-        <p:nvSpPr>
-          <p:cNvPr id="210" name="PlaceHolder 3"/>
-          <p:cNvSpPr>
-            <a:spLocks noGrp="1"/>
-          </p:cNvSpPr>
-          <p:nvPr>
-            <p:ph type="body"/>
-          </p:nvPr>
-        </p:nvSpPr>
-        <p:spPr>
-          <a:xfrm>
-            <a:off x="6231960" y="1604520"/>
-            <a:ext cx="5354280" cy="3977280"/>
-          </a:xfrm>
-          <a:prstGeom prst="rect">
-            <a:avLst/>
-          </a:prstGeom>
-        </p:spPr>
-        <p:txBody>
-          <a:bodyPr lIns="0" rIns="0" tIns="0" bIns="0"/>
-          <a:p>
-            <a:endParaRPr b="0" lang="en-US" sz="3200" spc="-1" strike="noStrike">
-              <a:solidFill>
-                <a:srgbClr val="000000"/>
-              </a:solidFill>
-              <a:uFill>
-                <a:solidFill>
-                  <a:srgbClr val="ffffff"/>
-                </a:solidFill>
-              </a:uFill>
-              <a:latin typeface="Arial"/>
-            </a:endParaRPr>
-          </a:p>
-        </p:txBody>
-      </p:sp>
-    </p:spTree>
-  </p:cSld>
-</p:sldLayout>
-</file>
-
-<file path=ppt/slideLayouts/slideLayout65.xml><?xml version="1.0" encoding="utf-8"?>
-<p:sldLayout xmlns:a="http://schemas.openxmlformats.org/drawingml/2006/main" xmlns:p="http://schemas.openxmlformats.org/presentationml/2006/main" xmlns:r="http://schemas.openxmlformats.org/officeDocument/2006/relationships" xmlns:p14="http://schemas.microsoft.com/office/powerpoint/2010/main" xmlns:p15="http://schemas.microsoft.com/office/powerpoint/2012/main" xmlns:mc="http://schemas.openxmlformats.org/markup-compatibility/2006" type="titleOnly" preserve="1">
-  <p:cSld name="Title Only">
-    <p:spTree>
-      <p:nvGrpSpPr>
-        <p:cNvPr id="1" name=""/>
-        <p:cNvGrpSpPr/>
-        <p:nvPr/>
-      </p:nvGrpSpPr>
-      <p:grpSpPr>
-        <a:xfrm>
-          <a:off x="0" y="0"/>
-          <a:ext cx="0" cy="0"/>
-          <a:chOff x="0" y="0"/>
-          <a:chExt cx="0" cy="0"/>
-        </a:xfrm>
-      </p:grpSpPr>
-      <p:sp>
-        <p:nvSpPr>
-          <p:cNvPr id="211" name="PlaceHolder 1"/>
-          <p:cNvSpPr>
-            <a:spLocks noGrp="1"/>
-          </p:cNvSpPr>
-          <p:nvPr>
-            <p:ph type="title"/>
-          </p:nvPr>
-        </p:nvSpPr>
-        <p:spPr>
-          <a:xfrm>
-            <a:off x="609480" y="273600"/>
-            <a:ext cx="10972440" cy="1144800"/>
-          </a:xfrm>
-          <a:prstGeom prst="rect">
-            <a:avLst/>
-          </a:prstGeom>
-        </p:spPr>
-        <p:txBody>
-          <a:bodyPr lIns="0" rIns="0" tIns="0" bIns="0" anchor="ctr"/>
-          <a:p>
-            <a:pPr algn="ctr"/>
-            <a:endParaRPr b="0" lang="en-US" sz="4400" spc="-1" strike="noStrike">
-              <a:solidFill>
-                <a:srgbClr val="000000"/>
-              </a:solidFill>
-              <a:uFill>
-                <a:solidFill>
-                  <a:srgbClr val="ffffff"/>
-                </a:solidFill>
-              </a:uFill>
-              <a:latin typeface="Arial"/>
-            </a:endParaRPr>
-          </a:p>
-        </p:txBody>
-      </p:sp>
-    </p:spTree>
-  </p:cSld>
-</p:sldLayout>
-</file>
-
-<file path=ppt/slideLayouts/slideLayout66.xml><?xml version="1.0" encoding="utf-8"?>
-<p:sldLayout xmlns:a="http://schemas.openxmlformats.org/drawingml/2006/main" xmlns:p="http://schemas.openxmlformats.org/presentationml/2006/main" xmlns:r="http://schemas.openxmlformats.org/officeDocument/2006/relationships" xmlns:p14="http://schemas.microsoft.com/office/powerpoint/2010/main" xmlns:p15="http://schemas.microsoft.com/office/powerpoint/2012/main" xmlns:mc="http://schemas.openxmlformats.org/markup-compatibility/2006" type="objOnly" preserve="1">
-  <p:cSld name="Centered Text">
-    <p:spTree>
-      <p:nvGrpSpPr>
-        <p:cNvPr id="1" name=""/>
-        <p:cNvGrpSpPr/>
-        <p:nvPr/>
-      </p:nvGrpSpPr>
-      <p:grpSpPr>
-        <a:xfrm>
-          <a:off x="0" y="0"/>
-          <a:ext cx="0" cy="0"/>
-          <a:chOff x="0" y="0"/>
-          <a:chExt cx="0" cy="0"/>
-        </a:xfrm>
-      </p:grpSpPr>
-      <p:sp>
-        <p:nvSpPr>
-          <p:cNvPr id="212" name="PlaceHolder 1"/>
-          <p:cNvSpPr>
-            <a:spLocks noGrp="1"/>
-          </p:cNvSpPr>
-          <p:nvPr>
-            <p:ph type="subTitle"/>
-          </p:nvPr>
-        </p:nvSpPr>
-        <p:spPr>
-          <a:xfrm>
-            <a:off x="609480" y="273600"/>
-            <a:ext cx="10972440" cy="5307840"/>
-          </a:xfrm>
-          <a:prstGeom prst="rect">
-            <a:avLst/>
-          </a:prstGeom>
-        </p:spPr>
-        <p:txBody>
-          <a:bodyPr lIns="0" rIns="0" tIns="0" bIns="0" anchor="ctr"/>
-          <a:p>
-            <a:pPr algn="ctr"/>
-            <a:endParaRPr b="0" lang="en-US" sz="3200" spc="-1" strike="noStrike">
-              <a:solidFill>
-                <a:srgbClr val="000000"/>
-              </a:solidFill>
-              <a:uFill>
-                <a:solidFill>
-                  <a:srgbClr val="ffffff"/>
-                </a:solidFill>
-              </a:uFill>
-              <a:latin typeface="Arial"/>
-            </a:endParaRPr>
-          </a:p>
-        </p:txBody>
-      </p:sp>
-    </p:spTree>
-  </p:cSld>
-</p:sldLayout>
-</file>
-
-<file path=ppt/slideLayouts/slideLayout67.xml><?xml version="1.0" encoding="utf-8"?>
-<p:sldLayout xmlns:a="http://schemas.openxmlformats.org/drawingml/2006/main" xmlns:p="http://schemas.openxmlformats.org/presentationml/2006/main" xmlns:r="http://schemas.openxmlformats.org/officeDocument/2006/relationships" xmlns:p14="http://schemas.microsoft.com/office/powerpoint/2010/main" xmlns:p15="http://schemas.microsoft.com/office/powerpoint/2012/main" xmlns:mc="http://schemas.openxmlformats.org/markup-compatibility/2006" type="twoObjAndObj" preserve="1">
-  <p:cSld name="Title, 2 Content and Content">
-    <p:spTree>
-      <p:nvGrpSpPr>
-        <p:cNvPr id="1" name=""/>
-        <p:cNvGrpSpPr/>
-        <p:nvPr/>
-      </p:nvGrpSpPr>
-      <p:grpSpPr>
-        <a:xfrm>
-          <a:off x="0" y="0"/>
-          <a:ext cx="0" cy="0"/>
-          <a:chOff x="0" y="0"/>
-          <a:chExt cx="0" cy="0"/>
-        </a:xfrm>
-      </p:grpSpPr>
-      <p:sp>
-        <p:nvSpPr>
-          <p:cNvPr id="213" name="PlaceHolder 1"/>
-          <p:cNvSpPr>
-            <a:spLocks noGrp="1"/>
-          </p:cNvSpPr>
-          <p:nvPr>
-            <p:ph type="title"/>
-          </p:nvPr>
-        </p:nvSpPr>
-        <p:spPr>
-          <a:xfrm>
-            <a:off x="609480" y="273600"/>
-            <a:ext cx="10972440" cy="1144800"/>
-          </a:xfrm>
-          <a:prstGeom prst="rect">
-            <a:avLst/>
-          </a:prstGeom>
-        </p:spPr>
-        <p:txBody>
-          <a:bodyPr lIns="0" rIns="0" tIns="0" bIns="0" anchor="ctr"/>
-          <a:p>
-            <a:pPr algn="ctr"/>
-            <a:endParaRPr b="0" lang="en-US" sz="4400" spc="-1" strike="noStrike">
-              <a:solidFill>
-                <a:srgbClr val="000000"/>
-              </a:solidFill>
-              <a:uFill>
-                <a:solidFill>
-                  <a:srgbClr val="ffffff"/>
-                </a:solidFill>
-              </a:uFill>
-              <a:latin typeface="Arial"/>
-            </a:endParaRPr>
-          </a:p>
-        </p:txBody>
-      </p:sp>
-      <p:sp>
-        <p:nvSpPr>
-          <p:cNvPr id="214" name="PlaceHolder 2"/>
-          <p:cNvSpPr>
-            <a:spLocks noGrp="1"/>
-          </p:cNvSpPr>
-          <p:nvPr>
-            <p:ph type="body"/>
-          </p:nvPr>
-        </p:nvSpPr>
-        <p:spPr>
-          <a:xfrm>
-            <a:off x="609480" y="1604520"/>
-            <a:ext cx="5354280" cy="1896840"/>
-          </a:xfrm>
-          <a:prstGeom prst="rect">
-            <a:avLst/>
-          </a:prstGeom>
-        </p:spPr>
-        <p:txBody>
-          <a:bodyPr lIns="0" rIns="0" tIns="0" bIns="0"/>
-          <a:p>
-            <a:endParaRPr b="0" lang="en-US" sz="3200" spc="-1" strike="noStrike">
-              <a:solidFill>
-                <a:srgbClr val="000000"/>
-              </a:solidFill>
-              <a:uFill>
-                <a:solidFill>
-                  <a:srgbClr val="ffffff"/>
-                </a:solidFill>
-              </a:uFill>
-              <a:latin typeface="Arial"/>
-            </a:endParaRPr>
-          </a:p>
-        </p:txBody>
-      </p:sp>
-      <p:sp>
-        <p:nvSpPr>
-          <p:cNvPr id="215" name="PlaceHolder 3"/>
-          <p:cNvSpPr>
-            <a:spLocks noGrp="1"/>
-          </p:cNvSpPr>
-          <p:nvPr>
-            <p:ph type="body"/>
-          </p:nvPr>
-        </p:nvSpPr>
-        <p:spPr>
-          <a:xfrm>
-            <a:off x="609480" y="3682080"/>
-            <a:ext cx="5354280" cy="1896840"/>
-          </a:xfrm>
-          <a:prstGeom prst="rect">
-            <a:avLst/>
-          </a:prstGeom>
-        </p:spPr>
-        <p:txBody>
-          <a:bodyPr lIns="0" rIns="0" tIns="0" bIns="0"/>
-          <a:p>
-            <a:endParaRPr b="0" lang="en-US" sz="3200" spc="-1" strike="noStrike">
-              <a:solidFill>
-                <a:srgbClr val="000000"/>
-              </a:solidFill>
-              <a:uFill>
-                <a:solidFill>
-                  <a:srgbClr val="ffffff"/>
-                </a:solidFill>
-              </a:uFill>
-              <a:latin typeface="Arial"/>
-            </a:endParaRPr>
-          </a:p>
-        </p:txBody>
-      </p:sp>
-      <p:sp>
-        <p:nvSpPr>
-          <p:cNvPr id="216" name="PlaceHolder 4"/>
-          <p:cNvSpPr>
-            <a:spLocks noGrp="1"/>
-          </p:cNvSpPr>
-          <p:nvPr>
-            <p:ph type="body"/>
-          </p:nvPr>
-        </p:nvSpPr>
-        <p:spPr>
-          <a:xfrm>
-            <a:off x="6231960" y="1604520"/>
-            <a:ext cx="5354280" cy="3977280"/>
-          </a:xfrm>
-          <a:prstGeom prst="rect">
-            <a:avLst/>
-          </a:prstGeom>
-        </p:spPr>
-        <p:txBody>
-          <a:bodyPr lIns="0" rIns="0" tIns="0" bIns="0"/>
-          <a:p>
-            <a:endParaRPr b="0" lang="en-US" sz="3200" spc="-1" strike="noStrike">
-              <a:solidFill>
-                <a:srgbClr val="000000"/>
-              </a:solidFill>
-              <a:uFill>
-                <a:solidFill>
-                  <a:srgbClr val="ffffff"/>
-                </a:solidFill>
-              </a:uFill>
-              <a:latin typeface="Arial"/>
-            </a:endParaRPr>
-          </a:p>
-        </p:txBody>
-      </p:sp>
-    </p:spTree>
-  </p:cSld>
-</p:sldLayout>
-</file>
-
-<file path=ppt/slideLayouts/slideLayout68.xml><?xml version="1.0" encoding="utf-8"?>
-<p:sldLayout xmlns:a="http://schemas.openxmlformats.org/drawingml/2006/main" xmlns:p="http://schemas.openxmlformats.org/presentationml/2006/main" xmlns:r="http://schemas.openxmlformats.org/officeDocument/2006/relationships" xmlns:p14="http://schemas.microsoft.com/office/powerpoint/2010/main" xmlns:p15="http://schemas.microsoft.com/office/powerpoint/2012/main" xmlns:mc="http://schemas.openxmlformats.org/markup-compatibility/2006" type="objAndTwoObj" preserve="1">
-  <p:cSld name="Title Content and 2 Content">
-    <p:spTree>
-      <p:nvGrpSpPr>
-        <p:cNvPr id="1" name=""/>
-        <p:cNvGrpSpPr/>
-        <p:nvPr/>
-      </p:nvGrpSpPr>
-      <p:grpSpPr>
-        <a:xfrm>
-          <a:off x="0" y="0"/>
-          <a:ext cx="0" cy="0"/>
-          <a:chOff x="0" y="0"/>
-          <a:chExt cx="0" cy="0"/>
-        </a:xfrm>
-      </p:grpSpPr>
-      <p:sp>
-        <p:nvSpPr>
-          <p:cNvPr id="217" name="PlaceHolder 1"/>
-          <p:cNvSpPr>
-            <a:spLocks noGrp="1"/>
-          </p:cNvSpPr>
-          <p:nvPr>
-            <p:ph type="title"/>
-          </p:nvPr>
-        </p:nvSpPr>
-        <p:spPr>
-          <a:xfrm>
-            <a:off x="609480" y="273600"/>
-            <a:ext cx="10972440" cy="1144800"/>
-          </a:xfrm>
-          <a:prstGeom prst="rect">
-            <a:avLst/>
-          </a:prstGeom>
-        </p:spPr>
-        <p:txBody>
-          <a:bodyPr lIns="0" rIns="0" tIns="0" bIns="0" anchor="ctr"/>
-          <a:p>
-            <a:pPr algn="ctr"/>
-            <a:endParaRPr b="0" lang="en-US" sz="4400" spc="-1" strike="noStrike">
-              <a:solidFill>
-                <a:srgbClr val="000000"/>
-              </a:solidFill>
-              <a:uFill>
-                <a:solidFill>
-                  <a:srgbClr val="ffffff"/>
-                </a:solidFill>
-              </a:uFill>
-              <a:latin typeface="Arial"/>
-            </a:endParaRPr>
-          </a:p>
-        </p:txBody>
-      </p:sp>
-      <p:sp>
-        <p:nvSpPr>
-          <p:cNvPr id="218" name="PlaceHolder 2"/>
-          <p:cNvSpPr>
-            <a:spLocks noGrp="1"/>
-          </p:cNvSpPr>
-          <p:nvPr>
-            <p:ph type="body"/>
-          </p:nvPr>
-        </p:nvSpPr>
-        <p:spPr>
-          <a:xfrm>
-            <a:off x="609480" y="1604520"/>
-            <a:ext cx="5354280" cy="3977280"/>
-          </a:xfrm>
-          <a:prstGeom prst="rect">
-            <a:avLst/>
-          </a:prstGeom>
-        </p:spPr>
-        <p:txBody>
-          <a:bodyPr lIns="0" rIns="0" tIns="0" bIns="0"/>
-          <a:p>
-            <a:endParaRPr b="0" lang="en-US" sz="3200" spc="-1" strike="noStrike">
-              <a:solidFill>
-                <a:srgbClr val="000000"/>
-              </a:solidFill>
-              <a:uFill>
-                <a:solidFill>
-                  <a:srgbClr val="ffffff"/>
-                </a:solidFill>
-              </a:uFill>
-              <a:latin typeface="Arial"/>
-            </a:endParaRPr>
-          </a:p>
-        </p:txBody>
-      </p:sp>
-      <p:sp>
-        <p:nvSpPr>
-          <p:cNvPr id="219" name="PlaceHolder 3"/>
-          <p:cNvSpPr>
-            <a:spLocks noGrp="1"/>
-          </p:cNvSpPr>
-          <p:nvPr>
-            <p:ph type="body"/>
-          </p:nvPr>
-        </p:nvSpPr>
-        <p:spPr>
-          <a:xfrm>
-            <a:off x="6231960" y="1604520"/>
-            <a:ext cx="5354280" cy="1896840"/>
-          </a:xfrm>
-          <a:prstGeom prst="rect">
-            <a:avLst/>
-          </a:prstGeom>
-        </p:spPr>
-        <p:txBody>
-          <a:bodyPr lIns="0" rIns="0" tIns="0" bIns="0"/>
-          <a:p>
-            <a:endParaRPr b="0" lang="en-US" sz="3200" spc="-1" strike="noStrike">
-              <a:solidFill>
-                <a:srgbClr val="000000"/>
-              </a:solidFill>
-              <a:uFill>
-                <a:solidFill>
-                  <a:srgbClr val="ffffff"/>
-                </a:solidFill>
-              </a:uFill>
-              <a:latin typeface="Arial"/>
-            </a:endParaRPr>
-          </a:p>
-        </p:txBody>
-      </p:sp>
-      <p:sp>
-        <p:nvSpPr>
-          <p:cNvPr id="220" name="PlaceHolder 4"/>
-          <p:cNvSpPr>
-            <a:spLocks noGrp="1"/>
-          </p:cNvSpPr>
-          <p:nvPr>
-            <p:ph type="body"/>
-          </p:nvPr>
-        </p:nvSpPr>
-        <p:spPr>
-          <a:xfrm>
-            <a:off x="6231960" y="3682080"/>
-            <a:ext cx="5354280" cy="1896840"/>
-          </a:xfrm>
-          <a:prstGeom prst="rect">
-            <a:avLst/>
-          </a:prstGeom>
-        </p:spPr>
-        <p:txBody>
-          <a:bodyPr lIns="0" rIns="0" tIns="0" bIns="0"/>
-          <a:p>
-            <a:endParaRPr b="0" lang="en-US" sz="3200" spc="-1" strike="noStrike">
-              <a:solidFill>
-                <a:srgbClr val="000000"/>
-              </a:solidFill>
-              <a:uFill>
-                <a:solidFill>
-                  <a:srgbClr val="ffffff"/>
-                </a:solidFill>
-              </a:uFill>
-              <a:latin typeface="Arial"/>
-            </a:endParaRPr>
-          </a:p>
-        </p:txBody>
-      </p:sp>
-    </p:spTree>
-  </p:cSld>
-</p:sldLayout>
-</file>
-
-<file path=ppt/slideLayouts/slideLayout69.xml><?xml version="1.0" encoding="utf-8"?>
-<p:sldLayout xmlns:a="http://schemas.openxmlformats.org/drawingml/2006/main" xmlns:p="http://schemas.openxmlformats.org/presentationml/2006/main" xmlns:r="http://schemas.openxmlformats.org/officeDocument/2006/relationships" xmlns:p14="http://schemas.microsoft.com/office/powerpoint/2010/main" xmlns:p15="http://schemas.microsoft.com/office/powerpoint/2012/main" xmlns:mc="http://schemas.openxmlformats.org/markup-compatibility/2006" type="twoObjOverTx" preserve="1">
-  <p:cSld name="Title, 2 Content over Content">
-    <p:spTree>
-      <p:nvGrpSpPr>
-        <p:cNvPr id="1" name=""/>
-        <p:cNvGrpSpPr/>
-        <p:nvPr/>
-      </p:nvGrpSpPr>
-      <p:grpSpPr>
-        <a:xfrm>
-          <a:off x="0" y="0"/>
-          <a:ext cx="0" cy="0"/>
-          <a:chOff x="0" y="0"/>
-          <a:chExt cx="0" cy="0"/>
-        </a:xfrm>
-      </p:grpSpPr>
-      <p:sp>
-        <p:nvSpPr>
-          <p:cNvPr id="221" name="PlaceHolder 1"/>
-          <p:cNvSpPr>
-            <a:spLocks noGrp="1"/>
-          </p:cNvSpPr>
-          <p:nvPr>
-            <p:ph type="title"/>
-          </p:nvPr>
-        </p:nvSpPr>
-        <p:spPr>
-          <a:xfrm>
-            <a:off x="609480" y="273600"/>
-            <a:ext cx="10972440" cy="1144800"/>
-          </a:xfrm>
-          <a:prstGeom prst="rect">
-            <a:avLst/>
-          </a:prstGeom>
-        </p:spPr>
-        <p:txBody>
-          <a:bodyPr lIns="0" rIns="0" tIns="0" bIns="0" anchor="ctr"/>
-          <a:p>
-            <a:pPr algn="ctr"/>
-            <a:endParaRPr b="0" lang="en-US" sz="4400" spc="-1" strike="noStrike">
-              <a:solidFill>
-                <a:srgbClr val="000000"/>
-              </a:solidFill>
-              <a:uFill>
-                <a:solidFill>
-                  <a:srgbClr val="ffffff"/>
-                </a:solidFill>
-              </a:uFill>
-              <a:latin typeface="Arial"/>
-            </a:endParaRPr>
-          </a:p>
-        </p:txBody>
-      </p:sp>
-      <p:sp>
-        <p:nvSpPr>
-          <p:cNvPr id="222" name="PlaceHolder 2"/>
-          <p:cNvSpPr>
-            <a:spLocks noGrp="1"/>
-          </p:cNvSpPr>
-          <p:nvPr>
-            <p:ph type="body"/>
-          </p:nvPr>
-        </p:nvSpPr>
-        <p:spPr>
-          <a:xfrm>
-            <a:off x="609480" y="1604520"/>
-            <a:ext cx="5354280" cy="1896840"/>
-          </a:xfrm>
-          <a:prstGeom prst="rect">
-            <a:avLst/>
-          </a:prstGeom>
-        </p:spPr>
-        <p:txBody>
-          <a:bodyPr lIns="0" rIns="0" tIns="0" bIns="0"/>
-          <a:p>
-            <a:endParaRPr b="0" lang="en-US" sz="3200" spc="-1" strike="noStrike">
-              <a:solidFill>
-                <a:srgbClr val="000000"/>
-              </a:solidFill>
-              <a:uFill>
-                <a:solidFill>
-                  <a:srgbClr val="ffffff"/>
-                </a:solidFill>
-              </a:uFill>
-              <a:latin typeface="Arial"/>
-            </a:endParaRPr>
-          </a:p>
-        </p:txBody>
-      </p:sp>
-      <p:sp>
-        <p:nvSpPr>
-          <p:cNvPr id="223" name="PlaceHolder 3"/>
-          <p:cNvSpPr>
-            <a:spLocks noGrp="1"/>
-          </p:cNvSpPr>
-          <p:nvPr>
-            <p:ph type="body"/>
-          </p:nvPr>
-        </p:nvSpPr>
-        <p:spPr>
-          <a:xfrm>
-            <a:off x="6231960" y="1604520"/>
-            <a:ext cx="5354280" cy="1896840"/>
-          </a:xfrm>
-          <a:prstGeom prst="rect">
-            <a:avLst/>
-          </a:prstGeom>
-        </p:spPr>
-        <p:txBody>
-          <a:bodyPr lIns="0" rIns="0" tIns="0" bIns="0"/>
-          <a:p>
-            <a:endParaRPr b="0" lang="en-US" sz="3200" spc="-1" strike="noStrike">
-              <a:solidFill>
-                <a:srgbClr val="000000"/>
-              </a:solidFill>
-              <a:uFill>
-                <a:solidFill>
-                  <a:srgbClr val="ffffff"/>
-                </a:solidFill>
-              </a:uFill>
-              <a:latin typeface="Arial"/>
-            </a:endParaRPr>
-          </a:p>
-        </p:txBody>
-      </p:sp>
-      <p:sp>
-        <p:nvSpPr>
-          <p:cNvPr id="224" name="PlaceHolder 4"/>
-          <p:cNvSpPr>
-            <a:spLocks noGrp="1"/>
-          </p:cNvSpPr>
-          <p:nvPr>
-            <p:ph type="body"/>
-          </p:nvPr>
-        </p:nvSpPr>
-        <p:spPr>
-          <a:xfrm>
-            <a:off x="609480" y="3682080"/>
-            <a:ext cx="10972440" cy="1896840"/>
-          </a:xfrm>
-          <a:prstGeom prst="rect">
-            <a:avLst/>
-          </a:prstGeom>
-        </p:spPr>
-        <p:txBody>
-          <a:bodyPr lIns="0" rIns="0" tIns="0" bIns="0"/>
-          <a:p>
-            <a:endParaRPr b="0" lang="en-US" sz="3200" spc="-1" strike="noStrike">
-              <a:solidFill>
-                <a:srgbClr val="000000"/>
-              </a:solidFill>
-              <a:uFill>
-                <a:solidFill>
-                  <a:srgbClr val="ffffff"/>
-                </a:solidFill>
-              </a:uFill>
-              <a:latin typeface="Arial"/>
-            </a:endParaRPr>
-          </a:p>
-        </p:txBody>
-      </p:sp>
     </p:spTree>
   </p:cSld>
 </p:sldLayout>
@@ -10588,517 +9624,6 @@
           </a:p>
         </p:txBody>
       </p:sp>
-    </p:spTree>
-  </p:cSld>
-</p:sldLayout>
-</file>
-
-<file path=ppt/slideLayouts/slideLayout70.xml><?xml version="1.0" encoding="utf-8"?>
-<p:sldLayout xmlns:a="http://schemas.openxmlformats.org/drawingml/2006/main" xmlns:p="http://schemas.openxmlformats.org/presentationml/2006/main" xmlns:r="http://schemas.openxmlformats.org/officeDocument/2006/relationships" xmlns:p14="http://schemas.microsoft.com/office/powerpoint/2010/main" xmlns:p15="http://schemas.microsoft.com/office/powerpoint/2012/main" xmlns:mc="http://schemas.openxmlformats.org/markup-compatibility/2006" type="objOverTx" preserve="1">
-  <p:cSld name="Title, Content over Content">
-    <p:spTree>
-      <p:nvGrpSpPr>
-        <p:cNvPr id="1" name=""/>
-        <p:cNvGrpSpPr/>
-        <p:nvPr/>
-      </p:nvGrpSpPr>
-      <p:grpSpPr>
-        <a:xfrm>
-          <a:off x="0" y="0"/>
-          <a:ext cx="0" cy="0"/>
-          <a:chOff x="0" y="0"/>
-          <a:chExt cx="0" cy="0"/>
-        </a:xfrm>
-      </p:grpSpPr>
-      <p:sp>
-        <p:nvSpPr>
-          <p:cNvPr id="225" name="PlaceHolder 1"/>
-          <p:cNvSpPr>
-            <a:spLocks noGrp="1"/>
-          </p:cNvSpPr>
-          <p:nvPr>
-            <p:ph type="title"/>
-          </p:nvPr>
-        </p:nvSpPr>
-        <p:spPr>
-          <a:xfrm>
-            <a:off x="609480" y="273600"/>
-            <a:ext cx="10972440" cy="1144800"/>
-          </a:xfrm>
-          <a:prstGeom prst="rect">
-            <a:avLst/>
-          </a:prstGeom>
-        </p:spPr>
-        <p:txBody>
-          <a:bodyPr lIns="0" rIns="0" tIns="0" bIns="0" anchor="ctr"/>
-          <a:p>
-            <a:pPr algn="ctr"/>
-            <a:endParaRPr b="0" lang="en-US" sz="4400" spc="-1" strike="noStrike">
-              <a:solidFill>
-                <a:srgbClr val="000000"/>
-              </a:solidFill>
-              <a:uFill>
-                <a:solidFill>
-                  <a:srgbClr val="ffffff"/>
-                </a:solidFill>
-              </a:uFill>
-              <a:latin typeface="Arial"/>
-            </a:endParaRPr>
-          </a:p>
-        </p:txBody>
-      </p:sp>
-      <p:sp>
-        <p:nvSpPr>
-          <p:cNvPr id="226" name="PlaceHolder 2"/>
-          <p:cNvSpPr>
-            <a:spLocks noGrp="1"/>
-          </p:cNvSpPr>
-          <p:nvPr>
-            <p:ph type="body"/>
-          </p:nvPr>
-        </p:nvSpPr>
-        <p:spPr>
-          <a:xfrm>
-            <a:off x="609480" y="1604520"/>
-            <a:ext cx="10972440" cy="1896840"/>
-          </a:xfrm>
-          <a:prstGeom prst="rect">
-            <a:avLst/>
-          </a:prstGeom>
-        </p:spPr>
-        <p:txBody>
-          <a:bodyPr lIns="0" rIns="0" tIns="0" bIns="0"/>
-          <a:p>
-            <a:endParaRPr b="0" lang="en-US" sz="3200" spc="-1" strike="noStrike">
-              <a:solidFill>
-                <a:srgbClr val="000000"/>
-              </a:solidFill>
-              <a:uFill>
-                <a:solidFill>
-                  <a:srgbClr val="ffffff"/>
-                </a:solidFill>
-              </a:uFill>
-              <a:latin typeface="Arial"/>
-            </a:endParaRPr>
-          </a:p>
-        </p:txBody>
-      </p:sp>
-      <p:sp>
-        <p:nvSpPr>
-          <p:cNvPr id="227" name="PlaceHolder 3"/>
-          <p:cNvSpPr>
-            <a:spLocks noGrp="1"/>
-          </p:cNvSpPr>
-          <p:nvPr>
-            <p:ph type="body"/>
-          </p:nvPr>
-        </p:nvSpPr>
-        <p:spPr>
-          <a:xfrm>
-            <a:off x="609480" y="3682080"/>
-            <a:ext cx="10972440" cy="1896840"/>
-          </a:xfrm>
-          <a:prstGeom prst="rect">
-            <a:avLst/>
-          </a:prstGeom>
-        </p:spPr>
-        <p:txBody>
-          <a:bodyPr lIns="0" rIns="0" tIns="0" bIns="0"/>
-          <a:p>
-            <a:endParaRPr b="0" lang="en-US" sz="3200" spc="-1" strike="noStrike">
-              <a:solidFill>
-                <a:srgbClr val="000000"/>
-              </a:solidFill>
-              <a:uFill>
-                <a:solidFill>
-                  <a:srgbClr val="ffffff"/>
-                </a:solidFill>
-              </a:uFill>
-              <a:latin typeface="Arial"/>
-            </a:endParaRPr>
-          </a:p>
-        </p:txBody>
-      </p:sp>
-    </p:spTree>
-  </p:cSld>
-</p:sldLayout>
-</file>
-
-<file path=ppt/slideLayouts/slideLayout71.xml><?xml version="1.0" encoding="utf-8"?>
-<p:sldLayout xmlns:a="http://schemas.openxmlformats.org/drawingml/2006/main" xmlns:p="http://schemas.openxmlformats.org/presentationml/2006/main" xmlns:r="http://schemas.openxmlformats.org/officeDocument/2006/relationships" xmlns:p14="http://schemas.microsoft.com/office/powerpoint/2010/main" xmlns:p15="http://schemas.microsoft.com/office/powerpoint/2012/main" xmlns:mc="http://schemas.openxmlformats.org/markup-compatibility/2006" type="fourObj" preserve="1">
-  <p:cSld name="Title, 4 Content">
-    <p:spTree>
-      <p:nvGrpSpPr>
-        <p:cNvPr id="1" name=""/>
-        <p:cNvGrpSpPr/>
-        <p:nvPr/>
-      </p:nvGrpSpPr>
-      <p:grpSpPr>
-        <a:xfrm>
-          <a:off x="0" y="0"/>
-          <a:ext cx="0" cy="0"/>
-          <a:chOff x="0" y="0"/>
-          <a:chExt cx="0" cy="0"/>
-        </a:xfrm>
-      </p:grpSpPr>
-      <p:sp>
-        <p:nvSpPr>
-          <p:cNvPr id="228" name="PlaceHolder 1"/>
-          <p:cNvSpPr>
-            <a:spLocks noGrp="1"/>
-          </p:cNvSpPr>
-          <p:nvPr>
-            <p:ph type="title"/>
-          </p:nvPr>
-        </p:nvSpPr>
-        <p:spPr>
-          <a:xfrm>
-            <a:off x="609480" y="273600"/>
-            <a:ext cx="10972440" cy="1144800"/>
-          </a:xfrm>
-          <a:prstGeom prst="rect">
-            <a:avLst/>
-          </a:prstGeom>
-        </p:spPr>
-        <p:txBody>
-          <a:bodyPr lIns="0" rIns="0" tIns="0" bIns="0" anchor="ctr"/>
-          <a:p>
-            <a:pPr algn="ctr"/>
-            <a:endParaRPr b="0" lang="en-US" sz="4400" spc="-1" strike="noStrike">
-              <a:solidFill>
-                <a:srgbClr val="000000"/>
-              </a:solidFill>
-              <a:uFill>
-                <a:solidFill>
-                  <a:srgbClr val="ffffff"/>
-                </a:solidFill>
-              </a:uFill>
-              <a:latin typeface="Arial"/>
-            </a:endParaRPr>
-          </a:p>
-        </p:txBody>
-      </p:sp>
-      <p:sp>
-        <p:nvSpPr>
-          <p:cNvPr id="229" name="PlaceHolder 2"/>
-          <p:cNvSpPr>
-            <a:spLocks noGrp="1"/>
-          </p:cNvSpPr>
-          <p:nvPr>
-            <p:ph type="body"/>
-          </p:nvPr>
-        </p:nvSpPr>
-        <p:spPr>
-          <a:xfrm>
-            <a:off x="609480" y="1604520"/>
-            <a:ext cx="5354280" cy="1896840"/>
-          </a:xfrm>
-          <a:prstGeom prst="rect">
-            <a:avLst/>
-          </a:prstGeom>
-        </p:spPr>
-        <p:txBody>
-          <a:bodyPr lIns="0" rIns="0" tIns="0" bIns="0"/>
-          <a:p>
-            <a:endParaRPr b="0" lang="en-US" sz="3200" spc="-1" strike="noStrike">
-              <a:solidFill>
-                <a:srgbClr val="000000"/>
-              </a:solidFill>
-              <a:uFill>
-                <a:solidFill>
-                  <a:srgbClr val="ffffff"/>
-                </a:solidFill>
-              </a:uFill>
-              <a:latin typeface="Arial"/>
-            </a:endParaRPr>
-          </a:p>
-        </p:txBody>
-      </p:sp>
-      <p:sp>
-        <p:nvSpPr>
-          <p:cNvPr id="230" name="PlaceHolder 3"/>
-          <p:cNvSpPr>
-            <a:spLocks noGrp="1"/>
-          </p:cNvSpPr>
-          <p:nvPr>
-            <p:ph type="body"/>
-          </p:nvPr>
-        </p:nvSpPr>
-        <p:spPr>
-          <a:xfrm>
-            <a:off x="6231960" y="1604520"/>
-            <a:ext cx="5354280" cy="1896840"/>
-          </a:xfrm>
-          <a:prstGeom prst="rect">
-            <a:avLst/>
-          </a:prstGeom>
-        </p:spPr>
-        <p:txBody>
-          <a:bodyPr lIns="0" rIns="0" tIns="0" bIns="0"/>
-          <a:p>
-            <a:endParaRPr b="0" lang="en-US" sz="3200" spc="-1" strike="noStrike">
-              <a:solidFill>
-                <a:srgbClr val="000000"/>
-              </a:solidFill>
-              <a:uFill>
-                <a:solidFill>
-                  <a:srgbClr val="ffffff"/>
-                </a:solidFill>
-              </a:uFill>
-              <a:latin typeface="Arial"/>
-            </a:endParaRPr>
-          </a:p>
-        </p:txBody>
-      </p:sp>
-      <p:sp>
-        <p:nvSpPr>
-          <p:cNvPr id="231" name="PlaceHolder 4"/>
-          <p:cNvSpPr>
-            <a:spLocks noGrp="1"/>
-          </p:cNvSpPr>
-          <p:nvPr>
-            <p:ph type="body"/>
-          </p:nvPr>
-        </p:nvSpPr>
-        <p:spPr>
-          <a:xfrm>
-            <a:off x="6231960" y="3682080"/>
-            <a:ext cx="5354280" cy="1896840"/>
-          </a:xfrm>
-          <a:prstGeom prst="rect">
-            <a:avLst/>
-          </a:prstGeom>
-        </p:spPr>
-        <p:txBody>
-          <a:bodyPr lIns="0" rIns="0" tIns="0" bIns="0"/>
-          <a:p>
-            <a:endParaRPr b="0" lang="en-US" sz="3200" spc="-1" strike="noStrike">
-              <a:solidFill>
-                <a:srgbClr val="000000"/>
-              </a:solidFill>
-              <a:uFill>
-                <a:solidFill>
-                  <a:srgbClr val="ffffff"/>
-                </a:solidFill>
-              </a:uFill>
-              <a:latin typeface="Arial"/>
-            </a:endParaRPr>
-          </a:p>
-        </p:txBody>
-      </p:sp>
-      <p:sp>
-        <p:nvSpPr>
-          <p:cNvPr id="232" name="PlaceHolder 5"/>
-          <p:cNvSpPr>
-            <a:spLocks noGrp="1"/>
-          </p:cNvSpPr>
-          <p:nvPr>
-            <p:ph type="body"/>
-          </p:nvPr>
-        </p:nvSpPr>
-        <p:spPr>
-          <a:xfrm>
-            <a:off x="609480" y="3682080"/>
-            <a:ext cx="5354280" cy="1896840"/>
-          </a:xfrm>
-          <a:prstGeom prst="rect">
-            <a:avLst/>
-          </a:prstGeom>
-        </p:spPr>
-        <p:txBody>
-          <a:bodyPr lIns="0" rIns="0" tIns="0" bIns="0"/>
-          <a:p>
-            <a:endParaRPr b="0" lang="en-US" sz="3200" spc="-1" strike="noStrike">
-              <a:solidFill>
-                <a:srgbClr val="000000"/>
-              </a:solidFill>
-              <a:uFill>
-                <a:solidFill>
-                  <a:srgbClr val="ffffff"/>
-                </a:solidFill>
-              </a:uFill>
-              <a:latin typeface="Arial"/>
-            </a:endParaRPr>
-          </a:p>
-        </p:txBody>
-      </p:sp>
-    </p:spTree>
-  </p:cSld>
-</p:sldLayout>
-</file>
-
-<file path=ppt/slideLayouts/slideLayout72.xml><?xml version="1.0" encoding="utf-8"?>
-<p:sldLayout xmlns:a="http://schemas.openxmlformats.org/drawingml/2006/main" xmlns:p="http://schemas.openxmlformats.org/presentationml/2006/main" xmlns:r="http://schemas.openxmlformats.org/officeDocument/2006/relationships" xmlns:p14="http://schemas.microsoft.com/office/powerpoint/2010/main" xmlns:p15="http://schemas.microsoft.com/office/powerpoint/2012/main" xmlns:mc="http://schemas.openxmlformats.org/markup-compatibility/2006" type="blank" preserve="1">
-  <p:cSld name="Title, 6 Content">
-    <p:spTree>
-      <p:nvGrpSpPr>
-        <p:cNvPr id="1" name=""/>
-        <p:cNvGrpSpPr/>
-        <p:nvPr/>
-      </p:nvGrpSpPr>
-      <p:grpSpPr>
-        <a:xfrm>
-          <a:off x="0" y="0"/>
-          <a:ext cx="0" cy="0"/>
-          <a:chOff x="0" y="0"/>
-          <a:chExt cx="0" cy="0"/>
-        </a:xfrm>
-      </p:grpSpPr>
-      <p:sp>
-        <p:nvSpPr>
-          <p:cNvPr id="233" name="PlaceHolder 1"/>
-          <p:cNvSpPr>
-            <a:spLocks noGrp="1"/>
-          </p:cNvSpPr>
-          <p:nvPr>
-            <p:ph type="title"/>
-          </p:nvPr>
-        </p:nvSpPr>
-        <p:spPr>
-          <a:xfrm>
-            <a:off x="609480" y="273600"/>
-            <a:ext cx="10972440" cy="1144800"/>
-          </a:xfrm>
-          <a:prstGeom prst="rect">
-            <a:avLst/>
-          </a:prstGeom>
-        </p:spPr>
-        <p:txBody>
-          <a:bodyPr lIns="0" rIns="0" tIns="0" bIns="0" anchor="ctr"/>
-          <a:p>
-            <a:pPr algn="ctr"/>
-            <a:endParaRPr b="0" lang="en-US" sz="4400" spc="-1" strike="noStrike">
-              <a:solidFill>
-                <a:srgbClr val="000000"/>
-              </a:solidFill>
-              <a:uFill>
-                <a:solidFill>
-                  <a:srgbClr val="ffffff"/>
-                </a:solidFill>
-              </a:uFill>
-              <a:latin typeface="Arial"/>
-            </a:endParaRPr>
-          </a:p>
-        </p:txBody>
-      </p:sp>
-      <p:sp>
-        <p:nvSpPr>
-          <p:cNvPr id="234" name="PlaceHolder 2"/>
-          <p:cNvSpPr>
-            <a:spLocks noGrp="1"/>
-          </p:cNvSpPr>
-          <p:nvPr>
-            <p:ph type="body"/>
-          </p:nvPr>
-        </p:nvSpPr>
-        <p:spPr>
-          <a:xfrm>
-            <a:off x="609480" y="1604520"/>
-            <a:ext cx="10972440" cy="3977280"/>
-          </a:xfrm>
-          <a:prstGeom prst="rect">
-            <a:avLst/>
-          </a:prstGeom>
-        </p:spPr>
-        <p:txBody>
-          <a:bodyPr lIns="0" rIns="0" tIns="0" bIns="0"/>
-          <a:p>
-            <a:endParaRPr b="0" lang="en-US" sz="3200" spc="-1" strike="noStrike">
-              <a:solidFill>
-                <a:srgbClr val="000000"/>
-              </a:solidFill>
-              <a:uFill>
-                <a:solidFill>
-                  <a:srgbClr val="ffffff"/>
-                </a:solidFill>
-              </a:uFill>
-              <a:latin typeface="Arial"/>
-            </a:endParaRPr>
-          </a:p>
-        </p:txBody>
-      </p:sp>
-      <p:sp>
-        <p:nvSpPr>
-          <p:cNvPr id="235" name="PlaceHolder 3"/>
-          <p:cNvSpPr>
-            <a:spLocks noGrp="1"/>
-          </p:cNvSpPr>
-          <p:nvPr>
-            <p:ph type="body"/>
-          </p:nvPr>
-        </p:nvSpPr>
-        <p:spPr>
-          <a:xfrm>
-            <a:off x="609480" y="1604520"/>
-            <a:ext cx="10972440" cy="3977280"/>
-          </a:xfrm>
-          <a:prstGeom prst="rect">
-            <a:avLst/>
-          </a:prstGeom>
-        </p:spPr>
-        <p:txBody>
-          <a:bodyPr lIns="0" rIns="0" tIns="0" bIns="0"/>
-          <a:p>
-            <a:endParaRPr b="0" lang="en-US" sz="3200" spc="-1" strike="noStrike">
-              <a:solidFill>
-                <a:srgbClr val="000000"/>
-              </a:solidFill>
-              <a:uFill>
-                <a:solidFill>
-                  <a:srgbClr val="ffffff"/>
-                </a:solidFill>
-              </a:uFill>
-              <a:latin typeface="Arial"/>
-            </a:endParaRPr>
-          </a:p>
-        </p:txBody>
-      </p:sp>
-      <p:pic>
-        <p:nvPicPr>
-          <p:cNvPr id="236" name="" descr=""/>
-          <p:cNvPicPr/>
-          <p:nvPr/>
-        </p:nvPicPr>
-        <p:blipFill>
-          <a:blip r:embed="rId2"/>
-          <a:stretch/>
-        </p:blipFill>
-        <p:spPr>
-          <a:xfrm>
-            <a:off x="3602880" y="1604520"/>
-            <a:ext cx="4984920" cy="3977280"/>
-          </a:xfrm>
-          <a:prstGeom prst="rect">
-            <a:avLst/>
-          </a:prstGeom>
-          <a:ln>
-            <a:noFill/>
-          </a:ln>
-        </p:spPr>
-      </p:pic>
-      <p:pic>
-        <p:nvPicPr>
-          <p:cNvPr id="237" name="" descr=""/>
-          <p:cNvPicPr/>
-          <p:nvPr/>
-        </p:nvPicPr>
-        <p:blipFill>
-          <a:blip r:embed="rId3"/>
-          <a:stretch/>
-        </p:blipFill>
-        <p:spPr>
-          <a:xfrm>
-            <a:off x="3602880" y="1604520"/>
-            <a:ext cx="4984920" cy="3977280"/>
-          </a:xfrm>
-          <a:prstGeom prst="rect">
-            <a:avLst/>
-          </a:prstGeom>
-          <a:ln>
-            <a:noFill/>
-          </a:ln>
-        </p:spPr>
-      </p:pic>
     </p:spTree>
   </p:cSld>
 </p:sldLayout>
@@ -11475,7 +10000,7 @@
         <p:spPr>
           <a:xfrm>
             <a:off x="10382040" y="0"/>
-            <a:ext cx="1809360" cy="1809360"/>
+            <a:ext cx="1809000" cy="1809000"/>
           </a:xfrm>
           <a:prstGeom prst="rect">
             <a:avLst/>
@@ -11494,7 +10019,7 @@
         <p:spPr>
           <a:xfrm>
             <a:off x="4236120" y="6656760"/>
-            <a:ext cx="3432960" cy="196560"/>
+            <a:ext cx="3432600" cy="196200"/>
           </a:xfrm>
           <a:prstGeom prst="rect">
             <a:avLst/>
@@ -11560,7 +10085,7 @@
         <p:spPr>
           <a:xfrm>
             <a:off x="10693080" y="6329160"/>
-            <a:ext cx="1279440" cy="356040"/>
+            <a:ext cx="1279080" cy="355680"/>
           </a:xfrm>
           <a:prstGeom prst="rect">
             <a:avLst/>
@@ -11582,8 +10107,8 @@
         </p:nvSpPr>
         <p:spPr>
           <a:xfrm>
-            <a:off x="712800" y="357120"/>
-            <a:ext cx="10479960" cy="497880"/>
+            <a:off x="609480" y="273600"/>
+            <a:ext cx="10972080" cy="1144440"/>
           </a:xfrm>
           <a:prstGeom prst="rect">
             <a:avLst/>
@@ -11620,7 +10145,7 @@
         <p:spPr>
           <a:xfrm>
             <a:off x="609480" y="1604520"/>
-            <a:ext cx="10972440" cy="3977280"/>
+            <a:ext cx="10972080" cy="3976920"/>
           </a:xfrm>
           <a:prstGeom prst="rect">
             <a:avLst/>
@@ -11638,7 +10163,7 @@
               <a:buChar char=""/>
             </a:pPr>
             <a:r>
-              <a:rPr b="0" lang="en-US" sz="3200" spc="-1" strike="noStrike">
+              <a:rPr b="0" lang="en-US" sz="1800" spc="-1" strike="noStrike">
                 <a:solidFill>
                   <a:srgbClr val="000000"/>
                 </a:solidFill>
@@ -11651,7 +10176,7 @@
               </a:rPr>
               <a:t>Click to edit the outline text format</a:t>
             </a:r>
-            <a:endParaRPr b="0" lang="en-US" sz="3200" spc="-1" strike="noStrike">
+            <a:endParaRPr b="0" lang="en-US" sz="1800" spc="-1" strike="noStrike">
               <a:solidFill>
                 <a:srgbClr val="000000"/>
               </a:solidFill>
@@ -11673,7 +10198,7 @@
               <a:buChar char=""/>
             </a:pPr>
             <a:r>
-              <a:rPr b="0" lang="en-US" sz="2800" spc="-1" strike="noStrike">
+              <a:rPr b="0" lang="en-US" sz="1800" spc="-1" strike="noStrike">
                 <a:solidFill>
                   <a:srgbClr val="000000"/>
                 </a:solidFill>
@@ -11686,7 +10211,7 @@
               </a:rPr>
               <a:t>Second Outline Level</a:t>
             </a:r>
-            <a:endParaRPr b="0" lang="en-US" sz="2800" spc="-1" strike="noStrike">
+            <a:endParaRPr b="0" lang="en-US" sz="1800" spc="-1" strike="noStrike">
               <a:solidFill>
                 <a:srgbClr val="000000"/>
               </a:solidFill>
@@ -11708,7 +10233,7 @@
               <a:buChar char=""/>
             </a:pPr>
             <a:r>
-              <a:rPr b="0" lang="en-US" sz="2400" spc="-1" strike="noStrike">
+              <a:rPr b="0" lang="en-US" sz="1800" spc="-1" strike="noStrike">
                 <a:solidFill>
                   <a:srgbClr val="000000"/>
                 </a:solidFill>
@@ -11721,7 +10246,7 @@
               </a:rPr>
               <a:t>Third Outline Level</a:t>
             </a:r>
-            <a:endParaRPr b="0" lang="en-US" sz="2400" spc="-1" strike="noStrike">
+            <a:endParaRPr b="0" lang="en-US" sz="1800" spc="-1" strike="noStrike">
               <a:solidFill>
                 <a:srgbClr val="000000"/>
               </a:solidFill>
@@ -11743,7 +10268,7 @@
               <a:buChar char=""/>
             </a:pPr>
             <a:r>
-              <a:rPr b="0" lang="en-US" sz="2000" spc="-1" strike="noStrike">
+              <a:rPr b="0" lang="en-US" sz="1800" spc="-1" strike="noStrike">
                 <a:solidFill>
                   <a:srgbClr val="000000"/>
                 </a:solidFill>
@@ -11756,7 +10281,7 @@
               </a:rPr>
               <a:t>Fourth Outline Level</a:t>
             </a:r>
-            <a:endParaRPr b="0" lang="en-US" sz="2000" spc="-1" strike="noStrike">
+            <a:endParaRPr b="0" lang="en-US" sz="1800" spc="-1" strike="noStrike">
               <a:solidFill>
                 <a:srgbClr val="000000"/>
               </a:solidFill>
@@ -11778,7 +10303,7 @@
               <a:buChar char=""/>
             </a:pPr>
             <a:r>
-              <a:rPr b="0" lang="en-US" sz="2000" spc="-1" strike="noStrike">
+              <a:rPr b="0" lang="en-US" sz="1800" spc="-1" strike="noStrike">
                 <a:solidFill>
                   <a:srgbClr val="000000"/>
                 </a:solidFill>
@@ -11791,7 +10316,7 @@
               </a:rPr>
               <a:t>Fifth Outline Level</a:t>
             </a:r>
-            <a:endParaRPr b="0" lang="en-US" sz="2000" spc="-1" strike="noStrike">
+            <a:endParaRPr b="0" lang="en-US" sz="1800" spc="-1" strike="noStrike">
               <a:solidFill>
                 <a:srgbClr val="000000"/>
               </a:solidFill>
@@ -11813,7 +10338,7 @@
               <a:buChar char=""/>
             </a:pPr>
             <a:r>
-              <a:rPr b="0" lang="en-US" sz="2000" spc="-1" strike="noStrike">
+              <a:rPr b="0" lang="en-US" sz="1800" spc="-1" strike="noStrike">
                 <a:solidFill>
                   <a:srgbClr val="000000"/>
                 </a:solidFill>
@@ -11826,7 +10351,7 @@
               </a:rPr>
               <a:t>Sixth Outline Level</a:t>
             </a:r>
-            <a:endParaRPr b="0" lang="en-US" sz="2000" spc="-1" strike="noStrike">
+            <a:endParaRPr b="0" lang="en-US" sz="1800" spc="-1" strike="noStrike">
               <a:solidFill>
                 <a:srgbClr val="000000"/>
               </a:solidFill>
@@ -11848,7 +10373,7 @@
               <a:buChar char=""/>
             </a:pPr>
             <a:r>
-              <a:rPr b="0" lang="en-US" sz="2000" spc="-1" strike="noStrike">
+              <a:rPr b="0" lang="en-US" sz="1800" spc="-1" strike="noStrike">
                 <a:solidFill>
                   <a:srgbClr val="000000"/>
                 </a:solidFill>
@@ -11861,7 +10386,7 @@
               </a:rPr>
               <a:t>Seventh Outline Level</a:t>
             </a:r>
-            <a:endParaRPr b="0" lang="en-US" sz="2000" spc="-1" strike="noStrike">
+            <a:endParaRPr b="0" lang="en-US" sz="1800" spc="-1" strike="noStrike">
               <a:solidFill>
                 <a:srgbClr val="000000"/>
               </a:solidFill>
@@ -11932,7 +10457,7 @@
         <p:spPr>
           <a:xfrm>
             <a:off x="10382040" y="0"/>
-            <a:ext cx="1809360" cy="1809360"/>
+            <a:ext cx="1809000" cy="1809000"/>
           </a:xfrm>
           <a:prstGeom prst="rect">
             <a:avLst/>
@@ -11951,7 +10476,7 @@
         <p:spPr>
           <a:xfrm>
             <a:off x="4236120" y="6656760"/>
-            <a:ext cx="3432960" cy="196560"/>
+            <a:ext cx="3432600" cy="196200"/>
           </a:xfrm>
           <a:prstGeom prst="rect">
             <a:avLst/>
@@ -12017,7 +10542,7 @@
         <p:spPr>
           <a:xfrm>
             <a:off x="10693080" y="6329160"/>
-            <a:ext cx="1279440" cy="356040"/>
+            <a:ext cx="1279080" cy="355680"/>
           </a:xfrm>
           <a:prstGeom prst="rect">
             <a:avLst/>
@@ -12403,7 +10928,7 @@
         <p:spPr>
           <a:xfrm>
             <a:off x="10382040" y="0"/>
-            <a:ext cx="1809360" cy="1809360"/>
+            <a:ext cx="1809000" cy="1809000"/>
           </a:xfrm>
           <a:prstGeom prst="rect">
             <a:avLst/>
@@ -12422,7 +10947,7 @@
         <p:spPr>
           <a:xfrm>
             <a:off x="4236120" y="6656760"/>
-            <a:ext cx="3432960" cy="196560"/>
+            <a:ext cx="3432600" cy="196200"/>
           </a:xfrm>
           <a:prstGeom prst="rect">
             <a:avLst/>
@@ -12488,7 +11013,7 @@
         <p:spPr>
           <a:xfrm>
             <a:off x="10693080" y="6329160"/>
-            <a:ext cx="1279440" cy="356040"/>
+            <a:ext cx="1279080" cy="355680"/>
           </a:xfrm>
           <a:prstGeom prst="rect">
             <a:avLst/>
@@ -12507,7 +11032,7 @@
         <p:spPr>
           <a:xfrm>
             <a:off x="304560" y="838080"/>
-            <a:ext cx="11582640" cy="5790240"/>
+            <a:ext cx="11582280" cy="5789880"/>
           </a:xfrm>
           <a:prstGeom prst="rect">
             <a:avLst/>
@@ -12618,35 +11143,7 @@
                 </a:uFill>
                 <a:latin typeface="Arial"/>
               </a:rPr>
-              <a:t>Click to edit </a:t>
-            </a:r>
-            <a:r>
-              <a:rPr b="0" lang="en-US" sz="4400" spc="-1" strike="noStrike">
-                <a:solidFill>
-                  <a:srgbClr val="000000"/>
-                </a:solidFill>
-                <a:uFill>
-                  <a:solidFill>
-                    <a:srgbClr val="ffffff"/>
-                  </a:solidFill>
-                </a:uFill>
-                <a:latin typeface="Arial"/>
-              </a:rPr>
-              <a:t>the title text </a:t>
-            </a:r>
-            <a:r>
-              <a:rPr b="0" lang="en-US" sz="4400" spc="-1" strike="noStrike">
-                <a:solidFill>
-                  <a:srgbClr val="000000"/>
-                </a:solidFill>
-                <a:uFill>
-                  <a:solidFill>
-                    <a:srgbClr val="ffffff"/>
-                  </a:solidFill>
-                </a:uFill>
-                <a:latin typeface="Arial"/>
-              </a:rPr>
-              <a:t>format</a:t>
+              <a:t>Click to edit the title text format</a:t>
             </a:r>
             <a:endParaRPr b="0" lang="en-US" sz="4400" spc="-1" strike="noStrike">
               <a:solidFill>
@@ -12987,7 +11484,7 @@
         <p:spPr>
           <a:xfrm>
             <a:off x="10382040" y="0"/>
-            <a:ext cx="1809360" cy="1809360"/>
+            <a:ext cx="1809000" cy="1809000"/>
           </a:xfrm>
           <a:prstGeom prst="rect">
             <a:avLst/>
@@ -13006,7 +11503,7 @@
         <p:spPr>
           <a:xfrm>
             <a:off x="4236120" y="6656760"/>
-            <a:ext cx="3432960" cy="196560"/>
+            <a:ext cx="3432600" cy="196200"/>
           </a:xfrm>
           <a:prstGeom prst="rect">
             <a:avLst/>
@@ -13072,7 +11569,7 @@
         <p:spPr>
           <a:xfrm>
             <a:off x="10693080" y="6329160"/>
-            <a:ext cx="1279440" cy="356040"/>
+            <a:ext cx="1279080" cy="355680"/>
           </a:xfrm>
           <a:prstGeom prst="rect">
             <a:avLst/>
@@ -13091,7 +11588,7 @@
         <p:spPr>
           <a:xfrm>
             <a:off x="620280" y="6286680"/>
-            <a:ext cx="10950840" cy="447840"/>
+            <a:ext cx="10950480" cy="447480"/>
           </a:xfrm>
           <a:prstGeom prst="rect">
             <a:avLst/>
@@ -13156,8 +11653,8 @@
         </p:nvSpPr>
         <p:spPr>
           <a:xfrm>
-            <a:off x="712800" y="357120"/>
-            <a:ext cx="10479960" cy="497880"/>
+            <a:off x="609480" y="273600"/>
+            <a:ext cx="10972440" cy="1144800"/>
           </a:xfrm>
           <a:prstGeom prst="rect">
             <a:avLst/>
@@ -13167,6 +11664,20 @@
           <a:bodyPr lIns="0" rIns="0" tIns="0" bIns="0" anchor="ctr"/>
           <a:p>
             <a:pPr algn="ctr"/>
+            <a:r>
+              <a:rPr b="0" lang="en-US" sz="4400" spc="-1" strike="noStrike">
+                <a:solidFill>
+                  <a:srgbClr val="000000"/>
+                </a:solidFill>
+                <a:uFill>
+                  <a:solidFill>
+                    <a:srgbClr val="ffffff"/>
+                  </a:solidFill>
+                </a:uFill>
+                <a:latin typeface="Arial"/>
+              </a:rPr>
+              <a:t>Click to edit the title text format</a:t>
+            </a:r>
             <a:endParaRPr b="0" lang="en-US" sz="4400" spc="-1" strike="noStrike">
               <a:solidFill>
                 <a:srgbClr val="000000"/>
@@ -13193,8 +11704,8 @@
         </p:nvSpPr>
         <p:spPr>
           <a:xfrm>
-            <a:off x="751320" y="992160"/>
-            <a:ext cx="10663200" cy="5222160"/>
+            <a:off x="609480" y="1604520"/>
+            <a:ext cx="10972440" cy="3977280"/>
           </a:xfrm>
           <a:prstGeom prst="rect">
             <a:avLst/>
@@ -13212,7 +11723,7 @@
               <a:buChar char=""/>
             </a:pPr>
             <a:r>
-              <a:rPr b="0" lang="en-US" sz="1800" spc="-1" strike="noStrike">
+              <a:rPr b="0" lang="en-US" sz="3200" spc="-1" strike="noStrike">
                 <a:solidFill>
                   <a:srgbClr val="000000"/>
                 </a:solidFill>
@@ -13225,7 +11736,7 @@
               </a:rPr>
               <a:t>Click to edit the outline text format</a:t>
             </a:r>
-            <a:endParaRPr b="0" lang="en-US" sz="1800" spc="-1" strike="noStrike">
+            <a:endParaRPr b="0" lang="en-US" sz="3200" spc="-1" strike="noStrike">
               <a:solidFill>
                 <a:srgbClr val="000000"/>
               </a:solidFill>
@@ -13247,7 +11758,7 @@
               <a:buChar char=""/>
             </a:pPr>
             <a:r>
-              <a:rPr b="0" lang="en-US" sz="1800" spc="-1" strike="noStrike">
+              <a:rPr b="0" lang="en-US" sz="2800" spc="-1" strike="noStrike">
                 <a:solidFill>
                   <a:srgbClr val="000000"/>
                 </a:solidFill>
@@ -13260,7 +11771,7 @@
               </a:rPr>
               <a:t>Second Outline Level</a:t>
             </a:r>
-            <a:endParaRPr b="0" lang="en-US" sz="1800" spc="-1" strike="noStrike">
+            <a:endParaRPr b="0" lang="en-US" sz="2800" spc="-1" strike="noStrike">
               <a:solidFill>
                 <a:srgbClr val="000000"/>
               </a:solidFill>
@@ -13282,7 +11793,7 @@
               <a:buChar char=""/>
             </a:pPr>
             <a:r>
-              <a:rPr b="0" lang="en-US" sz="1800" spc="-1" strike="noStrike">
+              <a:rPr b="0" lang="en-US" sz="2400" spc="-1" strike="noStrike">
                 <a:solidFill>
                   <a:srgbClr val="000000"/>
                 </a:solidFill>
@@ -13295,7 +11806,7 @@
               </a:rPr>
               <a:t>Third Outline Level</a:t>
             </a:r>
-            <a:endParaRPr b="0" lang="en-US" sz="1800" spc="-1" strike="noStrike">
+            <a:endParaRPr b="0" lang="en-US" sz="2400" spc="-1" strike="noStrike">
               <a:solidFill>
                 <a:srgbClr val="000000"/>
               </a:solidFill>
@@ -13317,7 +11828,7 @@
               <a:buChar char=""/>
             </a:pPr>
             <a:r>
-              <a:rPr b="0" lang="en-US" sz="1800" spc="-1" strike="noStrike">
+              <a:rPr b="0" lang="en-US" sz="2000" spc="-1" strike="noStrike">
                 <a:solidFill>
                   <a:srgbClr val="000000"/>
                 </a:solidFill>
@@ -13330,7 +11841,7 @@
               </a:rPr>
               <a:t>Fourth Outline Level</a:t>
             </a:r>
-            <a:endParaRPr b="0" lang="en-US" sz="1800" spc="-1" strike="noStrike">
+            <a:endParaRPr b="0" lang="en-US" sz="2000" spc="-1" strike="noStrike">
               <a:solidFill>
                 <a:srgbClr val="000000"/>
               </a:solidFill>
@@ -13352,7 +11863,7 @@
               <a:buChar char=""/>
             </a:pPr>
             <a:r>
-              <a:rPr b="0" lang="en-US" sz="1800" spc="-1" strike="noStrike">
+              <a:rPr b="0" lang="en-US" sz="2000" spc="-1" strike="noStrike">
                 <a:solidFill>
                   <a:srgbClr val="000000"/>
                 </a:solidFill>
@@ -13365,7 +11876,7 @@
               </a:rPr>
               <a:t>Fifth Outline Level</a:t>
             </a:r>
-            <a:endParaRPr b="0" lang="en-US" sz="1800" spc="-1" strike="noStrike">
+            <a:endParaRPr b="0" lang="en-US" sz="2000" spc="-1" strike="noStrike">
               <a:solidFill>
                 <a:srgbClr val="000000"/>
               </a:solidFill>
@@ -13387,7 +11898,7 @@
               <a:buChar char=""/>
             </a:pPr>
             <a:r>
-              <a:rPr b="0" lang="en-US" sz="1800" spc="-1" strike="noStrike">
+              <a:rPr b="0" lang="en-US" sz="2000" spc="-1" strike="noStrike">
                 <a:solidFill>
                   <a:srgbClr val="000000"/>
                 </a:solidFill>
@@ -13400,7 +11911,7 @@
               </a:rPr>
               <a:t>Sixth Outline Level</a:t>
             </a:r>
-            <a:endParaRPr b="0" lang="en-US" sz="1800" spc="-1" strike="noStrike">
+            <a:endParaRPr b="0" lang="en-US" sz="2000" spc="-1" strike="noStrike">
               <a:solidFill>
                 <a:srgbClr val="000000"/>
               </a:solidFill>
@@ -13422,7 +11933,7 @@
               <a:buChar char=""/>
             </a:pPr>
             <a:r>
-              <a:rPr b="0" lang="en-US" sz="1800" spc="-1" strike="noStrike">
+              <a:rPr b="0" lang="en-US" sz="2000" spc="-1" strike="noStrike">
                 <a:solidFill>
                   <a:srgbClr val="000000"/>
                 </a:solidFill>
@@ -13435,7 +11946,7 @@
               </a:rPr>
               <a:t>Seventh Outline Level</a:t>
             </a:r>
-            <a:endParaRPr b="0" lang="en-US" sz="1800" spc="-1" strike="noStrike">
+            <a:endParaRPr b="0" lang="en-US" sz="2000" spc="-1" strike="noStrike">
               <a:solidFill>
                 <a:srgbClr val="000000"/>
               </a:solidFill>
@@ -13493,97 +12004,9 @@
           <a:chExt cx="0" cy="0"/>
         </a:xfrm>
       </p:grpSpPr>
-      <p:sp>
-        <p:nvSpPr>
-          <p:cNvPr id="160" name="CustomShape 1"/>
-          <p:cNvSpPr/>
-          <p:nvPr/>
-        </p:nvSpPr>
-        <p:spPr>
-          <a:xfrm rot="5400000">
-            <a:off x="10592640" y="-228600"/>
-            <a:ext cx="1370880" cy="1828080"/>
-          </a:xfrm>
-          <a:custGeom>
-            <a:avLst/>
-            <a:gdLst/>
-            <a:ahLst/>
-            <a:rect l="l" t="t" r="r" b="b"/>
-            <a:pathLst>
-              <a:path w="1142995" h="1532236">
-                <a:moveTo>
-                  <a:pt x="0" y="0"/>
-                </a:moveTo>
-                <a:lnTo>
-                  <a:pt x="1142995" y="0"/>
-                </a:lnTo>
-                <a:cubicBezTo>
-                  <a:pt x="511969" y="21249"/>
-                  <a:pt x="3930" y="739945"/>
-                  <a:pt x="0" y="1532236"/>
-                </a:cubicBezTo>
-                <a:cubicBezTo>
-                  <a:pt x="4519" y="403311"/>
-                  <a:pt x="0" y="510745"/>
-                  <a:pt x="0" y="0"/>
-                </a:cubicBezTo>
-                <a:close/>
-              </a:path>
-            </a:pathLst>
-          </a:custGeom>
-          <a:solidFill>
-            <a:srgbClr val="e1261c"/>
-          </a:solidFill>
-          <a:ln w="9360">
-            <a:noFill/>
-          </a:ln>
-        </p:spPr>
-        <p:style>
-          <a:lnRef idx="0"/>
-          <a:fillRef idx="0"/>
-          <a:effectRef idx="0"/>
-          <a:fontRef idx="minor"/>
-        </p:style>
-        <p:txBody>
-          <a:bodyPr lIns="90000" rIns="90000" tIns="45000" bIns="45000" anchor="ctr"/>
-          <a:p>
-            <a:pPr algn="ctr">
-              <a:lnSpc>
-                <a:spcPct val="100000"/>
-              </a:lnSpc>
-            </a:pPr>
-            <a:r>
-              <a:rPr b="0" lang="en-US" sz="1800" spc="-1" strike="noStrike">
-                <a:solidFill>
-                  <a:srgbClr val="ffffff"/>
-                </a:solidFill>
-                <a:uFill>
-                  <a:solidFill>
-                    <a:srgbClr val="ffffff"/>
-                  </a:solidFill>
-                </a:uFill>
-                <a:latin typeface="Arial"/>
-                <a:ea typeface="DejaVu Sans"/>
-              </a:rPr>
-              <a:t> </a:t>
-            </a:r>
-            <a:endParaRPr b="0" lang="en-US" sz="1800" spc="-1" strike="noStrike">
-              <a:solidFill>
-                <a:srgbClr val="000000"/>
-              </a:solidFill>
-              <a:uFill>
-                <a:solidFill>
-                  <a:srgbClr val="ffffff"/>
-                </a:solidFill>
-              </a:uFill>
-              <a:latin typeface="Arial"/>
-            </a:endParaRPr>
-          </a:p>
-        </p:txBody>
-      </p:sp>
       <p:pic>
         <p:nvPicPr>
-          <p:cNvPr id="161" name="Picture 10" descr=""/>
+          <p:cNvPr id="160" name="Picture 2" descr=""/>
           <p:cNvPicPr/>
           <p:nvPr/>
         </p:nvPicPr>
@@ -13593,8 +12016,8 @@
         </p:blipFill>
         <p:spPr>
           <a:xfrm>
-            <a:off x="10388520" y="6519960"/>
-            <a:ext cx="1375200" cy="192960"/>
+            <a:off x="10382040" y="0"/>
+            <a:ext cx="1809000" cy="1809000"/>
           </a:xfrm>
           <a:prstGeom prst="rect">
             <a:avLst/>
@@ -13606,400 +12029,14 @@
       </p:pic>
       <p:sp>
         <p:nvSpPr>
-          <p:cNvPr id="162" name="PlaceHolder 2"/>
-          <p:cNvSpPr>
-            <a:spLocks noGrp="1"/>
-          </p:cNvSpPr>
-          <p:nvPr>
-            <p:ph type="title"/>
-          </p:nvPr>
-        </p:nvSpPr>
-        <p:spPr>
-          <a:xfrm>
-            <a:off x="609480" y="273600"/>
-            <a:ext cx="10972440" cy="1144800"/>
-          </a:xfrm>
-          <a:prstGeom prst="rect">
-            <a:avLst/>
-          </a:prstGeom>
-        </p:spPr>
-        <p:txBody>
-          <a:bodyPr lIns="0" rIns="0" tIns="0" bIns="0" anchor="ctr"/>
-          <a:p>
-            <a:pPr algn="ctr"/>
-            <a:r>
-              <a:rPr b="0" lang="en-US" sz="4400" spc="-1" strike="noStrike">
-                <a:solidFill>
-                  <a:srgbClr val="000000"/>
-                </a:solidFill>
-                <a:uFill>
-                  <a:solidFill>
-                    <a:srgbClr val="ffffff"/>
-                  </a:solidFill>
-                </a:uFill>
-                <a:latin typeface="Arial"/>
-              </a:rPr>
-              <a:t>Click to edit the title text format</a:t>
-            </a:r>
-            <a:endParaRPr b="0" lang="en-US" sz="4400" spc="-1" strike="noStrike">
-              <a:solidFill>
-                <a:srgbClr val="000000"/>
-              </a:solidFill>
-              <a:uFill>
-                <a:solidFill>
-                  <a:srgbClr val="ffffff"/>
-                </a:solidFill>
-              </a:uFill>
-              <a:latin typeface="Arial"/>
-            </a:endParaRPr>
-          </a:p>
-        </p:txBody>
-      </p:sp>
-      <p:sp>
-        <p:nvSpPr>
-          <p:cNvPr id="163" name="PlaceHolder 3"/>
-          <p:cNvSpPr>
-            <a:spLocks noGrp="1"/>
-          </p:cNvSpPr>
-          <p:nvPr>
-            <p:ph type="body"/>
-          </p:nvPr>
-        </p:nvSpPr>
-        <p:spPr>
-          <a:xfrm>
-            <a:off x="609480" y="1604520"/>
-            <a:ext cx="10972440" cy="3977280"/>
-          </a:xfrm>
-          <a:prstGeom prst="rect">
-            <a:avLst/>
-          </a:prstGeom>
-        </p:spPr>
-        <p:txBody>
-          <a:bodyPr lIns="0" rIns="0" tIns="0" bIns="0"/>
-          <a:p>
-            <a:pPr marL="432000" indent="-324000">
-              <a:buClr>
-                <a:srgbClr val="000000"/>
-              </a:buClr>
-              <a:buSzPct val="45000"/>
-              <a:buFont typeface="Wingdings" charset="2"/>
-              <a:buChar char=""/>
-            </a:pPr>
-            <a:r>
-              <a:rPr b="0" lang="en-US" sz="3200" spc="-1" strike="noStrike">
-                <a:solidFill>
-                  <a:srgbClr val="000000"/>
-                </a:solidFill>
-                <a:uFill>
-                  <a:solidFill>
-                    <a:srgbClr val="ffffff"/>
-                  </a:solidFill>
-                </a:uFill>
-                <a:latin typeface="Arial"/>
-              </a:rPr>
-              <a:t>Click to edit the outline text format</a:t>
-            </a:r>
-            <a:endParaRPr b="0" lang="en-US" sz="3200" spc="-1" strike="noStrike">
-              <a:solidFill>
-                <a:srgbClr val="000000"/>
-              </a:solidFill>
-              <a:uFill>
-                <a:solidFill>
-                  <a:srgbClr val="ffffff"/>
-                </a:solidFill>
-              </a:uFill>
-              <a:latin typeface="Arial"/>
-            </a:endParaRPr>
-          </a:p>
-          <a:p>
-            <a:pPr lvl="1" marL="864000" indent="-324000">
-              <a:buClr>
-                <a:srgbClr val="000000"/>
-              </a:buClr>
-              <a:buSzPct val="75000"/>
-              <a:buFont typeface="Symbol" charset="2"/>
-              <a:buChar char=""/>
-            </a:pPr>
-            <a:r>
-              <a:rPr b="0" lang="en-US" sz="2800" spc="-1" strike="noStrike">
-                <a:solidFill>
-                  <a:srgbClr val="000000"/>
-                </a:solidFill>
-                <a:uFill>
-                  <a:solidFill>
-                    <a:srgbClr val="ffffff"/>
-                  </a:solidFill>
-                </a:uFill>
-                <a:latin typeface="Arial"/>
-              </a:rPr>
-              <a:t>Second Outline Level</a:t>
-            </a:r>
-            <a:endParaRPr b="0" lang="en-US" sz="2800" spc="-1" strike="noStrike">
-              <a:solidFill>
-                <a:srgbClr val="000000"/>
-              </a:solidFill>
-              <a:uFill>
-                <a:solidFill>
-                  <a:srgbClr val="ffffff"/>
-                </a:solidFill>
-              </a:uFill>
-              <a:latin typeface="Arial"/>
-            </a:endParaRPr>
-          </a:p>
-          <a:p>
-            <a:pPr lvl="2" marL="1296000" indent="-288000">
-              <a:buClr>
-                <a:srgbClr val="000000"/>
-              </a:buClr>
-              <a:buSzPct val="45000"/>
-              <a:buFont typeface="Wingdings" charset="2"/>
-              <a:buChar char=""/>
-            </a:pPr>
-            <a:r>
-              <a:rPr b="0" lang="en-US" sz="2400" spc="-1" strike="noStrike">
-                <a:solidFill>
-                  <a:srgbClr val="000000"/>
-                </a:solidFill>
-                <a:uFill>
-                  <a:solidFill>
-                    <a:srgbClr val="ffffff"/>
-                  </a:solidFill>
-                </a:uFill>
-                <a:latin typeface="Arial"/>
-              </a:rPr>
-              <a:t>Third Outline Level</a:t>
-            </a:r>
-            <a:endParaRPr b="0" lang="en-US" sz="2400" spc="-1" strike="noStrike">
-              <a:solidFill>
-                <a:srgbClr val="000000"/>
-              </a:solidFill>
-              <a:uFill>
-                <a:solidFill>
-                  <a:srgbClr val="ffffff"/>
-                </a:solidFill>
-              </a:uFill>
-              <a:latin typeface="Arial"/>
-            </a:endParaRPr>
-          </a:p>
-          <a:p>
-            <a:pPr lvl="3" marL="1728000" indent="-216000">
-              <a:buClr>
-                <a:srgbClr val="000000"/>
-              </a:buClr>
-              <a:buSzPct val="75000"/>
-              <a:buFont typeface="Symbol" charset="2"/>
-              <a:buChar char=""/>
-            </a:pPr>
-            <a:r>
-              <a:rPr b="0" lang="en-US" sz="2000" spc="-1" strike="noStrike">
-                <a:solidFill>
-                  <a:srgbClr val="000000"/>
-                </a:solidFill>
-                <a:uFill>
-                  <a:solidFill>
-                    <a:srgbClr val="ffffff"/>
-                  </a:solidFill>
-                </a:uFill>
-                <a:latin typeface="Arial"/>
-              </a:rPr>
-              <a:t>Fourth Outline Level</a:t>
-            </a:r>
-            <a:endParaRPr b="0" lang="en-US" sz="2000" spc="-1" strike="noStrike">
-              <a:solidFill>
-                <a:srgbClr val="000000"/>
-              </a:solidFill>
-              <a:uFill>
-                <a:solidFill>
-                  <a:srgbClr val="ffffff"/>
-                </a:solidFill>
-              </a:uFill>
-              <a:latin typeface="Arial"/>
-            </a:endParaRPr>
-          </a:p>
-          <a:p>
-            <a:pPr lvl="4" marL="2160000" indent="-216000">
-              <a:buClr>
-                <a:srgbClr val="000000"/>
-              </a:buClr>
-              <a:buSzPct val="45000"/>
-              <a:buFont typeface="Wingdings" charset="2"/>
-              <a:buChar char=""/>
-            </a:pPr>
-            <a:r>
-              <a:rPr b="0" lang="en-US" sz="2000" spc="-1" strike="noStrike">
-                <a:solidFill>
-                  <a:srgbClr val="000000"/>
-                </a:solidFill>
-                <a:uFill>
-                  <a:solidFill>
-                    <a:srgbClr val="ffffff"/>
-                  </a:solidFill>
-                </a:uFill>
-                <a:latin typeface="Arial"/>
-              </a:rPr>
-              <a:t>Fifth Outline Level</a:t>
-            </a:r>
-            <a:endParaRPr b="0" lang="en-US" sz="2000" spc="-1" strike="noStrike">
-              <a:solidFill>
-                <a:srgbClr val="000000"/>
-              </a:solidFill>
-              <a:uFill>
-                <a:solidFill>
-                  <a:srgbClr val="ffffff"/>
-                </a:solidFill>
-              </a:uFill>
-              <a:latin typeface="Arial"/>
-            </a:endParaRPr>
-          </a:p>
-          <a:p>
-            <a:pPr lvl="5" marL="2592000" indent="-216000">
-              <a:buClr>
-                <a:srgbClr val="000000"/>
-              </a:buClr>
-              <a:buSzPct val="45000"/>
-              <a:buFont typeface="Wingdings" charset="2"/>
-              <a:buChar char=""/>
-            </a:pPr>
-            <a:r>
-              <a:rPr b="0" lang="en-US" sz="2000" spc="-1" strike="noStrike">
-                <a:solidFill>
-                  <a:srgbClr val="000000"/>
-                </a:solidFill>
-                <a:uFill>
-                  <a:solidFill>
-                    <a:srgbClr val="ffffff"/>
-                  </a:solidFill>
-                </a:uFill>
-                <a:latin typeface="Arial"/>
-              </a:rPr>
-              <a:t>Sixth Outline Level</a:t>
-            </a:r>
-            <a:endParaRPr b="0" lang="en-US" sz="2000" spc="-1" strike="noStrike">
-              <a:solidFill>
-                <a:srgbClr val="000000"/>
-              </a:solidFill>
-              <a:uFill>
-                <a:solidFill>
-                  <a:srgbClr val="ffffff"/>
-                </a:solidFill>
-              </a:uFill>
-              <a:latin typeface="Arial"/>
-            </a:endParaRPr>
-          </a:p>
-          <a:p>
-            <a:pPr lvl="6" marL="3024000" indent="-216000">
-              <a:buClr>
-                <a:srgbClr val="000000"/>
-              </a:buClr>
-              <a:buSzPct val="45000"/>
-              <a:buFont typeface="Wingdings" charset="2"/>
-              <a:buChar char=""/>
-            </a:pPr>
-            <a:r>
-              <a:rPr b="0" lang="en-US" sz="2000" spc="-1" strike="noStrike">
-                <a:solidFill>
-                  <a:srgbClr val="000000"/>
-                </a:solidFill>
-                <a:uFill>
-                  <a:solidFill>
-                    <a:srgbClr val="ffffff"/>
-                  </a:solidFill>
-                </a:uFill>
-                <a:latin typeface="Arial"/>
-              </a:rPr>
-              <a:t>Seventh Outline Level</a:t>
-            </a:r>
-            <a:endParaRPr b="0" lang="en-US" sz="2000" spc="-1" strike="noStrike">
-              <a:solidFill>
-                <a:srgbClr val="000000"/>
-              </a:solidFill>
-              <a:uFill>
-                <a:solidFill>
-                  <a:srgbClr val="ffffff"/>
-                </a:solidFill>
-              </a:uFill>
-              <a:latin typeface="Arial"/>
-            </a:endParaRPr>
-          </a:p>
-        </p:txBody>
-      </p:sp>
-    </p:spTree>
-  </p:cSld>
-  <p:clrMap bg1="lt1" bg2="lt2" tx1="dk1" tx2="dk2" accent1="accent1" accent2="accent2" accent3="accent3" accent4="accent4" accent5="accent5" accent6="accent6" hlink="hlink" folHlink="folHlink"/>
-  <p:sldLayoutIdLst>
-    <p:sldLayoutId id="2147483701" r:id="rId3"/>
-    <p:sldLayoutId id="2147483702" r:id="rId4"/>
-    <p:sldLayoutId id="2147483703" r:id="rId5"/>
-    <p:sldLayoutId id="2147483704" r:id="rId6"/>
-    <p:sldLayoutId id="2147483705" r:id="rId7"/>
-    <p:sldLayoutId id="2147483706" r:id="rId8"/>
-    <p:sldLayoutId id="2147483707" r:id="rId9"/>
-    <p:sldLayoutId id="2147483708" r:id="rId10"/>
-    <p:sldLayoutId id="2147483709" r:id="rId11"/>
-    <p:sldLayoutId id="2147483710" r:id="rId12"/>
-    <p:sldLayoutId id="2147483711" r:id="rId13"/>
-    <p:sldLayoutId id="2147483712" r:id="rId14"/>
-  </p:sldLayoutIdLst>
-</p:sldMaster>
-</file>
-
-<file path=ppt/slideMasters/slideMaster6.xml><?xml version="1.0" encoding="utf-8"?>
-<p:sldMaster xmlns:a="http://schemas.openxmlformats.org/drawingml/2006/main" xmlns:p="http://schemas.openxmlformats.org/presentationml/2006/main" xmlns:r="http://schemas.openxmlformats.org/officeDocument/2006/relationships" xmlns:p14="http://schemas.microsoft.com/office/powerpoint/2010/main" xmlns:p15="http://schemas.microsoft.com/office/powerpoint/2012/main" xmlns:mc="http://schemas.openxmlformats.org/markup-compatibility/2006">
-  <p:cSld>
-    <p:bg>
-      <p:bgPr>
-        <a:solidFill>
-          <a:srgbClr val="ffffff"/>
-        </a:solidFill>
-      </p:bgPr>
-    </p:bg>
-    <p:spTree>
-      <p:nvGrpSpPr>
-        <p:cNvPr id="1" name=""/>
-        <p:cNvGrpSpPr/>
-        <p:nvPr/>
-      </p:nvGrpSpPr>
-      <p:grpSpPr>
-        <a:xfrm>
-          <a:off x="0" y="0"/>
-          <a:ext cx="0" cy="0"/>
-          <a:chOff x="0" y="0"/>
-          <a:chExt cx="0" cy="0"/>
-        </a:xfrm>
-      </p:grpSpPr>
-      <p:pic>
-        <p:nvPicPr>
-          <p:cNvPr id="198" name="Picture 2" descr=""/>
-          <p:cNvPicPr/>
-          <p:nvPr/>
-        </p:nvPicPr>
-        <p:blipFill>
-          <a:blip r:embed="rId2"/>
-          <a:stretch/>
-        </p:blipFill>
-        <p:spPr>
-          <a:xfrm>
-            <a:off x="10382040" y="0"/>
-            <a:ext cx="1809360" cy="1809360"/>
-          </a:xfrm>
-          <a:prstGeom prst="rect">
-            <a:avLst/>
-          </a:prstGeom>
-          <a:ln>
-            <a:noFill/>
-          </a:ln>
-        </p:spPr>
-      </p:pic>
-      <p:sp>
-        <p:nvSpPr>
-          <p:cNvPr id="199" name="CustomShape 1"/>
+          <p:cNvPr id="161" name="CustomShape 1"/>
           <p:cNvSpPr/>
           <p:nvPr/>
         </p:nvSpPr>
         <p:spPr>
           <a:xfrm>
             <a:off x="4236120" y="6656760"/>
-            <a:ext cx="3432960" cy="196560"/>
+            <a:ext cx="3432600" cy="196200"/>
           </a:xfrm>
           <a:prstGeom prst="rect">
             <a:avLst/>
@@ -14054,7 +12091,7 @@
       </p:sp>
       <p:pic>
         <p:nvPicPr>
-          <p:cNvPr id="200" name="Picture 6" descr=""/>
+          <p:cNvPr id="162" name="Picture 6" descr=""/>
           <p:cNvPicPr/>
           <p:nvPr/>
         </p:nvPicPr>
@@ -14065,7 +12102,7 @@
         <p:spPr>
           <a:xfrm>
             <a:off x="10693080" y="6329160"/>
-            <a:ext cx="1279440" cy="356040"/>
+            <a:ext cx="1279080" cy="355680"/>
           </a:xfrm>
           <a:prstGeom prst="rect">
             <a:avLst/>
@@ -14077,14 +12114,14 @@
       </p:pic>
       <p:sp>
         <p:nvSpPr>
-          <p:cNvPr id="201" name="CustomShape 2"/>
+          <p:cNvPr id="163" name="CustomShape 2"/>
           <p:cNvSpPr/>
           <p:nvPr/>
         </p:nvSpPr>
         <p:spPr>
           <a:xfrm>
             <a:off x="620280" y="6286680"/>
-            <a:ext cx="10950840" cy="447840"/>
+            <a:ext cx="10950480" cy="447480"/>
           </a:xfrm>
           <a:prstGeom prst="rect">
             <a:avLst/>
@@ -14139,7 +12176,7 @@
       </p:sp>
       <p:sp>
         <p:nvSpPr>
-          <p:cNvPr id="202" name="PlaceHolder 3"/>
+          <p:cNvPr id="164" name="PlaceHolder 3"/>
           <p:cNvSpPr>
             <a:spLocks noGrp="1"/>
           </p:cNvSpPr>
@@ -14190,7 +12227,7 @@
       </p:sp>
       <p:sp>
         <p:nvSpPr>
-          <p:cNvPr id="203" name="PlaceHolder 4"/>
+          <p:cNvPr id="165" name="PlaceHolder 4"/>
           <p:cNvSpPr>
             <a:spLocks noGrp="1"/>
           </p:cNvSpPr>
@@ -14460,18 +12497,18 @@
   </p:cSld>
   <p:clrMap bg1="lt1" bg2="lt2" tx1="dk1" tx2="dk2" accent1="accent1" accent2="accent2" accent3="accent3" accent4="accent4" accent5="accent5" accent6="accent6" hlink="hlink" folHlink="folHlink"/>
   <p:sldLayoutIdLst>
-    <p:sldLayoutId id="2147483714" r:id="rId4"/>
-    <p:sldLayoutId id="2147483715" r:id="rId5"/>
-    <p:sldLayoutId id="2147483716" r:id="rId6"/>
-    <p:sldLayoutId id="2147483717" r:id="rId7"/>
-    <p:sldLayoutId id="2147483718" r:id="rId8"/>
-    <p:sldLayoutId id="2147483719" r:id="rId9"/>
-    <p:sldLayoutId id="2147483720" r:id="rId10"/>
-    <p:sldLayoutId id="2147483721" r:id="rId11"/>
-    <p:sldLayoutId id="2147483722" r:id="rId12"/>
-    <p:sldLayoutId id="2147483723" r:id="rId13"/>
-    <p:sldLayoutId id="2147483724" r:id="rId14"/>
-    <p:sldLayoutId id="2147483725" r:id="rId15"/>
+    <p:sldLayoutId id="2147483701" r:id="rId4"/>
+    <p:sldLayoutId id="2147483702" r:id="rId5"/>
+    <p:sldLayoutId id="2147483703" r:id="rId6"/>
+    <p:sldLayoutId id="2147483704" r:id="rId7"/>
+    <p:sldLayoutId id="2147483705" r:id="rId8"/>
+    <p:sldLayoutId id="2147483706" r:id="rId9"/>
+    <p:sldLayoutId id="2147483707" r:id="rId10"/>
+    <p:sldLayoutId id="2147483708" r:id="rId11"/>
+    <p:sldLayoutId id="2147483709" r:id="rId12"/>
+    <p:sldLayoutId id="2147483710" r:id="rId13"/>
+    <p:sldLayoutId id="2147483711" r:id="rId14"/>
+    <p:sldLayoutId id="2147483712" r:id="rId15"/>
   </p:sldLayoutIdLst>
 </p:sldMaster>
 </file>
@@ -14495,14 +12532,14 @@
       </p:grpSpPr>
       <p:sp>
         <p:nvSpPr>
-          <p:cNvPr id="243" name="CustomShape 1"/>
+          <p:cNvPr id="205" name="CustomShape 1"/>
           <p:cNvSpPr/>
           <p:nvPr/>
         </p:nvSpPr>
         <p:spPr>
           <a:xfrm>
             <a:off x="2418480" y="4095360"/>
-            <a:ext cx="5319720" cy="364320"/>
+            <a:ext cx="5319360" cy="363960"/>
           </a:xfrm>
           <a:prstGeom prst="rect">
             <a:avLst/>
@@ -14557,14 +12594,14 @@
       </p:sp>
       <p:sp>
         <p:nvSpPr>
-          <p:cNvPr id="244" name="CustomShape 2"/>
+          <p:cNvPr id="206" name="CustomShape 2"/>
           <p:cNvSpPr/>
           <p:nvPr/>
         </p:nvSpPr>
         <p:spPr>
           <a:xfrm>
             <a:off x="2432880" y="5120640"/>
-            <a:ext cx="1658880" cy="851040"/>
+            <a:ext cx="1658520" cy="850680"/>
           </a:xfrm>
           <a:prstGeom prst="rect">
             <a:avLst/>
@@ -14685,7 +12722,7 @@
       </p:sp>
       <p:pic>
         <p:nvPicPr>
-          <p:cNvPr id="245" name="Picture 15" descr=""/>
+          <p:cNvPr id="207" name="Picture 15" descr=""/>
           <p:cNvPicPr/>
           <p:nvPr/>
         </p:nvPicPr>
@@ -14696,7 +12733,7 @@
         <p:spPr>
           <a:xfrm>
             <a:off x="3247920" y="1617480"/>
-            <a:ext cx="5685840" cy="2180520"/>
+            <a:ext cx="5685480" cy="2180160"/>
           </a:xfrm>
           <a:prstGeom prst="rect">
             <a:avLst/>
@@ -14708,14 +12745,14 @@
       </p:pic>
       <p:sp>
         <p:nvSpPr>
-          <p:cNvPr id="246" name="CustomShape 3"/>
+          <p:cNvPr id="208" name="CustomShape 3"/>
           <p:cNvSpPr/>
           <p:nvPr/>
         </p:nvSpPr>
         <p:spPr>
           <a:xfrm>
             <a:off x="2432880" y="4512600"/>
-            <a:ext cx="1343520" cy="333360"/>
+            <a:ext cx="1343160" cy="333000"/>
           </a:xfrm>
           <a:prstGeom prst="rect">
             <a:avLst/>
@@ -14819,14 +12856,14 @@
       </p:grpSpPr>
       <p:sp>
         <p:nvSpPr>
-          <p:cNvPr id="323" name="CustomShape 1"/>
+          <p:cNvPr id="285" name="CustomShape 1"/>
           <p:cNvSpPr/>
           <p:nvPr/>
         </p:nvSpPr>
         <p:spPr>
           <a:xfrm>
             <a:off x="712800" y="357120"/>
-            <a:ext cx="10479960" cy="497880"/>
+            <a:ext cx="10479600" cy="497520"/>
           </a:xfrm>
           <a:prstGeom prst="rect">
             <a:avLst/>
@@ -14881,14 +12918,14 @@
       </p:sp>
       <p:sp>
         <p:nvSpPr>
-          <p:cNvPr id="324" name="CustomShape 2"/>
+          <p:cNvPr id="286" name="CustomShape 2"/>
           <p:cNvSpPr/>
           <p:nvPr/>
         </p:nvSpPr>
         <p:spPr>
           <a:xfrm>
             <a:off x="1650960" y="6645240"/>
-            <a:ext cx="8889120" cy="196560"/>
+            <a:ext cx="8888760" cy="196200"/>
           </a:xfrm>
           <a:prstGeom prst="rect">
             <a:avLst/>
@@ -14992,14 +13029,14 @@
       </p:grpSpPr>
       <p:sp>
         <p:nvSpPr>
-          <p:cNvPr id="325" name="CustomShape 1"/>
+          <p:cNvPr id="287" name="CustomShape 1"/>
           <p:cNvSpPr/>
           <p:nvPr/>
         </p:nvSpPr>
         <p:spPr>
           <a:xfrm>
             <a:off x="712800" y="357120"/>
-            <a:ext cx="10479960" cy="497880"/>
+            <a:ext cx="10479600" cy="497520"/>
           </a:xfrm>
           <a:prstGeom prst="rect">
             <a:avLst/>
@@ -15054,14 +13091,14 @@
       </p:sp>
       <p:sp>
         <p:nvSpPr>
-          <p:cNvPr id="326" name="CustomShape 2"/>
+          <p:cNvPr id="288" name="CustomShape 2"/>
           <p:cNvSpPr/>
           <p:nvPr/>
         </p:nvSpPr>
         <p:spPr>
           <a:xfrm>
             <a:off x="1650960" y="6645240"/>
-            <a:ext cx="8889120" cy="196560"/>
+            <a:ext cx="8888760" cy="196200"/>
           </a:xfrm>
           <a:prstGeom prst="rect">
             <a:avLst/>
@@ -15165,14 +13202,14 @@
       </p:grpSpPr>
       <p:sp>
         <p:nvSpPr>
-          <p:cNvPr id="327" name="CustomShape 1"/>
+          <p:cNvPr id="289" name="CustomShape 1"/>
           <p:cNvSpPr/>
           <p:nvPr/>
         </p:nvSpPr>
         <p:spPr>
           <a:xfrm>
             <a:off x="712800" y="357120"/>
-            <a:ext cx="10479960" cy="497880"/>
+            <a:ext cx="10479600" cy="497520"/>
           </a:xfrm>
           <a:prstGeom prst="rect">
             <a:avLst/>
@@ -15227,14 +13264,14 @@
       </p:sp>
       <p:sp>
         <p:nvSpPr>
-          <p:cNvPr id="328" name="CustomShape 2"/>
+          <p:cNvPr id="290" name="CustomShape 2"/>
           <p:cNvSpPr/>
           <p:nvPr/>
         </p:nvSpPr>
         <p:spPr>
           <a:xfrm>
             <a:off x="1650960" y="6645240"/>
-            <a:ext cx="8889120" cy="196560"/>
+            <a:ext cx="8888760" cy="196200"/>
           </a:xfrm>
           <a:prstGeom prst="rect">
             <a:avLst/>
@@ -15338,14 +13375,14 @@
       </p:grpSpPr>
       <p:sp>
         <p:nvSpPr>
-          <p:cNvPr id="247" name="CustomShape 1"/>
+          <p:cNvPr id="209" name="CustomShape 1"/>
           <p:cNvSpPr/>
           <p:nvPr/>
         </p:nvSpPr>
         <p:spPr>
           <a:xfrm>
             <a:off x="714600" y="357840"/>
-            <a:ext cx="10507320" cy="497880"/>
+            <a:ext cx="10506960" cy="497520"/>
           </a:xfrm>
           <a:prstGeom prst="rect">
             <a:avLst/>
@@ -15400,14 +13437,14 @@
       </p:sp>
       <p:sp>
         <p:nvSpPr>
-          <p:cNvPr id="248" name="CustomShape 2"/>
+          <p:cNvPr id="210" name="CustomShape 2"/>
           <p:cNvSpPr/>
           <p:nvPr/>
         </p:nvSpPr>
         <p:spPr>
           <a:xfrm>
             <a:off x="1141920" y="1371600"/>
-            <a:ext cx="8001720" cy="4942080"/>
+            <a:ext cx="8001360" cy="4941720"/>
           </a:xfrm>
           <a:prstGeom prst="rect">
             <a:avLst/>
@@ -15426,7 +13463,7 @@
         <p:txBody>
           <a:bodyPr lIns="90000" rIns="90000" tIns="45000" bIns="45000"/>
           <a:p>
-            <a:pPr marL="169920" indent="-169200">
+            <a:pPr marL="169920" indent="-168840">
               <a:lnSpc>
                 <a:spcPct val="100000"/>
               </a:lnSpc>
@@ -15497,7 +13534,7 @@
             </a:endParaRPr>
           </a:p>
           <a:p>
-            <a:pPr marL="169920" indent="-169200">
+            <a:pPr marL="169920" indent="-168840">
               <a:lnSpc>
                 <a:spcPct val="100000"/>
               </a:lnSpc>
@@ -15583,7 +13620,7 @@
             </a:endParaRPr>
           </a:p>
           <a:p>
-            <a:pPr marL="169920" indent="-169200">
+            <a:pPr marL="169920" indent="-168840">
               <a:lnSpc>
                 <a:spcPct val="100000"/>
               </a:lnSpc>
@@ -15669,7 +13706,7 @@
             </a:endParaRPr>
           </a:p>
           <a:p>
-            <a:pPr marL="169920" indent="-169200">
+            <a:pPr marL="169920" indent="-168840">
               <a:lnSpc>
                 <a:spcPct val="100000"/>
               </a:lnSpc>
@@ -15725,14 +13762,14 @@
       </p:sp>
       <p:sp>
         <p:nvSpPr>
-          <p:cNvPr id="249" name="CustomShape 3"/>
+          <p:cNvPr id="211" name="CustomShape 3"/>
           <p:cNvSpPr/>
           <p:nvPr/>
         </p:nvSpPr>
         <p:spPr>
           <a:xfrm>
             <a:off x="1650960" y="6645240"/>
-            <a:ext cx="8889120" cy="196560"/>
+            <a:ext cx="8888760" cy="196200"/>
           </a:xfrm>
           <a:prstGeom prst="rect">
             <a:avLst/>
@@ -15787,14 +13824,14 @@
       </p:sp>
       <p:sp>
         <p:nvSpPr>
-          <p:cNvPr id="250" name="CustomShape 4"/>
+          <p:cNvPr id="212" name="CustomShape 4"/>
           <p:cNvSpPr/>
           <p:nvPr/>
         </p:nvSpPr>
         <p:spPr>
           <a:xfrm>
             <a:off x="0" y="6656760"/>
-            <a:ext cx="12191400" cy="199440"/>
+            <a:ext cx="12191040" cy="199080"/>
           </a:xfrm>
           <a:prstGeom prst="rect">
             <a:avLst/>
@@ -15829,6 +13866,7 @@
                   </a:solidFill>
                 </a:uFill>
                 <a:latin typeface="Arial"/>
+                <a:ea typeface="DejaVu Sans"/>
               </a:rPr>
               <a:t>Honeywell Internal</a:t>
             </a:r>
@@ -15897,14 +13935,14 @@
       </p:grpSpPr>
       <p:sp>
         <p:nvSpPr>
-          <p:cNvPr id="251" name="CustomShape 1"/>
+          <p:cNvPr id="213" name="CustomShape 1"/>
           <p:cNvSpPr/>
           <p:nvPr/>
         </p:nvSpPr>
         <p:spPr>
           <a:xfrm>
             <a:off x="751320" y="106200"/>
-            <a:ext cx="10663200" cy="467640"/>
+            <a:ext cx="10662840" cy="467280"/>
           </a:xfrm>
           <a:prstGeom prst="rect">
             <a:avLst/>
@@ -15959,14 +13997,14 @@
       </p:sp>
       <p:sp>
         <p:nvSpPr>
-          <p:cNvPr id="252" name="CustomShape 2"/>
+          <p:cNvPr id="214" name="CustomShape 2"/>
           <p:cNvSpPr/>
           <p:nvPr/>
         </p:nvSpPr>
         <p:spPr>
           <a:xfrm>
             <a:off x="406440" y="3809880"/>
-            <a:ext cx="5587200" cy="2742480"/>
+            <a:ext cx="5586840" cy="2742120"/>
           </a:xfrm>
           <a:prstGeom prst="rect">
             <a:avLst/>
@@ -15985,7 +14023,7 @@
         <p:txBody>
           <a:bodyPr lIns="90000" rIns="90000" tIns="45000" bIns="45000"/>
           <a:p>
-            <a:pPr marL="169920" indent="-169200">
+            <a:pPr marL="169920" indent="-168840">
               <a:lnSpc>
                 <a:spcPct val="100000"/>
               </a:lnSpc>
@@ -16023,7 +14061,7 @@
             </a:endParaRPr>
           </a:p>
           <a:p>
-            <a:pPr lvl="1" marL="397440" indent="-165960">
+            <a:pPr lvl="1" marL="397440" indent="-165600">
               <a:lnSpc>
                 <a:spcPct val="100000"/>
               </a:lnSpc>
@@ -16061,7 +14099,7 @@
             </a:endParaRPr>
           </a:p>
           <a:p>
-            <a:pPr lvl="2" marL="564120" indent="-165960">
+            <a:pPr lvl="2" marL="564120" indent="-165600">
               <a:lnSpc>
                 <a:spcPct val="100000"/>
               </a:lnSpc>
@@ -16100,7 +14138,7 @@
             </a:endParaRPr>
           </a:p>
           <a:p>
-            <a:pPr lvl="2" marL="564120" indent="-165960">
+            <a:pPr lvl="2" marL="564120" indent="-165600">
               <a:lnSpc>
                 <a:spcPct val="100000"/>
               </a:lnSpc>
@@ -16139,7 +14177,7 @@
             </a:endParaRPr>
           </a:p>
           <a:p>
-            <a:pPr lvl="1" marL="397440" indent="-165960">
+            <a:pPr lvl="1" marL="397440" indent="-165600">
               <a:lnSpc>
                 <a:spcPct val="100000"/>
               </a:lnSpc>
@@ -16177,7 +14215,7 @@
             </a:endParaRPr>
           </a:p>
           <a:p>
-            <a:pPr lvl="2" marL="564120" indent="-165960">
+            <a:pPr lvl="2" marL="564120" indent="-165600">
               <a:lnSpc>
                 <a:spcPct val="100000"/>
               </a:lnSpc>
@@ -16231,7 +14269,7 @@
             </a:endParaRPr>
           </a:p>
           <a:p>
-            <a:pPr lvl="2" marL="564120" indent="-165960">
+            <a:pPr lvl="2" marL="564120" indent="-165600">
               <a:lnSpc>
                 <a:spcPct val="100000"/>
               </a:lnSpc>
@@ -16285,7 +14323,7 @@
             </a:endParaRPr>
           </a:p>
           <a:p>
-            <a:pPr lvl="2" marL="564120" indent="-165960">
+            <a:pPr lvl="2" marL="564120" indent="-165600">
               <a:lnSpc>
                 <a:spcPct val="100000"/>
               </a:lnSpc>
@@ -16327,14 +14365,14 @@
       </p:sp>
       <p:sp>
         <p:nvSpPr>
-          <p:cNvPr id="253" name="CustomShape 3"/>
+          <p:cNvPr id="215" name="CustomShape 3"/>
           <p:cNvSpPr/>
           <p:nvPr/>
         </p:nvSpPr>
         <p:spPr>
           <a:xfrm>
             <a:off x="406440" y="914400"/>
-            <a:ext cx="5587200" cy="2742480"/>
+            <a:ext cx="5586840" cy="2742120"/>
           </a:xfrm>
           <a:prstGeom prst="rect">
             <a:avLst/>
@@ -16353,7 +14391,7 @@
         <p:txBody>
           <a:bodyPr lIns="90000" rIns="90000" tIns="45000" bIns="45000"/>
           <a:p>
-            <a:pPr marL="169920" indent="-169200">
+            <a:pPr marL="169920" indent="-168840">
               <a:lnSpc>
                 <a:spcPct val="100000"/>
               </a:lnSpc>
@@ -16391,7 +14429,7 @@
             </a:endParaRPr>
           </a:p>
           <a:p>
-            <a:pPr lvl="1" marL="507600" indent="-165960">
+            <a:pPr lvl="1" marL="507600" indent="-165600">
               <a:lnSpc>
                 <a:spcPct val="100000"/>
               </a:lnSpc>
@@ -16429,7 +14467,7 @@
             </a:endParaRPr>
           </a:p>
           <a:p>
-            <a:pPr lvl="1" marL="507600" indent="-165960">
+            <a:pPr lvl="1" marL="507600" indent="-165600">
               <a:lnSpc>
                 <a:spcPct val="100000"/>
               </a:lnSpc>
@@ -16467,7 +14505,7 @@
             </a:endParaRPr>
           </a:p>
           <a:p>
-            <a:pPr lvl="1" marL="507600" indent="-165960">
+            <a:pPr lvl="1" marL="507600" indent="-165600">
               <a:lnSpc>
                 <a:spcPct val="100000"/>
               </a:lnSpc>
@@ -16505,7 +14543,7 @@
             </a:endParaRPr>
           </a:p>
           <a:p>
-            <a:pPr lvl="1" marL="507600" indent="-165960">
+            <a:pPr lvl="1" marL="507600" indent="-165600">
               <a:lnSpc>
                 <a:spcPct val="100000"/>
               </a:lnSpc>
@@ -16564,14 +14602,14 @@
       </p:sp>
       <p:sp>
         <p:nvSpPr>
-          <p:cNvPr id="254" name="CustomShape 4"/>
+          <p:cNvPr id="216" name="CustomShape 4"/>
           <p:cNvSpPr/>
           <p:nvPr/>
         </p:nvSpPr>
         <p:spPr>
           <a:xfrm>
             <a:off x="6197760" y="914400"/>
-            <a:ext cx="5587200" cy="2742480"/>
+            <a:ext cx="5586840" cy="2742120"/>
           </a:xfrm>
           <a:prstGeom prst="rect">
             <a:avLst/>
@@ -16590,7 +14628,7 @@
         <p:txBody>
           <a:bodyPr lIns="90000" rIns="90000" tIns="45000" bIns="45000"/>
           <a:p>
-            <a:pPr marL="169920" indent="-169200">
+            <a:pPr marL="169920" indent="-168840">
               <a:lnSpc>
                 <a:spcPct val="100000"/>
               </a:lnSpc>
@@ -16628,7 +14666,7 @@
             </a:endParaRPr>
           </a:p>
           <a:p>
-            <a:pPr lvl="1" marL="508320" indent="-165960">
+            <a:pPr lvl="1" marL="508320" indent="-165600">
               <a:lnSpc>
                 <a:spcPct val="100000"/>
               </a:lnSpc>
@@ -16666,7 +14704,7 @@
             </a:endParaRPr>
           </a:p>
           <a:p>
-            <a:pPr lvl="1" marL="508320" indent="-165960">
+            <a:pPr lvl="1" marL="508320" indent="-165600">
               <a:lnSpc>
                 <a:spcPct val="100000"/>
               </a:lnSpc>
@@ -16725,14 +14763,14 @@
       </p:sp>
       <p:sp>
         <p:nvSpPr>
-          <p:cNvPr id="255" name="CustomShape 5"/>
+          <p:cNvPr id="217" name="CustomShape 5"/>
           <p:cNvSpPr/>
           <p:nvPr/>
         </p:nvSpPr>
         <p:spPr>
           <a:xfrm>
             <a:off x="6197760" y="3809880"/>
-            <a:ext cx="5587200" cy="2742480"/>
+            <a:ext cx="5586840" cy="2742120"/>
           </a:xfrm>
           <a:prstGeom prst="rect">
             <a:avLst/>
@@ -16751,7 +14789,7 @@
         <p:txBody>
           <a:bodyPr lIns="90000" rIns="90000" tIns="45000" bIns="45000"/>
           <a:p>
-            <a:pPr marL="169920" indent="-169200">
+            <a:pPr marL="169920" indent="-168840">
               <a:lnSpc>
                 <a:spcPct val="90000"/>
               </a:lnSpc>
@@ -16789,7 +14827,7 @@
             </a:endParaRPr>
           </a:p>
           <a:p>
-            <a:pPr lvl="1" marL="397440" indent="-165960">
+            <a:pPr lvl="1" marL="397440" indent="-165600">
               <a:lnSpc>
                 <a:spcPct val="90000"/>
               </a:lnSpc>
@@ -16827,7 +14865,7 @@
             </a:endParaRPr>
           </a:p>
           <a:p>
-            <a:pPr lvl="1" marL="397440" indent="-165960">
+            <a:pPr lvl="1" marL="397440" indent="-165600">
               <a:lnSpc>
                 <a:spcPct val="90000"/>
               </a:lnSpc>
@@ -16880,7 +14918,7 @@
             </a:endParaRPr>
           </a:p>
           <a:p>
-            <a:pPr lvl="1" marL="397440" indent="-165960">
+            <a:pPr lvl="1" marL="397440" indent="-165600">
               <a:lnSpc>
                 <a:spcPct val="90000"/>
               </a:lnSpc>
@@ -16939,14 +14977,14 @@
       </p:sp>
       <p:sp>
         <p:nvSpPr>
-          <p:cNvPr id="256" name="CustomShape 6"/>
+          <p:cNvPr id="218" name="CustomShape 6"/>
           <p:cNvSpPr/>
           <p:nvPr/>
         </p:nvSpPr>
         <p:spPr>
           <a:xfrm>
             <a:off x="127080" y="6645240"/>
-            <a:ext cx="11937240" cy="196560"/>
+            <a:ext cx="11936880" cy="196200"/>
           </a:xfrm>
           <a:prstGeom prst="rect">
             <a:avLst/>
@@ -17050,7 +15088,7 @@
       </p:grpSpPr>
       <p:pic>
         <p:nvPicPr>
-          <p:cNvPr id="257" name="Picture 4" descr=""/>
+          <p:cNvPr id="219" name="Picture 4" descr=""/>
           <p:cNvPicPr/>
           <p:nvPr/>
         </p:nvPicPr>
@@ -17061,7 +15099,7 @@
         <p:spPr>
           <a:xfrm>
             <a:off x="6242400" y="1346400"/>
-            <a:ext cx="2936160" cy="4111200"/>
+            <a:ext cx="2935800" cy="4110840"/>
           </a:xfrm>
           <a:prstGeom prst="rect">
             <a:avLst/>
@@ -17073,14 +15111,14 @@
       </p:pic>
       <p:sp>
         <p:nvSpPr>
-          <p:cNvPr id="258" name="CustomShape 1"/>
+          <p:cNvPr id="220" name="CustomShape 1"/>
           <p:cNvSpPr/>
           <p:nvPr/>
         </p:nvSpPr>
         <p:spPr>
           <a:xfrm>
             <a:off x="712800" y="357120"/>
-            <a:ext cx="10479960" cy="497880"/>
+            <a:ext cx="10479600" cy="497520"/>
           </a:xfrm>
           <a:prstGeom prst="rect">
             <a:avLst/>
@@ -17135,14 +15173,14 @@
       </p:sp>
       <p:sp>
         <p:nvSpPr>
-          <p:cNvPr id="259" name="CustomShape 2"/>
+          <p:cNvPr id="221" name="CustomShape 2"/>
           <p:cNvSpPr/>
           <p:nvPr/>
         </p:nvSpPr>
         <p:spPr>
           <a:xfrm>
             <a:off x="1650960" y="6645240"/>
-            <a:ext cx="8889120" cy="196560"/>
+            <a:ext cx="8888760" cy="196200"/>
           </a:xfrm>
           <a:prstGeom prst="rect">
             <a:avLst/>
@@ -17197,14 +15235,14 @@
       </p:sp>
       <p:sp>
         <p:nvSpPr>
-          <p:cNvPr id="260" name="CustomShape 3"/>
+          <p:cNvPr id="222" name="CustomShape 3"/>
           <p:cNvSpPr/>
           <p:nvPr/>
         </p:nvSpPr>
         <p:spPr>
           <a:xfrm>
             <a:off x="751320" y="992160"/>
-            <a:ext cx="5374800" cy="5222160"/>
+            <a:ext cx="5374440" cy="5221800"/>
           </a:xfrm>
           <a:prstGeom prst="rect">
             <a:avLst/>
@@ -17223,7 +15261,7 @@
         <p:txBody>
           <a:bodyPr lIns="0" rIns="0" tIns="0" bIns="0"/>
           <a:p>
-            <a:pPr marL="432000" indent="-323640">
+            <a:pPr marL="432000" indent="-323280">
               <a:lnSpc>
                 <a:spcPct val="100000"/>
               </a:lnSpc>
@@ -17245,6 +15283,7 @@
                   </a:solidFill>
                 </a:uFill>
                 <a:latin typeface="Arial"/>
+                <a:ea typeface="DejaVu Sans"/>
               </a:rPr>
               <a:t>Developed two algorithms for obstacle avoidance using</a:t>
             </a:r>
@@ -17261,7 +15300,7 @@
             </a:endParaRPr>
           </a:p>
           <a:p>
-            <a:pPr lvl="1" marL="864000" indent="-323640">
+            <a:pPr lvl="1" marL="864000" indent="-323280">
               <a:lnSpc>
                 <a:spcPct val="100000"/>
               </a:lnSpc>
@@ -17283,6 +15322,7 @@
                   </a:solidFill>
                 </a:uFill>
                 <a:latin typeface="Arial"/>
+                <a:ea typeface="DejaVu Sans"/>
               </a:rPr>
               <a:t>Laplacian + MPC (LMPC)</a:t>
             </a:r>
@@ -17299,7 +15339,7 @@
             </a:endParaRPr>
           </a:p>
           <a:p>
-            <a:pPr lvl="1" marL="864000" indent="-323640">
+            <a:pPr lvl="1" marL="864000" indent="-323280">
               <a:lnSpc>
                 <a:spcPct val="100000"/>
               </a:lnSpc>
@@ -17321,6 +15361,7 @@
                   </a:solidFill>
                 </a:uFill>
                 <a:latin typeface="Arial"/>
+                <a:ea typeface="DejaVu Sans"/>
               </a:rPr>
               <a:t>MPC </a:t>
             </a:r>
@@ -17337,7 +15378,7 @@
             </a:endParaRPr>
           </a:p>
           <a:p>
-            <a:pPr marL="432000" indent="-323640">
+            <a:pPr marL="432000" indent="-323280">
               <a:lnSpc>
                 <a:spcPct val="100000"/>
               </a:lnSpc>
@@ -17376,7 +15417,7 @@
             </a:endParaRPr>
           </a:p>
           <a:p>
-            <a:pPr marL="432000" indent="-323640">
+            <a:pPr marL="432000" indent="-323280">
               <a:lnSpc>
                 <a:spcPct val="100000"/>
               </a:lnSpc>
@@ -17415,7 +15456,7 @@
             </a:endParaRPr>
           </a:p>
           <a:p>
-            <a:pPr lvl="1" marL="864000" indent="-323640">
+            <a:pPr lvl="1" marL="864000" indent="-323280">
               <a:lnSpc>
                 <a:spcPct val="100000"/>
               </a:lnSpc>
@@ -17454,7 +15495,7 @@
             </a:endParaRPr>
           </a:p>
           <a:p>
-            <a:pPr marL="432000" indent="-323640">
+            <a:pPr marL="432000" indent="-323280">
               <a:lnSpc>
                 <a:spcPct val="100000"/>
               </a:lnSpc>
@@ -17493,7 +15534,7 @@
             </a:endParaRPr>
           </a:p>
           <a:p>
-            <a:pPr marL="432000" indent="-323640">
+            <a:pPr marL="432000" indent="-323280">
               <a:lnSpc>
                 <a:spcPct val="100000"/>
               </a:lnSpc>
@@ -17532,7 +15573,7 @@
             </a:endParaRPr>
           </a:p>
           <a:p>
-            <a:pPr marL="432000" indent="-323640">
+            <a:pPr marL="432000" indent="-323280">
               <a:lnSpc>
                 <a:spcPct val="100000"/>
               </a:lnSpc>
@@ -17571,7 +15612,7 @@
             </a:endParaRPr>
           </a:p>
           <a:p>
-            <a:pPr marL="432000" indent="-323640">
+            <a:pPr marL="432000" indent="-323280">
               <a:lnSpc>
                 <a:spcPct val="100000"/>
               </a:lnSpc>
@@ -17610,7 +15651,7 @@
             </a:endParaRPr>
           </a:p>
           <a:p>
-            <a:pPr marL="432000" indent="-323640">
+            <a:pPr marL="432000" indent="-323280">
               <a:lnSpc>
                 <a:spcPct val="100000"/>
               </a:lnSpc>
@@ -17649,7 +15690,7 @@
             </a:endParaRPr>
           </a:p>
           <a:p>
-            <a:pPr marL="432000" indent="-323640">
+            <a:pPr marL="432000" indent="-323280">
               <a:lnSpc>
                 <a:spcPct val="100000"/>
               </a:lnSpc>
@@ -17688,7 +15729,7 @@
             </a:endParaRPr>
           </a:p>
           <a:p>
-            <a:pPr lvl="1" marL="864000" indent="-323640">
+            <a:pPr lvl="1" marL="864000" indent="-323280">
               <a:lnSpc>
                 <a:spcPct val="100000"/>
               </a:lnSpc>
@@ -17727,7 +15768,7 @@
             </a:endParaRPr>
           </a:p>
           <a:p>
-            <a:pPr lvl="1" marL="864000" indent="-323640">
+            <a:pPr lvl="1" marL="864000" indent="-323280">
               <a:lnSpc>
                 <a:spcPct val="100000"/>
               </a:lnSpc>
@@ -17769,14 +15810,14 @@
       </p:sp>
       <p:sp>
         <p:nvSpPr>
-          <p:cNvPr id="261" name="CustomShape 4"/>
+          <p:cNvPr id="223" name="CustomShape 4"/>
           <p:cNvSpPr/>
           <p:nvPr/>
         </p:nvSpPr>
         <p:spPr>
           <a:xfrm>
             <a:off x="6548400" y="2182680"/>
-            <a:ext cx="925560" cy="424800"/>
+            <a:ext cx="925200" cy="424440"/>
           </a:xfrm>
           <a:prstGeom prst="rect">
             <a:avLst/>
@@ -17831,14 +15872,14 @@
       </p:sp>
       <p:sp>
         <p:nvSpPr>
-          <p:cNvPr id="262" name="CustomShape 5"/>
+          <p:cNvPr id="224" name="CustomShape 5"/>
           <p:cNvSpPr/>
           <p:nvPr/>
         </p:nvSpPr>
         <p:spPr>
           <a:xfrm>
             <a:off x="6975720" y="2597760"/>
-            <a:ext cx="331920" cy="711720"/>
+            <a:ext cx="331560" cy="711360"/>
           </a:xfrm>
           <a:custGeom>
             <a:avLst/>
@@ -17881,14 +15922,14 @@
       </p:sp>
       <p:sp>
         <p:nvSpPr>
-          <p:cNvPr id="263" name="CustomShape 6"/>
+          <p:cNvPr id="225" name="CustomShape 6"/>
           <p:cNvSpPr/>
           <p:nvPr/>
         </p:nvSpPr>
         <p:spPr>
           <a:xfrm flipH="1">
-            <a:off x="7605000" y="2813400"/>
-            <a:ext cx="662400" cy="366480"/>
+            <a:off x="7604280" y="2813400"/>
+            <a:ext cx="662040" cy="366120"/>
           </a:xfrm>
           <a:custGeom>
             <a:avLst/>
@@ -17931,14 +15972,14 @@
       </p:sp>
       <p:sp>
         <p:nvSpPr>
-          <p:cNvPr id="264" name="CustomShape 7"/>
+          <p:cNvPr id="226" name="CustomShape 7"/>
           <p:cNvSpPr/>
           <p:nvPr/>
         </p:nvSpPr>
         <p:spPr>
           <a:xfrm flipH="1">
-            <a:off x="7795800" y="2054520"/>
-            <a:ext cx="460800" cy="480240"/>
+            <a:off x="7795080" y="2054520"/>
+            <a:ext cx="460440" cy="479880"/>
           </a:xfrm>
           <a:custGeom>
             <a:avLst/>
@@ -17981,14 +16022,14 @@
       </p:sp>
       <p:sp>
         <p:nvSpPr>
-          <p:cNvPr id="265" name="CustomShape 8"/>
+          <p:cNvPr id="227" name="CustomShape 8"/>
           <p:cNvSpPr/>
           <p:nvPr/>
         </p:nvSpPr>
         <p:spPr>
           <a:xfrm>
             <a:off x="8226360" y="1803600"/>
-            <a:ext cx="1124640" cy="591480"/>
+            <a:ext cx="1124280" cy="591120"/>
           </a:xfrm>
           <a:prstGeom prst="rect">
             <a:avLst/>
@@ -18043,14 +16084,14 @@
       </p:sp>
       <p:sp>
         <p:nvSpPr>
-          <p:cNvPr id="266" name="CustomShape 9"/>
+          <p:cNvPr id="228" name="CustomShape 9"/>
           <p:cNvSpPr/>
           <p:nvPr/>
         </p:nvSpPr>
         <p:spPr>
           <a:xfrm>
             <a:off x="8258040" y="2537280"/>
-            <a:ext cx="1092960" cy="591480"/>
+            <a:ext cx="1092600" cy="591120"/>
           </a:xfrm>
           <a:prstGeom prst="rect">
             <a:avLst/>
@@ -18105,14 +16146,14 @@
       </p:sp>
       <p:sp>
         <p:nvSpPr>
-          <p:cNvPr id="267" name="CustomShape 10"/>
+          <p:cNvPr id="229" name="CustomShape 10"/>
           <p:cNvSpPr/>
           <p:nvPr/>
         </p:nvSpPr>
         <p:spPr>
           <a:xfrm>
             <a:off x="6425280" y="5369760"/>
-            <a:ext cx="3090600" cy="728640"/>
+            <a:ext cx="3090240" cy="728280"/>
           </a:xfrm>
           <a:prstGeom prst="rect">
             <a:avLst/>
@@ -18167,7 +16208,7 @@
       </p:sp>
       <p:pic>
         <p:nvPicPr>
-          <p:cNvPr id="268" name="" descr=""/>
+          <p:cNvPr id="230" name="" descr=""/>
           <p:cNvPicPr/>
           <p:nvPr/>
         </p:nvPicPr>
@@ -18178,7 +16219,7 @@
         <p:spPr>
           <a:xfrm>
             <a:off x="9265680" y="1346400"/>
-            <a:ext cx="2934720" cy="4114440"/>
+            <a:ext cx="2934360" cy="4114080"/>
           </a:xfrm>
           <a:prstGeom prst="rect">
             <a:avLst/>
@@ -18190,14 +16231,14 @@
       </p:pic>
       <p:sp>
         <p:nvSpPr>
-          <p:cNvPr id="269" name="CustomShape 11"/>
+          <p:cNvPr id="231" name="CustomShape 11"/>
           <p:cNvSpPr/>
           <p:nvPr/>
         </p:nvSpPr>
         <p:spPr>
           <a:xfrm>
             <a:off x="7968240" y="3906720"/>
-            <a:ext cx="925560" cy="424800"/>
+            <a:ext cx="925200" cy="424440"/>
           </a:xfrm>
           <a:prstGeom prst="rect">
             <a:avLst/>
@@ -18252,14 +16293,14 @@
       </p:sp>
       <p:sp>
         <p:nvSpPr>
-          <p:cNvPr id="270" name="CustomShape 12"/>
+          <p:cNvPr id="232" name="CustomShape 12"/>
           <p:cNvSpPr/>
           <p:nvPr/>
         </p:nvSpPr>
         <p:spPr>
           <a:xfrm flipH="1" flipV="1">
-            <a:off x="7613280" y="3813840"/>
-            <a:ext cx="456840" cy="365760"/>
+            <a:off x="7613280" y="3813120"/>
+            <a:ext cx="456480" cy="365400"/>
           </a:xfrm>
           <a:custGeom>
             <a:avLst/>
@@ -18302,14 +16343,14 @@
       </p:sp>
       <p:sp>
         <p:nvSpPr>
-          <p:cNvPr id="271" name="CustomShape 13"/>
+          <p:cNvPr id="233" name="CustomShape 13"/>
           <p:cNvSpPr/>
           <p:nvPr/>
         </p:nvSpPr>
         <p:spPr>
           <a:xfrm>
             <a:off x="6443640" y="1437840"/>
-            <a:ext cx="2664000" cy="303120"/>
+            <a:ext cx="2663640" cy="302760"/>
           </a:xfrm>
           <a:prstGeom prst="rect">
             <a:avLst/>
@@ -18364,14 +16405,14 @@
       </p:sp>
       <p:sp>
         <p:nvSpPr>
-          <p:cNvPr id="272" name="CustomShape 14"/>
+          <p:cNvPr id="234" name="CustomShape 14"/>
           <p:cNvSpPr/>
           <p:nvPr/>
         </p:nvSpPr>
         <p:spPr>
           <a:xfrm>
             <a:off x="9540000" y="1445040"/>
-            <a:ext cx="2621160" cy="303120"/>
+            <a:ext cx="2620800" cy="302760"/>
           </a:xfrm>
           <a:prstGeom prst="rect">
             <a:avLst/>
@@ -18426,14 +16467,14 @@
       </p:sp>
       <p:sp>
         <p:nvSpPr>
-          <p:cNvPr id="273" name="CustomShape 15"/>
+          <p:cNvPr id="235" name="CustomShape 15"/>
           <p:cNvSpPr/>
           <p:nvPr/>
         </p:nvSpPr>
         <p:spPr>
           <a:xfrm>
             <a:off x="9372240" y="5336640"/>
-            <a:ext cx="2816280" cy="728640"/>
+            <a:ext cx="2815920" cy="728280"/>
           </a:xfrm>
           <a:prstGeom prst="rect">
             <a:avLst/>
@@ -18488,14 +16529,14 @@
       </p:sp>
       <p:sp>
         <p:nvSpPr>
-          <p:cNvPr id="274" name="CustomShape 16"/>
+          <p:cNvPr id="236" name="CustomShape 16"/>
           <p:cNvSpPr/>
           <p:nvPr/>
         </p:nvSpPr>
         <p:spPr>
           <a:xfrm>
             <a:off x="3363840" y="1208160"/>
-            <a:ext cx="1737000" cy="257400"/>
+            <a:ext cx="1736640" cy="257040"/>
           </a:xfrm>
           <a:prstGeom prst="rect">
             <a:avLst/>
@@ -18550,14 +16591,14 @@
       </p:sp>
       <p:sp>
         <p:nvSpPr>
-          <p:cNvPr id="275" name="CustomShape 17"/>
+          <p:cNvPr id="237" name="CustomShape 17"/>
           <p:cNvSpPr/>
           <p:nvPr/>
         </p:nvSpPr>
         <p:spPr>
           <a:xfrm flipH="1">
             <a:off x="2961360" y="1335600"/>
-            <a:ext cx="456840" cy="237960"/>
+            <a:ext cx="456480" cy="237600"/>
           </a:xfrm>
           <a:custGeom>
             <a:avLst/>
@@ -18600,14 +16641,14 @@
       </p:sp>
       <p:sp>
         <p:nvSpPr>
-          <p:cNvPr id="276" name="CustomShape 18"/>
+          <p:cNvPr id="238" name="CustomShape 18"/>
           <p:cNvSpPr/>
           <p:nvPr/>
         </p:nvSpPr>
         <p:spPr>
           <a:xfrm>
             <a:off x="6515640" y="465120"/>
-            <a:ext cx="5371200" cy="728640"/>
+            <a:ext cx="5370840" cy="728280"/>
           </a:xfrm>
           <a:prstGeom prst="rect">
             <a:avLst/>
@@ -18743,14 +16784,14 @@
       </p:sp>
       <p:sp>
         <p:nvSpPr>
-          <p:cNvPr id="277" name="CustomShape 19"/>
+          <p:cNvPr id="239" name="CustomShape 19"/>
           <p:cNvSpPr/>
           <p:nvPr/>
         </p:nvSpPr>
         <p:spPr>
           <a:xfrm>
             <a:off x="11172240" y="1962720"/>
-            <a:ext cx="925560" cy="424800"/>
+            <a:ext cx="925200" cy="424440"/>
           </a:xfrm>
           <a:prstGeom prst="rect">
             <a:avLst/>
@@ -18805,14 +16846,14 @@
       </p:sp>
       <p:sp>
         <p:nvSpPr>
-          <p:cNvPr id="278" name="CustomShape 20"/>
+          <p:cNvPr id="240" name="CustomShape 20"/>
           <p:cNvSpPr/>
           <p:nvPr/>
         </p:nvSpPr>
         <p:spPr>
           <a:xfrm flipH="1">
             <a:off x="10952640" y="2377440"/>
-            <a:ext cx="548280" cy="273960"/>
+            <a:ext cx="547920" cy="273600"/>
           </a:xfrm>
           <a:custGeom>
             <a:avLst/>
@@ -18904,7 +16945,7 @@
       </p:grpSpPr>
       <p:pic>
         <p:nvPicPr>
-          <p:cNvPr id="279" name="" descr=""/>
+          <p:cNvPr id="241" name="" descr=""/>
           <p:cNvPicPr/>
           <p:nvPr/>
         </p:nvPicPr>
@@ -18915,7 +16956,7 @@
         <p:spPr>
           <a:xfrm>
             <a:off x="6748200" y="1828800"/>
-            <a:ext cx="3584520" cy="5029200"/>
+            <a:ext cx="3584160" cy="5028840"/>
           </a:xfrm>
           <a:prstGeom prst="rect">
             <a:avLst/>
@@ -18927,7 +16968,7 @@
       </p:pic>
       <p:pic>
         <p:nvPicPr>
-          <p:cNvPr id="280" name="" descr=""/>
+          <p:cNvPr id="242" name="" descr=""/>
           <p:cNvPicPr/>
           <p:nvPr/>
         </p:nvPicPr>
@@ -18938,7 +16979,7 @@
         <p:spPr>
           <a:xfrm>
             <a:off x="1535760" y="1828800"/>
-            <a:ext cx="3255120" cy="5029200"/>
+            <a:ext cx="3254760" cy="5028840"/>
           </a:xfrm>
           <a:prstGeom prst="rect">
             <a:avLst/>
@@ -18950,14 +16991,14 @@
       </p:pic>
       <p:sp>
         <p:nvSpPr>
-          <p:cNvPr id="281" name="CustomShape 1"/>
+          <p:cNvPr id="243" name="CustomShape 1"/>
           <p:cNvSpPr/>
           <p:nvPr/>
         </p:nvSpPr>
         <p:spPr>
           <a:xfrm>
             <a:off x="1650960" y="6645240"/>
-            <a:ext cx="8889120" cy="196560"/>
+            <a:ext cx="8888760" cy="196200"/>
           </a:xfrm>
           <a:prstGeom prst="rect">
             <a:avLst/>
@@ -19012,14 +17053,14 @@
       </p:sp>
       <p:sp>
         <p:nvSpPr>
-          <p:cNvPr id="282" name="CustomShape 2"/>
+          <p:cNvPr id="244" name="CustomShape 2"/>
           <p:cNvSpPr/>
           <p:nvPr/>
         </p:nvSpPr>
         <p:spPr>
           <a:xfrm>
             <a:off x="712800" y="357120"/>
-            <a:ext cx="10479960" cy="497880"/>
+            <a:ext cx="10479600" cy="497520"/>
           </a:xfrm>
           <a:prstGeom prst="rect">
             <a:avLst/>
@@ -19074,14 +17115,14 @@
       </p:sp>
       <p:sp>
         <p:nvSpPr>
-          <p:cNvPr id="283" name="TextShape 3"/>
-          <p:cNvSpPr txBox="1"/>
+          <p:cNvPr id="245" name="CustomShape 3"/>
+          <p:cNvSpPr/>
           <p:nvPr/>
         </p:nvSpPr>
         <p:spPr>
           <a:xfrm>
             <a:off x="1338840" y="1188720"/>
-            <a:ext cx="4330440" cy="858240"/>
+            <a:ext cx="4330080" cy="857880"/>
           </a:xfrm>
           <a:prstGeom prst="rect">
             <a:avLst/>
@@ -19091,6 +17132,12 @@
             <a:noFill/>
           </a:ln>
         </p:spPr>
+        <p:style>
+          <a:lnRef idx="0"/>
+          <a:fillRef idx="0"/>
+          <a:effectRef idx="0"/>
+          <a:fontRef idx="minor"/>
+        </p:style>
         <p:txBody>
           <a:bodyPr lIns="90000" rIns="90000" tIns="45000" bIns="45000"/>
           <a:p>
@@ -19124,14 +17171,14 @@
       </p:sp>
       <p:sp>
         <p:nvSpPr>
-          <p:cNvPr id="284" name="Line 4"/>
+          <p:cNvPr id="246" name="Line 4"/>
           <p:cNvSpPr/>
           <p:nvPr/>
         </p:nvSpPr>
         <p:spPr>
           <a:xfrm>
             <a:off x="1116720" y="4114800"/>
-            <a:ext cx="1626480" cy="0"/>
+            <a:ext cx="1626480" cy="360"/>
           </a:xfrm>
           <a:prstGeom prst="line">
             <a:avLst/>
@@ -19152,7 +17199,7 @@
       </p:sp>
       <p:sp>
         <p:nvSpPr>
-          <p:cNvPr id="285" name="Line 5"/>
+          <p:cNvPr id="247" name="Line 5"/>
           <p:cNvSpPr/>
           <p:nvPr/>
         </p:nvSpPr>
@@ -19180,7 +17227,7 @@
       </p:sp>
       <p:sp>
         <p:nvSpPr>
-          <p:cNvPr id="286" name="Line 6"/>
+          <p:cNvPr id="248" name="Line 6"/>
           <p:cNvSpPr/>
           <p:nvPr/>
         </p:nvSpPr>
@@ -19207,14 +17254,14 @@
       </p:sp>
       <p:sp>
         <p:nvSpPr>
-          <p:cNvPr id="287" name="Line 7"/>
+          <p:cNvPr id="249" name="Line 7"/>
           <p:cNvSpPr/>
           <p:nvPr/>
         </p:nvSpPr>
         <p:spPr>
           <a:xfrm>
             <a:off x="1097280" y="1554480"/>
-            <a:ext cx="241560" cy="0"/>
+            <a:ext cx="241560" cy="360"/>
           </a:xfrm>
           <a:prstGeom prst="line">
             <a:avLst/>
@@ -19234,14 +17281,14 @@
       </p:sp>
       <p:sp>
         <p:nvSpPr>
-          <p:cNvPr id="288" name="TextShape 8"/>
-          <p:cNvSpPr txBox="1"/>
+          <p:cNvPr id="250" name="CustomShape 8"/>
+          <p:cNvSpPr/>
           <p:nvPr/>
         </p:nvSpPr>
         <p:spPr>
           <a:xfrm>
             <a:off x="6368040" y="1153440"/>
-            <a:ext cx="4330440" cy="602280"/>
+            <a:ext cx="4330080" cy="601920"/>
           </a:xfrm>
           <a:prstGeom prst="rect">
             <a:avLst/>
@@ -19251,6 +17298,12 @@
             <a:noFill/>
           </a:ln>
         </p:spPr>
+        <p:style>
+          <a:lnRef idx="0"/>
+          <a:fillRef idx="0"/>
+          <a:effectRef idx="0"/>
+          <a:fontRef idx="minor"/>
+        </p:style>
         <p:txBody>
           <a:bodyPr lIns="90000" rIns="90000" tIns="45000" bIns="45000"/>
           <a:p>
@@ -19284,7 +17337,7 @@
       </p:sp>
       <p:sp>
         <p:nvSpPr>
-          <p:cNvPr id="289" name="Line 9"/>
+          <p:cNvPr id="251" name="Line 9"/>
           <p:cNvSpPr/>
           <p:nvPr/>
         </p:nvSpPr>
@@ -19311,14 +17364,14 @@
       </p:sp>
       <p:sp>
         <p:nvSpPr>
-          <p:cNvPr id="290" name="Line 10"/>
+          <p:cNvPr id="252" name="Line 10"/>
           <p:cNvSpPr/>
           <p:nvPr/>
         </p:nvSpPr>
         <p:spPr>
           <a:xfrm>
             <a:off x="10548360" y="1463040"/>
-            <a:ext cx="241560" cy="0"/>
+            <a:ext cx="241560" cy="360"/>
           </a:xfrm>
           <a:prstGeom prst="line">
             <a:avLst/>
@@ -19338,14 +17391,14 @@
       </p:sp>
       <p:sp>
         <p:nvSpPr>
-          <p:cNvPr id="291" name="Line 11"/>
+          <p:cNvPr id="253" name="Line 11"/>
           <p:cNvSpPr/>
           <p:nvPr/>
         </p:nvSpPr>
         <p:spPr>
           <a:xfrm flipH="1">
             <a:off x="8606880" y="5524920"/>
-            <a:ext cx="2194560" cy="0"/>
+            <a:ext cx="2194560" cy="360"/>
           </a:xfrm>
           <a:prstGeom prst="line">
             <a:avLst/>
@@ -19366,7 +17419,7 @@
       </p:sp>
       <p:pic>
         <p:nvPicPr>
-          <p:cNvPr id="292" name="" descr=""/>
+          <p:cNvPr id="254" name="" descr=""/>
           <p:cNvPicPr/>
           <p:nvPr/>
         </p:nvPicPr>
@@ -19377,7 +17430,7 @@
         <p:spPr>
           <a:xfrm>
             <a:off x="20116800" y="1828800"/>
-            <a:ext cx="3584520" cy="5029200"/>
+            <a:ext cx="3584160" cy="5028840"/>
           </a:xfrm>
           <a:prstGeom prst="rect">
             <a:avLst/>
@@ -19438,14 +17491,14 @@
       </p:grpSpPr>
       <p:sp>
         <p:nvSpPr>
-          <p:cNvPr id="293" name="CustomShape 1"/>
+          <p:cNvPr id="255" name="CustomShape 1"/>
           <p:cNvSpPr/>
           <p:nvPr/>
         </p:nvSpPr>
         <p:spPr>
           <a:xfrm>
             <a:off x="712800" y="357120"/>
-            <a:ext cx="10479960" cy="497880"/>
+            <a:ext cx="10479600" cy="497520"/>
           </a:xfrm>
           <a:prstGeom prst="rect">
             <a:avLst/>
@@ -19500,14 +17553,14 @@
       </p:sp>
       <p:sp>
         <p:nvSpPr>
-          <p:cNvPr id="294" name="CustomShape 2"/>
+          <p:cNvPr id="256" name="CustomShape 2"/>
           <p:cNvSpPr/>
           <p:nvPr/>
         </p:nvSpPr>
         <p:spPr>
           <a:xfrm>
             <a:off x="1650960" y="6645240"/>
-            <a:ext cx="8889120" cy="196560"/>
+            <a:ext cx="8888760" cy="196200"/>
           </a:xfrm>
           <a:prstGeom prst="rect">
             <a:avLst/>
@@ -19562,7 +17615,7 @@
       </p:sp>
       <p:pic>
         <p:nvPicPr>
-          <p:cNvPr id="295" name="" descr=""/>
+          <p:cNvPr id="257" name="" descr=""/>
           <p:cNvPicPr/>
           <p:nvPr/>
         </p:nvPicPr>
@@ -19573,7 +17626,7 @@
         <p:spPr>
           <a:xfrm>
             <a:off x="1536120" y="1828800"/>
-            <a:ext cx="3584520" cy="5029200"/>
+            <a:ext cx="3584160" cy="5028840"/>
           </a:xfrm>
           <a:prstGeom prst="rect">
             <a:avLst/>
@@ -19585,7 +17638,7 @@
       </p:pic>
       <p:pic>
         <p:nvPicPr>
-          <p:cNvPr id="296" name="" descr=""/>
+          <p:cNvPr id="258" name="" descr=""/>
           <p:cNvPicPr/>
           <p:nvPr/>
         </p:nvPicPr>
@@ -19596,7 +17649,7 @@
         <p:spPr>
           <a:xfrm>
             <a:off x="6748200" y="1828800"/>
-            <a:ext cx="3584520" cy="5029200"/>
+            <a:ext cx="3584160" cy="5028840"/>
           </a:xfrm>
           <a:prstGeom prst="rect">
             <a:avLst/>
@@ -19608,14 +17661,14 @@
       </p:pic>
       <p:sp>
         <p:nvSpPr>
-          <p:cNvPr id="297" name="Line 3"/>
+          <p:cNvPr id="259" name="Line 3"/>
           <p:cNvSpPr/>
           <p:nvPr/>
         </p:nvSpPr>
         <p:spPr>
           <a:xfrm>
             <a:off x="1116720" y="3291840"/>
-            <a:ext cx="1737360" cy="0"/>
+            <a:ext cx="1737360" cy="360"/>
           </a:xfrm>
           <a:prstGeom prst="line">
             <a:avLst/>
@@ -19636,7 +17689,7 @@
       </p:sp>
       <p:sp>
         <p:nvSpPr>
-          <p:cNvPr id="298" name="Line 4"/>
+          <p:cNvPr id="260" name="Line 4"/>
           <p:cNvSpPr/>
           <p:nvPr/>
         </p:nvSpPr>
@@ -19664,7 +17717,7 @@
       </p:sp>
       <p:sp>
         <p:nvSpPr>
-          <p:cNvPr id="299" name="Line 5"/>
+          <p:cNvPr id="261" name="Line 5"/>
           <p:cNvSpPr/>
           <p:nvPr/>
         </p:nvSpPr>
@@ -19691,14 +17744,14 @@
       </p:sp>
       <p:sp>
         <p:nvSpPr>
-          <p:cNvPr id="300" name="Line 6"/>
+          <p:cNvPr id="262" name="Line 6"/>
           <p:cNvSpPr/>
           <p:nvPr/>
         </p:nvSpPr>
         <p:spPr>
           <a:xfrm>
             <a:off x="1097280" y="1573920"/>
-            <a:ext cx="241560" cy="0"/>
+            <a:ext cx="241560" cy="360"/>
           </a:xfrm>
           <a:prstGeom prst="line">
             <a:avLst/>
@@ -19718,14 +17771,14 @@
       </p:sp>
       <p:sp>
         <p:nvSpPr>
-          <p:cNvPr id="301" name="TextShape 7"/>
-          <p:cNvSpPr txBox="1"/>
+          <p:cNvPr id="263" name="CustomShape 7"/>
+          <p:cNvSpPr/>
           <p:nvPr/>
         </p:nvSpPr>
         <p:spPr>
           <a:xfrm>
             <a:off x="1339200" y="1188720"/>
-            <a:ext cx="4604400" cy="1114200"/>
+            <a:ext cx="4604040" cy="1113840"/>
           </a:xfrm>
           <a:prstGeom prst="rect">
             <a:avLst/>
@@ -19735,6 +17788,12 @@
             <a:noFill/>
           </a:ln>
         </p:spPr>
+        <p:style>
+          <a:lnRef idx="0"/>
+          <a:fillRef idx="0"/>
+          <a:effectRef idx="0"/>
+          <a:fontRef idx="minor"/>
+        </p:style>
         <p:txBody>
           <a:bodyPr lIns="90000" rIns="90000" tIns="45000" bIns="45000"/>
           <a:p>
@@ -19768,14 +17827,14 @@
       </p:sp>
       <p:sp>
         <p:nvSpPr>
-          <p:cNvPr id="302" name="TextShape 8"/>
-          <p:cNvSpPr txBox="1"/>
+          <p:cNvPr id="264" name="CustomShape 8"/>
+          <p:cNvSpPr/>
           <p:nvPr/>
         </p:nvSpPr>
         <p:spPr>
           <a:xfrm>
             <a:off x="6584400" y="1180440"/>
-            <a:ext cx="4330440" cy="602280"/>
+            <a:ext cx="4330080" cy="601920"/>
           </a:xfrm>
           <a:prstGeom prst="rect">
             <a:avLst/>
@@ -19785,6 +17844,12 @@
             <a:noFill/>
           </a:ln>
         </p:spPr>
+        <p:style>
+          <a:lnRef idx="0"/>
+          <a:fillRef idx="0"/>
+          <a:effectRef idx="0"/>
+          <a:fontRef idx="minor"/>
+        </p:style>
         <p:txBody>
           <a:bodyPr lIns="90000" rIns="90000" tIns="45000" bIns="45000"/>
           <a:p>
@@ -19818,14 +17883,14 @@
       </p:sp>
       <p:sp>
         <p:nvSpPr>
-          <p:cNvPr id="303" name="Line 9"/>
+          <p:cNvPr id="265" name="Line 9"/>
           <p:cNvSpPr/>
           <p:nvPr/>
         </p:nvSpPr>
         <p:spPr>
           <a:xfrm>
             <a:off x="10790280" y="1490040"/>
-            <a:ext cx="0" cy="2402640"/>
+            <a:ext cx="360" cy="2402640"/>
           </a:xfrm>
           <a:prstGeom prst="line">
             <a:avLst/>
@@ -19845,14 +17910,14 @@
       </p:sp>
       <p:sp>
         <p:nvSpPr>
-          <p:cNvPr id="304" name="Line 10"/>
+          <p:cNvPr id="266" name="Line 10"/>
           <p:cNvSpPr/>
           <p:nvPr/>
         </p:nvSpPr>
         <p:spPr>
           <a:xfrm>
             <a:off x="10548720" y="1490040"/>
-            <a:ext cx="241560" cy="0"/>
+            <a:ext cx="241560" cy="360"/>
           </a:xfrm>
           <a:prstGeom prst="line">
             <a:avLst/>
@@ -19872,14 +17937,14 @@
       </p:sp>
       <p:sp>
         <p:nvSpPr>
-          <p:cNvPr id="305" name="Line 11"/>
+          <p:cNvPr id="267" name="Line 11"/>
           <p:cNvSpPr/>
           <p:nvPr/>
         </p:nvSpPr>
         <p:spPr>
           <a:xfrm flipH="1">
             <a:off x="9052560" y="3892680"/>
-            <a:ext cx="1737720" cy="0"/>
+            <a:ext cx="1737720" cy="360"/>
           </a:xfrm>
           <a:prstGeom prst="line">
             <a:avLst/>
@@ -19949,7 +18014,7 @@
       </p:grpSpPr>
       <p:pic>
         <p:nvPicPr>
-          <p:cNvPr id="306" name="" descr=""/>
+          <p:cNvPr id="268" name="" descr=""/>
           <p:cNvPicPr/>
           <p:nvPr/>
         </p:nvPicPr>
@@ -19960,7 +18025,7 @@
         <p:spPr>
           <a:xfrm>
             <a:off x="1536120" y="1828800"/>
-            <a:ext cx="3584520" cy="5029200"/>
+            <a:ext cx="3584160" cy="5028840"/>
           </a:xfrm>
           <a:prstGeom prst="rect">
             <a:avLst/>
@@ -19972,7 +18037,7 @@
       </p:pic>
       <p:pic>
         <p:nvPicPr>
-          <p:cNvPr id="307" name="" descr=""/>
+          <p:cNvPr id="269" name="" descr=""/>
           <p:cNvPicPr/>
           <p:nvPr/>
         </p:nvPicPr>
@@ -19983,7 +18048,7 @@
         <p:spPr>
           <a:xfrm>
             <a:off x="6748200" y="1828800"/>
-            <a:ext cx="3584520" cy="5029200"/>
+            <a:ext cx="3584160" cy="5028840"/>
           </a:xfrm>
           <a:prstGeom prst="rect">
             <a:avLst/>
@@ -19995,14 +18060,14 @@
       </p:pic>
       <p:sp>
         <p:nvSpPr>
-          <p:cNvPr id="308" name="CustomShape 1"/>
+          <p:cNvPr id="270" name="CustomShape 1"/>
           <p:cNvSpPr/>
           <p:nvPr/>
         </p:nvSpPr>
         <p:spPr>
           <a:xfrm>
             <a:off x="712800" y="357120"/>
-            <a:ext cx="10479960" cy="497880"/>
+            <a:ext cx="10479600" cy="497520"/>
           </a:xfrm>
           <a:prstGeom prst="rect">
             <a:avLst/>
@@ -20039,22 +18104,7 @@
                 <a:latin typeface="Arial"/>
                 <a:ea typeface="Arial"/>
               </a:rPr>
-              <a:t>MPC Specific Test </a:t>
-            </a:r>
-            <a:r>
-              <a:rPr b="1" lang="en-US" sz="2800" spc="-1" strike="noStrike">
-                <a:solidFill>
-                  <a:srgbClr val="000000"/>
-                </a:solidFill>
-                <a:uFill>
-                  <a:solidFill>
-                    <a:srgbClr val="ffffff"/>
-                  </a:solidFill>
-                </a:uFill>
-                <a:latin typeface="Arial"/>
-                <a:ea typeface="Arial"/>
-              </a:rPr>
-              <a:t>Cases</a:t>
+              <a:t>MPC Specific Test Cases</a:t>
             </a:r>
             <a:endParaRPr b="0" lang="en-US" sz="1800" spc="-1" strike="noStrike">
               <a:solidFill>
@@ -20072,14 +18122,14 @@
       </p:sp>
       <p:sp>
         <p:nvSpPr>
-          <p:cNvPr id="309" name="CustomShape 2"/>
+          <p:cNvPr id="271" name="CustomShape 2"/>
           <p:cNvSpPr/>
           <p:nvPr/>
         </p:nvSpPr>
         <p:spPr>
           <a:xfrm>
             <a:off x="1650960" y="6645240"/>
-            <a:ext cx="8889120" cy="196560"/>
+            <a:ext cx="8888760" cy="196200"/>
           </a:xfrm>
           <a:prstGeom prst="rect">
             <a:avLst/>
@@ -20116,232 +18166,7 @@
                 <a:latin typeface="Arial"/>
                 <a:ea typeface="DejaVu Sans"/>
               </a:rPr>
-              <a:t>H</a:t>
-            </a:r>
-            <a:r>
-              <a:rPr b="0" lang="en-US" sz="700" spc="-1" strike="noStrike">
-                <a:solidFill>
-                  <a:srgbClr val="7f7f7f"/>
-                </a:solidFill>
-                <a:uFill>
-                  <a:solidFill>
-                    <a:srgbClr val="ffffff"/>
-                  </a:solidFill>
-                </a:uFill>
-                <a:latin typeface="Arial"/>
-                <a:ea typeface="DejaVu Sans"/>
-              </a:rPr>
-              <a:t>o</a:t>
-            </a:r>
-            <a:r>
-              <a:rPr b="0" lang="en-US" sz="700" spc="-1" strike="noStrike">
-                <a:solidFill>
-                  <a:srgbClr val="7f7f7f"/>
-                </a:solidFill>
-                <a:uFill>
-                  <a:solidFill>
-                    <a:srgbClr val="ffffff"/>
-                  </a:solidFill>
-                </a:uFill>
-                <a:latin typeface="Arial"/>
-                <a:ea typeface="DejaVu Sans"/>
-              </a:rPr>
-              <a:t>n</a:t>
-            </a:r>
-            <a:r>
-              <a:rPr b="0" lang="en-US" sz="700" spc="-1" strike="noStrike">
-                <a:solidFill>
-                  <a:srgbClr val="7f7f7f"/>
-                </a:solidFill>
-                <a:uFill>
-                  <a:solidFill>
-                    <a:srgbClr val="ffffff"/>
-                  </a:solidFill>
-                </a:uFill>
-                <a:latin typeface="Arial"/>
-                <a:ea typeface="DejaVu Sans"/>
-              </a:rPr>
-              <a:t>e</a:t>
-            </a:r>
-            <a:r>
-              <a:rPr b="0" lang="en-US" sz="700" spc="-1" strike="noStrike">
-                <a:solidFill>
-                  <a:srgbClr val="7f7f7f"/>
-                </a:solidFill>
-                <a:uFill>
-                  <a:solidFill>
-                    <a:srgbClr val="ffffff"/>
-                  </a:solidFill>
-                </a:uFill>
-                <a:latin typeface="Arial"/>
-                <a:ea typeface="DejaVu Sans"/>
-              </a:rPr>
-              <a:t>y</a:t>
-            </a:r>
-            <a:r>
-              <a:rPr b="0" lang="en-US" sz="700" spc="-1" strike="noStrike">
-                <a:solidFill>
-                  <a:srgbClr val="7f7f7f"/>
-                </a:solidFill>
-                <a:uFill>
-                  <a:solidFill>
-                    <a:srgbClr val="ffffff"/>
-                  </a:solidFill>
-                </a:uFill>
-                <a:latin typeface="Arial"/>
-                <a:ea typeface="DejaVu Sans"/>
-              </a:rPr>
-              <a:t>w</a:t>
-            </a:r>
-            <a:r>
-              <a:rPr b="0" lang="en-US" sz="700" spc="-1" strike="noStrike">
-                <a:solidFill>
-                  <a:srgbClr val="7f7f7f"/>
-                </a:solidFill>
-                <a:uFill>
-                  <a:solidFill>
-                    <a:srgbClr val="ffffff"/>
-                  </a:solidFill>
-                </a:uFill>
-                <a:latin typeface="Arial"/>
-                <a:ea typeface="DejaVu Sans"/>
-              </a:rPr>
-              <a:t>e</a:t>
-            </a:r>
-            <a:r>
-              <a:rPr b="0" lang="en-US" sz="700" spc="-1" strike="noStrike">
-                <a:solidFill>
-                  <a:srgbClr val="7f7f7f"/>
-                </a:solidFill>
-                <a:uFill>
-                  <a:solidFill>
-                    <a:srgbClr val="ffffff"/>
-                  </a:solidFill>
-                </a:uFill>
-                <a:latin typeface="Arial"/>
-                <a:ea typeface="DejaVu Sans"/>
-              </a:rPr>
-              <a:t>ll </a:t>
-            </a:r>
-            <a:r>
-              <a:rPr b="0" lang="en-US" sz="700" spc="-1" strike="noStrike">
-                <a:solidFill>
-                  <a:srgbClr val="7f7f7f"/>
-                </a:solidFill>
-                <a:uFill>
-                  <a:solidFill>
-                    <a:srgbClr val="ffffff"/>
-                  </a:solidFill>
-                </a:uFill>
-                <a:latin typeface="Arial"/>
-                <a:ea typeface="DejaVu Sans"/>
-              </a:rPr>
-              <a:t>I</a:t>
-            </a:r>
-            <a:r>
-              <a:rPr b="0" lang="en-US" sz="700" spc="-1" strike="noStrike">
-                <a:solidFill>
-                  <a:srgbClr val="7f7f7f"/>
-                </a:solidFill>
-                <a:uFill>
-                  <a:solidFill>
-                    <a:srgbClr val="ffffff"/>
-                  </a:solidFill>
-                </a:uFill>
-                <a:latin typeface="Arial"/>
-                <a:ea typeface="DejaVu Sans"/>
-              </a:rPr>
-              <a:t>n</a:t>
-            </a:r>
-            <a:r>
-              <a:rPr b="0" lang="en-US" sz="700" spc="-1" strike="noStrike">
-                <a:solidFill>
-                  <a:srgbClr val="7f7f7f"/>
-                </a:solidFill>
-                <a:uFill>
-                  <a:solidFill>
-                    <a:srgbClr val="ffffff"/>
-                  </a:solidFill>
-                </a:uFill>
-                <a:latin typeface="Arial"/>
-                <a:ea typeface="DejaVu Sans"/>
-              </a:rPr>
-              <a:t>t</a:t>
-            </a:r>
-            <a:r>
-              <a:rPr b="0" lang="en-US" sz="700" spc="-1" strike="noStrike">
-                <a:solidFill>
-                  <a:srgbClr val="7f7f7f"/>
-                </a:solidFill>
-                <a:uFill>
-                  <a:solidFill>
-                    <a:srgbClr val="ffffff"/>
-                  </a:solidFill>
-                </a:uFill>
-                <a:latin typeface="Arial"/>
-                <a:ea typeface="DejaVu Sans"/>
-              </a:rPr>
-              <a:t>e</a:t>
-            </a:r>
-            <a:r>
-              <a:rPr b="0" lang="en-US" sz="700" spc="-1" strike="noStrike">
-                <a:solidFill>
-                  <a:srgbClr val="7f7f7f"/>
-                </a:solidFill>
-                <a:uFill>
-                  <a:solidFill>
-                    <a:srgbClr val="ffffff"/>
-                  </a:solidFill>
-                </a:uFill>
-                <a:latin typeface="Arial"/>
-                <a:ea typeface="DejaVu Sans"/>
-              </a:rPr>
-              <a:t>r</a:t>
-            </a:r>
-            <a:r>
-              <a:rPr b="0" lang="en-US" sz="700" spc="-1" strike="noStrike">
-                <a:solidFill>
-                  <a:srgbClr val="7f7f7f"/>
-                </a:solidFill>
-                <a:uFill>
-                  <a:solidFill>
-                    <a:srgbClr val="ffffff"/>
-                  </a:solidFill>
-                </a:uFill>
-                <a:latin typeface="Arial"/>
-                <a:ea typeface="DejaVu Sans"/>
-              </a:rPr>
-              <a:t>n</a:t>
-            </a:r>
-            <a:r>
-              <a:rPr b="0" lang="en-US" sz="700" spc="-1" strike="noStrike">
-                <a:solidFill>
-                  <a:srgbClr val="7f7f7f"/>
-                </a:solidFill>
-                <a:uFill>
-                  <a:solidFill>
-                    <a:srgbClr val="ffffff"/>
-                  </a:solidFill>
-                </a:uFill>
-                <a:latin typeface="Arial"/>
-                <a:ea typeface="DejaVu Sans"/>
-              </a:rPr>
-              <a:t>a</a:t>
-            </a:r>
-            <a:r>
-              <a:rPr b="0" lang="en-US" sz="700" spc="-1" strike="noStrike">
-                <a:solidFill>
-                  <a:srgbClr val="7f7f7f"/>
-                </a:solidFill>
-                <a:uFill>
-                  <a:solidFill>
-                    <a:srgbClr val="ffffff"/>
-                  </a:solidFill>
-                </a:uFill>
-                <a:latin typeface="Arial"/>
-                <a:ea typeface="DejaVu Sans"/>
-              </a:rPr>
-              <a:t>l</a:t>
+              <a:t>Honeywell Internal</a:t>
             </a:r>
             <a:endParaRPr b="0" lang="en-US" sz="1800" spc="-1" strike="noStrike">
               <a:solidFill>
@@ -20359,7 +18184,7 @@
       </p:sp>
       <p:sp>
         <p:nvSpPr>
-          <p:cNvPr id="310" name="Line 3"/>
+          <p:cNvPr id="272" name="Line 3"/>
           <p:cNvSpPr/>
           <p:nvPr/>
         </p:nvSpPr>
@@ -20387,14 +18212,14 @@
       </p:sp>
       <p:sp>
         <p:nvSpPr>
-          <p:cNvPr id="311" name="Line 4"/>
+          <p:cNvPr id="273" name="Line 4"/>
           <p:cNvSpPr/>
           <p:nvPr/>
         </p:nvSpPr>
         <p:spPr>
           <a:xfrm>
             <a:off x="1097280" y="1573920"/>
-            <a:ext cx="0" cy="2815200"/>
+            <a:ext cx="360" cy="2815200"/>
           </a:xfrm>
           <a:prstGeom prst="line">
             <a:avLst/>
@@ -20414,14 +18239,14 @@
       </p:sp>
       <p:sp>
         <p:nvSpPr>
-          <p:cNvPr id="312" name="Line 5"/>
+          <p:cNvPr id="274" name="Line 5"/>
           <p:cNvSpPr/>
           <p:nvPr/>
         </p:nvSpPr>
         <p:spPr>
           <a:xfrm>
             <a:off x="1097280" y="1573920"/>
-            <a:ext cx="241560" cy="0"/>
+            <a:ext cx="241560" cy="360"/>
           </a:xfrm>
           <a:prstGeom prst="line">
             <a:avLst/>
@@ -20441,14 +18266,14 @@
       </p:sp>
       <p:sp>
         <p:nvSpPr>
-          <p:cNvPr id="313" name="TextShape 6"/>
-          <p:cNvSpPr txBox="1"/>
+          <p:cNvPr id="275" name="CustomShape 6"/>
+          <p:cNvSpPr/>
           <p:nvPr/>
         </p:nvSpPr>
         <p:spPr>
           <a:xfrm>
             <a:off x="1339200" y="1188720"/>
-            <a:ext cx="4604400" cy="1114200"/>
+            <a:ext cx="4604040" cy="1113840"/>
           </a:xfrm>
           <a:prstGeom prst="rect">
             <a:avLst/>
@@ -20458,6 +18283,12 @@
             <a:noFill/>
           </a:ln>
         </p:spPr>
+        <p:style>
+          <a:lnRef idx="0"/>
+          <a:fillRef idx="0"/>
+          <a:effectRef idx="0"/>
+          <a:fontRef idx="minor"/>
+        </p:style>
         <p:txBody>
           <a:bodyPr lIns="90000" rIns="90000" tIns="45000" bIns="45000"/>
           <a:p>
@@ -20491,14 +18322,14 @@
       </p:sp>
       <p:sp>
         <p:nvSpPr>
-          <p:cNvPr id="314" name="TextShape 7"/>
-          <p:cNvSpPr txBox="1"/>
+          <p:cNvPr id="276" name="CustomShape 7"/>
+          <p:cNvSpPr/>
           <p:nvPr/>
         </p:nvSpPr>
         <p:spPr>
           <a:xfrm>
             <a:off x="6836400" y="1180440"/>
-            <a:ext cx="4022640" cy="858240"/>
+            <a:ext cx="4022280" cy="857880"/>
           </a:xfrm>
           <a:prstGeom prst="rect">
             <a:avLst/>
@@ -20508,6 +18339,12 @@
             <a:noFill/>
           </a:ln>
         </p:spPr>
+        <p:style>
+          <a:lnRef idx="0"/>
+          <a:fillRef idx="0"/>
+          <a:effectRef idx="0"/>
+          <a:fontRef idx="minor"/>
+        </p:style>
         <p:txBody>
           <a:bodyPr lIns="90000" rIns="90000" tIns="45000" bIns="45000"/>
           <a:p>
@@ -20541,14 +18378,14 @@
       </p:sp>
       <p:sp>
         <p:nvSpPr>
-          <p:cNvPr id="315" name="Line 8"/>
+          <p:cNvPr id="277" name="Line 8"/>
           <p:cNvSpPr/>
           <p:nvPr/>
         </p:nvSpPr>
         <p:spPr>
           <a:xfrm>
             <a:off x="10790280" y="1490040"/>
-            <a:ext cx="0" cy="2402640"/>
+            <a:ext cx="360" cy="2402640"/>
           </a:xfrm>
           <a:prstGeom prst="line">
             <a:avLst/>
@@ -20568,14 +18405,14 @@
       </p:sp>
       <p:sp>
         <p:nvSpPr>
-          <p:cNvPr id="316" name="Line 9"/>
+          <p:cNvPr id="278" name="Line 9"/>
           <p:cNvSpPr/>
           <p:nvPr/>
         </p:nvSpPr>
         <p:spPr>
           <a:xfrm>
             <a:off x="10548720" y="1490040"/>
-            <a:ext cx="241560" cy="0"/>
+            <a:ext cx="241560" cy="360"/>
           </a:xfrm>
           <a:prstGeom prst="line">
             <a:avLst/>
@@ -20595,14 +18432,14 @@
       </p:sp>
       <p:sp>
         <p:nvSpPr>
-          <p:cNvPr id="317" name="Line 10"/>
+          <p:cNvPr id="279" name="Line 10"/>
           <p:cNvSpPr/>
           <p:nvPr/>
         </p:nvSpPr>
         <p:spPr>
           <a:xfrm flipH="1">
             <a:off x="9052560" y="3892680"/>
-            <a:ext cx="1737720" cy="0"/>
+            <a:ext cx="1737720" cy="360"/>
           </a:xfrm>
           <a:prstGeom prst="line">
             <a:avLst/>
@@ -20672,14 +18509,14 @@
       </p:grpSpPr>
       <p:sp>
         <p:nvSpPr>
-          <p:cNvPr id="318" name="CustomShape 1"/>
+          <p:cNvPr id="280" name="CustomShape 1"/>
           <p:cNvSpPr/>
           <p:nvPr/>
         </p:nvSpPr>
         <p:spPr>
           <a:xfrm>
             <a:off x="712800" y="357120"/>
-            <a:ext cx="10479960" cy="497880"/>
+            <a:ext cx="10479600" cy="497520"/>
           </a:xfrm>
           <a:prstGeom prst="rect">
             <a:avLst/>
@@ -20734,14 +18571,14 @@
       </p:sp>
       <p:sp>
         <p:nvSpPr>
-          <p:cNvPr id="319" name="CustomShape 2"/>
+          <p:cNvPr id="281" name="CustomShape 2"/>
           <p:cNvSpPr/>
           <p:nvPr/>
         </p:nvSpPr>
         <p:spPr>
           <a:xfrm>
             <a:off x="712800" y="992520"/>
-            <a:ext cx="9802800" cy="5221800"/>
+            <a:ext cx="9802440" cy="5221440"/>
           </a:xfrm>
           <a:prstGeom prst="rect">
             <a:avLst/>
@@ -20760,7 +18597,7 @@
         <p:txBody>
           <a:bodyPr lIns="90000" rIns="90000" tIns="45000" bIns="45000"/>
           <a:p>
-            <a:pPr marL="169920" indent="-169200">
+            <a:pPr marL="169920" indent="-168840">
               <a:lnSpc>
                 <a:spcPct val="100000"/>
               </a:lnSpc>
@@ -20798,7 +18635,7 @@
             </a:endParaRPr>
           </a:p>
           <a:p>
-            <a:pPr marL="169920" indent="-169200">
+            <a:pPr marL="169920" indent="-168840">
               <a:lnSpc>
                 <a:spcPct val="100000"/>
               </a:lnSpc>
@@ -20821,6 +18658,44 @@
                 <a:latin typeface="Arial"/>
                 <a:ea typeface="Arial"/>
               </a:rPr>
+              <a:t> </a:t>
+            </a:r>
+            <a:endParaRPr b="0" lang="en-US" sz="1800" spc="-1" strike="noStrike">
+              <a:solidFill>
+                <a:srgbClr val="000000"/>
+              </a:solidFill>
+              <a:uFill>
+                <a:solidFill>
+                  <a:srgbClr val="ffffff"/>
+                </a:solidFill>
+              </a:uFill>
+              <a:latin typeface="Arial"/>
+            </a:endParaRPr>
+          </a:p>
+          <a:p>
+            <a:pPr marL="169920" indent="-168840">
+              <a:lnSpc>
+                <a:spcPct val="100000"/>
+              </a:lnSpc>
+              <a:buClr>
+                <a:srgbClr val="c00000"/>
+              </a:buClr>
+              <a:buFont typeface="Arial"/>
+              <a:buChar char="•"/>
+            </a:pPr>
+            <a:r>
+              <a:rPr b="0" lang="en-US" sz="2000" spc="-1" strike="noStrike">
+                <a:solidFill>
+                  <a:srgbClr val="000000"/>
+                </a:solidFill>
+                <a:uFill>
+                  <a:solidFill>
+                    <a:srgbClr val="ffffff"/>
+                  </a:solidFill>
+                </a:uFill>
+                <a:latin typeface="Arial"/>
+                <a:ea typeface="Arial"/>
+              </a:rPr>
               <a:t>To obtained a guaranteed solution we will look at the following approaches:</a:t>
             </a:r>
             <a:endParaRPr b="0" lang="en-US" sz="1800" spc="-1" strike="noStrike">
@@ -20836,7 +18711,7 @@
             </a:endParaRPr>
           </a:p>
           <a:p>
-            <a:pPr lvl="1" marL="864000" indent="-323640">
+            <a:pPr lvl="1" marL="864000" indent="-323280">
               <a:lnSpc>
                 <a:spcPct val="100000"/>
               </a:lnSpc>
@@ -20875,7 +18750,7 @@
             </a:endParaRPr>
           </a:p>
           <a:p>
-            <a:pPr lvl="1" marL="864000" indent="-323640">
+            <a:pPr lvl="1" marL="864000" indent="-323280">
               <a:lnSpc>
                 <a:spcPct val="100000"/>
               </a:lnSpc>
@@ -20914,7 +18789,7 @@
             </a:endParaRPr>
           </a:p>
           <a:p>
-            <a:pPr lvl="1" marL="864000" indent="-323640">
+            <a:pPr lvl="1" marL="864000" indent="-323280">
               <a:lnSpc>
                 <a:spcPct val="100000"/>
               </a:lnSpc>
@@ -20953,7 +18828,7 @@
             </a:endParaRPr>
           </a:p>
           <a:p>
-            <a:pPr marL="169920" indent="-169200">
+            <a:pPr marL="169920" indent="-168840">
               <a:lnSpc>
                 <a:spcPct val="100000"/>
               </a:lnSpc>
@@ -20976,7 +18851,7 @@
                 <a:latin typeface="Arial"/>
                 <a:ea typeface="Arial"/>
               </a:rPr>
-              <a:t>Current MPC trajectory generator is not optimized to run in real time</a:t>
+              <a:t> </a:t>
             </a:r>
             <a:endParaRPr b="0" lang="en-US" sz="1800" spc="-1" strike="noStrike">
               <a:solidFill>
@@ -20991,7 +18866,7 @@
             </a:endParaRPr>
           </a:p>
           <a:p>
-            <a:pPr marL="169920" indent="-169200">
+            <a:pPr marL="169920" indent="-168840">
               <a:lnSpc>
                 <a:spcPct val="100000"/>
               </a:lnSpc>
@@ -21014,6 +18889,82 @@
                 <a:latin typeface="Arial"/>
                 <a:ea typeface="Arial"/>
               </a:rPr>
+              <a:t>Current MPC trajectory generator is not optimized to run in real time</a:t>
+            </a:r>
+            <a:endParaRPr b="0" lang="en-US" sz="1800" spc="-1" strike="noStrike">
+              <a:solidFill>
+                <a:srgbClr val="000000"/>
+              </a:solidFill>
+              <a:uFill>
+                <a:solidFill>
+                  <a:srgbClr val="ffffff"/>
+                </a:solidFill>
+              </a:uFill>
+              <a:latin typeface="Arial"/>
+            </a:endParaRPr>
+          </a:p>
+          <a:p>
+            <a:pPr marL="169920" indent="-168840">
+              <a:lnSpc>
+                <a:spcPct val="100000"/>
+              </a:lnSpc>
+              <a:buClr>
+                <a:srgbClr val="c00000"/>
+              </a:buClr>
+              <a:buFont typeface="Arial"/>
+              <a:buChar char="•"/>
+            </a:pPr>
+            <a:r>
+              <a:rPr b="0" lang="en-US" sz="2000" spc="-1" strike="noStrike">
+                <a:solidFill>
+                  <a:srgbClr val="000000"/>
+                </a:solidFill>
+                <a:uFill>
+                  <a:solidFill>
+                    <a:srgbClr val="ffffff"/>
+                  </a:solidFill>
+                </a:uFill>
+                <a:latin typeface="Arial"/>
+                <a:ea typeface="Arial"/>
+              </a:rPr>
+              <a:t> </a:t>
+            </a:r>
+            <a:endParaRPr b="0" lang="en-US" sz="1800" spc="-1" strike="noStrike">
+              <a:solidFill>
+                <a:srgbClr val="000000"/>
+              </a:solidFill>
+              <a:uFill>
+                <a:solidFill>
+                  <a:srgbClr val="ffffff"/>
+                </a:solidFill>
+              </a:uFill>
+              <a:latin typeface="Arial"/>
+            </a:endParaRPr>
+          </a:p>
+          <a:p>
+            <a:pPr marL="169920" indent="-168840">
+              <a:lnSpc>
+                <a:spcPct val="100000"/>
+              </a:lnSpc>
+              <a:buClr>
+                <a:srgbClr val="c00000"/>
+              </a:buClr>
+              <a:buFont typeface="Arial"/>
+              <a:buChar char="•"/>
+            </a:pPr>
+            <a:r>
+              <a:rPr b="0" lang="en-US" sz="2000" spc="-1" strike="noStrike">
+                <a:solidFill>
+                  <a:srgbClr val="000000"/>
+                </a:solidFill>
+                <a:uFill>
+                  <a:solidFill>
+                    <a:srgbClr val="ffffff"/>
+                  </a:solidFill>
+                </a:uFill>
+                <a:latin typeface="Arial"/>
+                <a:ea typeface="Arial"/>
+              </a:rPr>
               <a:t>To obtain real-time performance we will look at the following approaches:</a:t>
             </a:r>
             <a:endParaRPr b="0" lang="en-US" sz="1800" spc="-1" strike="noStrike">
@@ -21029,7 +18980,7 @@
             </a:endParaRPr>
           </a:p>
           <a:p>
-            <a:pPr lvl="1" marL="864000" indent="-323640">
+            <a:pPr lvl="1" marL="864000" indent="-323280">
               <a:lnSpc>
                 <a:spcPct val="100000"/>
               </a:lnSpc>
@@ -21068,7 +19019,7 @@
             </a:endParaRPr>
           </a:p>
           <a:p>
-            <a:pPr lvl="1" marL="864000" indent="-323640">
+            <a:pPr lvl="1" marL="864000" indent="-323280">
               <a:lnSpc>
                 <a:spcPct val="100000"/>
               </a:lnSpc>
@@ -21110,14 +19061,14 @@
       </p:sp>
       <p:sp>
         <p:nvSpPr>
-          <p:cNvPr id="320" name="CustomShape 3"/>
+          <p:cNvPr id="282" name="CustomShape 3"/>
           <p:cNvSpPr/>
           <p:nvPr/>
         </p:nvSpPr>
         <p:spPr>
           <a:xfrm>
             <a:off x="1650960" y="6645240"/>
-            <a:ext cx="8889120" cy="196560"/>
+            <a:ext cx="8888760" cy="196200"/>
           </a:xfrm>
           <a:prstGeom prst="rect">
             <a:avLst/>
@@ -21221,14 +19172,14 @@
       </p:grpSpPr>
       <p:sp>
         <p:nvSpPr>
-          <p:cNvPr id="321" name="CustomShape 1"/>
+          <p:cNvPr id="283" name="CustomShape 1"/>
           <p:cNvSpPr/>
           <p:nvPr/>
         </p:nvSpPr>
         <p:spPr>
           <a:xfrm>
             <a:off x="712800" y="357120"/>
-            <a:ext cx="10479960" cy="497880"/>
+            <a:ext cx="10479600" cy="497520"/>
           </a:xfrm>
           <a:prstGeom prst="rect">
             <a:avLst/>
@@ -21283,14 +19234,14 @@
       </p:sp>
       <p:sp>
         <p:nvSpPr>
-          <p:cNvPr id="322" name="CustomShape 2"/>
+          <p:cNvPr id="284" name="CustomShape 2"/>
           <p:cNvSpPr/>
           <p:nvPr/>
         </p:nvSpPr>
         <p:spPr>
           <a:xfrm>
             <a:off x="1650960" y="6645240"/>
-            <a:ext cx="8889120" cy="196560"/>
+            <a:ext cx="8888760" cy="196200"/>
           </a:xfrm>
           <a:prstGeom prst="rect">
             <a:avLst/>
@@ -22711,227 +20662,4 @@
     </a:fmtScheme>
   </a:themeElements>
 </a:theme>
-</file>
-
-<file path=ppt/theme/theme7.xml><?xml version="1.0" encoding="utf-8"?>
-<a:theme xmlns:a="http://schemas.openxmlformats.org/drawingml/2006/main" name="Office Theme">
-  <a:themeElements>
-    <a:clrScheme name="Office">
-      <a:dk1>
-        <a:sysClr val="windowText" lastClr="000000"/>
-      </a:dk1>
-      <a:lt1>
-        <a:sysClr val="window" lastClr="FFFFFF"/>
-      </a:lt1>
-      <a:dk2>
-        <a:srgbClr val="1F497D"/>
-      </a:dk2>
-      <a:lt2>
-        <a:srgbClr val="EEECE1"/>
-      </a:lt2>
-      <a:accent1>
-        <a:srgbClr val="4F81BD"/>
-      </a:accent1>
-      <a:accent2>
-        <a:srgbClr val="C0504D"/>
-      </a:accent2>
-      <a:accent3>
-        <a:srgbClr val="9BBB59"/>
-      </a:accent3>
-      <a:accent4>
-        <a:srgbClr val="8064A2"/>
-      </a:accent4>
-      <a:accent5>
-        <a:srgbClr val="4BACC6"/>
-      </a:accent5>
-      <a:accent6>
-        <a:srgbClr val="F79646"/>
-      </a:accent6>
-      <a:hlink>
-        <a:srgbClr val="0000FF"/>
-      </a:hlink>
-      <a:folHlink>
-        <a:srgbClr val="800080"/>
-      </a:folHlink>
-    </a:clrScheme>
-    <a:fontScheme name="Office">
-      <a:majorFont>
-        <a:latin typeface="Arial"/>
-        <a:ea typeface="DejaVu Sans"/>
-        <a:cs typeface="DejaVu Sans"/>
-      </a:majorFont>
-      <a:minorFont>
-        <a:latin typeface="Arial"/>
-        <a:ea typeface="DejaVu Sans"/>
-        <a:cs typeface="DejaVu Sans"/>
-      </a:minorFont>
-    </a:fontScheme>
-    <a:fmtScheme name="Office">
-      <a:fillStyleLst>
-        <a:solidFill>
-          <a:schemeClr val="phClr"/>
-        </a:solidFill>
-        <a:gradFill rotWithShape="1">
-          <a:gsLst>
-            <a:gs pos="0">
-              <a:schemeClr val="phClr">
-                <a:tint val="50000"/>
-                <a:satMod val="300000"/>
-              </a:schemeClr>
-            </a:gs>
-            <a:gs pos="35000">
-              <a:schemeClr val="phClr">
-                <a:tint val="37000"/>
-                <a:satMod val="300000"/>
-              </a:schemeClr>
-            </a:gs>
-            <a:gs pos="100000">
-              <a:schemeClr val="phClr">
-                <a:tint val="15000"/>
-                <a:satMod val="350000"/>
-              </a:schemeClr>
-            </a:gs>
-          </a:gsLst>
-          <a:lin ang="16200000" scaled="1"/>
-        </a:gradFill>
-        <a:gradFill rotWithShape="1">
-          <a:gsLst>
-            <a:gs pos="0">
-              <a:schemeClr val="phClr">
-                <a:shade val="51000"/>
-                <a:satMod val="130000"/>
-              </a:schemeClr>
-            </a:gs>
-            <a:gs pos="80000">
-              <a:schemeClr val="phClr">
-                <a:shade val="93000"/>
-                <a:satMod val="130000"/>
-              </a:schemeClr>
-            </a:gs>
-            <a:gs pos="100000">
-              <a:schemeClr val="phClr">
-                <a:shade val="94000"/>
-                <a:satMod val="135000"/>
-              </a:schemeClr>
-            </a:gs>
-          </a:gsLst>
-          <a:lin ang="16200000" scaled="0"/>
-        </a:gradFill>
-      </a:fillStyleLst>
-      <a:lnStyleLst>
-        <a:ln w="9525" cap="flat" cmpd="sng" algn="ctr">
-          <a:solidFill>
-            <a:schemeClr val="phClr">
-              <a:shade val="95000"/>
-              <a:satMod val="105000"/>
-            </a:schemeClr>
-          </a:solidFill>
-          <a:prstDash val="solid"/>
-        </a:ln>
-        <a:ln w="25400" cap="flat" cmpd="sng" algn="ctr">
-          <a:solidFill>
-            <a:schemeClr val="phClr"/>
-          </a:solidFill>
-          <a:prstDash val="solid"/>
-        </a:ln>
-        <a:ln w="38100" cap="flat" cmpd="sng" algn="ctr">
-          <a:solidFill>
-            <a:schemeClr val="phClr"/>
-          </a:solidFill>
-          <a:prstDash val="solid"/>
-        </a:ln>
-      </a:lnStyleLst>
-      <a:effectStyleLst>
-        <a:effectStyle>
-          <a:effectLst>
-            <a:outerShdw blurRad="40000" dist="20000" dir="5400000" rotWithShape="0">
-              <a:srgbClr val="000000">
-                <a:alpha val="38000"/>
-              </a:srgbClr>
-            </a:outerShdw>
-          </a:effectLst>
-        </a:effectStyle>
-        <a:effectStyle>
-          <a:effectLst>
-            <a:outerShdw blurRad="40000" dist="23000" dir="5400000" rotWithShape="0">
-              <a:srgbClr val="000000">
-                <a:alpha val="35000"/>
-              </a:srgbClr>
-            </a:outerShdw>
-          </a:effectLst>
-        </a:effectStyle>
-        <a:effectStyle>
-          <a:effectLst>
-            <a:outerShdw blurRad="40000" dist="23000" dir="5400000" rotWithShape="0">
-              <a:srgbClr val="000000">
-                <a:alpha val="35000"/>
-              </a:srgbClr>
-            </a:outerShdw>
-          </a:effectLst>
-          <a:scene3d>
-            <a:camera prst="orthographicFront">
-              <a:rot lat="0" lon="0" rev="0"/>
-            </a:camera>
-            <a:lightRig rig="threePt" dir="t">
-              <a:rot lat="0" lon="0" rev="1200000"/>
-            </a:lightRig>
-          </a:scene3d>
-          <a:sp3d>
-            <a:bevelT w="63500" h="25400"/>
-          </a:sp3d>
-        </a:effectStyle>
-      </a:effectStyleLst>
-      <a:bgFillStyleLst>
-        <a:solidFill>
-          <a:schemeClr val="phClr"/>
-        </a:solidFill>
-        <a:gradFill rotWithShape="1">
-          <a:gsLst>
-            <a:gs pos="0">
-              <a:schemeClr val="phClr">
-                <a:tint val="40000"/>
-                <a:satMod val="350000"/>
-              </a:schemeClr>
-            </a:gs>
-            <a:gs pos="40000">
-              <a:schemeClr val="phClr">
-                <a:tint val="45000"/>
-                <a:shade val="99000"/>
-                <a:satMod val="350000"/>
-              </a:schemeClr>
-            </a:gs>
-            <a:gs pos="100000">
-              <a:schemeClr val="phClr">
-                <a:shade val="20000"/>
-                <a:satMod val="255000"/>
-              </a:schemeClr>
-            </a:gs>
-          </a:gsLst>
-          <a:path path="circle">
-            <a:fillToRect l="50000" t="-80000" r="50000" b="180000"/>
-          </a:path>
-        </a:gradFill>
-        <a:gradFill rotWithShape="1">
-          <a:gsLst>
-            <a:gs pos="0">
-              <a:schemeClr val="phClr">
-                <a:tint val="80000"/>
-                <a:satMod val="300000"/>
-              </a:schemeClr>
-            </a:gs>
-            <a:gs pos="100000">
-              <a:schemeClr val="phClr">
-                <a:shade val="30000"/>
-                <a:satMod val="200000"/>
-              </a:schemeClr>
-            </a:gs>
-          </a:gsLst>
-          <a:path path="circle">
-            <a:fillToRect l="50000" t="50000" r="50000" b="50000"/>
-          </a:path>
-        </a:gradFill>
-      </a:bgFillStyleLst>
-    </a:fmtScheme>
-  </a:themeElements>
-</a:theme>
 </file>
--- a/slides/Final Review - Trajectory Generation.pptx
+++ b/slides/Final Review - Trajectory Generation.pptx
@@ -121,6 +121,11 @@
       </a:defRPr>
     </a:lvl9pPr>
   </p:defaultTextStyle>
+  <p:extLst>
+    <p:ext uri="{EFAFB233-063F-42B5-8137-9DF3F51BA10A}">
+      <p15:sldGuideLst xmlns:p15="http://schemas.microsoft.com/office/powerpoint/2012/main"/>
+    </p:ext>
+  </p:extLst>
 </p:presentation>
 </file>
 
@@ -14239,7 +14244,7 @@
               <a:buChar char="•"/>
             </a:pPr>
             <a:r>
-              <a:rPr lang="en-US" sz="2000" spc="-1" dirty="0">
+              <a:rPr lang="en-US" sz="2400" spc="-1" dirty="0">
                 <a:solidFill>
                   <a:srgbClr val="000000"/>
                 </a:solidFill>
@@ -14251,10 +14256,10 @@
                 <a:latin typeface="Arial"/>
                 <a:ea typeface="Arial"/>
               </a:rPr>
-              <a:t>Modify algorithm to maintain a family of feasible paths</a:t>
+              <a:t>Modify algorithm to maintain a history of feasible paths</a:t>
             </a:r>
             <a:r>
-              <a:rPr lang="en-US" sz="2000" b="0" strike="noStrike" spc="-1" dirty="0">
+              <a:rPr lang="en-US" sz="2400" b="0" strike="noStrike" spc="-1" dirty="0">
                 <a:solidFill>
                   <a:srgbClr val="000000"/>
                 </a:solidFill>
@@ -14268,7 +14273,7 @@
               </a:rPr>
               <a:t>:</a:t>
             </a:r>
-            <a:endParaRPr lang="en-US" sz="1800" b="0" strike="noStrike" spc="-1" dirty="0">
+            <a:endParaRPr lang="en-US" sz="2000" b="0" strike="noStrike" spc="-1" dirty="0">
               <a:solidFill>
                 <a:srgbClr val="000000"/>
               </a:solidFill>
@@ -14293,7 +14298,69 @@
               <a:buChar char=""/>
             </a:pPr>
             <a:r>
-              <a:rPr lang="en-US" sz="1600" b="0" strike="noStrike" spc="-1" dirty="0">
+              <a:rPr lang="en-US" spc="-1" dirty="0">
+                <a:solidFill>
+                  <a:srgbClr val="000000"/>
+                </a:solidFill>
+                <a:uFill>
+                  <a:solidFill>
+                    <a:srgbClr val="FFFFFF"/>
+                  </a:solidFill>
+                </a:uFill>
+                <a:ea typeface="Arial"/>
+              </a:rPr>
+              <a:t>Use fast sub-optimal global planner when required</a:t>
+            </a:r>
+          </a:p>
+          <a:p>
+            <a:pPr marL="1321200" lvl="2" indent="-323280">
+              <a:buClr>
+                <a:srgbClr val="00B050"/>
+              </a:buClr>
+              <a:buSzPct val="75000"/>
+              <a:buFont typeface="Wingdings" panose="05000000000000000000" pitchFamily="2" charset="2"/>
+              <a:buChar char="§"/>
+            </a:pPr>
+            <a:r>
+              <a:rPr lang="en-US" spc="-1" dirty="0">
+                <a:solidFill>
+                  <a:srgbClr val="000000"/>
+                </a:solidFill>
+                <a:uFill>
+                  <a:solidFill>
+                    <a:srgbClr val="FFFFFF"/>
+                  </a:solidFill>
+                </a:uFill>
+                <a:ea typeface="Arial"/>
+              </a:rPr>
+              <a:t>Example - Probabilistic Road Maps (PRMs)</a:t>
+            </a:r>
+            <a:endParaRPr lang="en-US" spc="-1" dirty="0">
+              <a:solidFill>
+                <a:srgbClr val="000000"/>
+              </a:solidFill>
+              <a:uFill>
+                <a:solidFill>
+                  <a:srgbClr val="FFFFFF"/>
+                </a:solidFill>
+              </a:uFill>
+              <a:ea typeface="Arial"/>
+            </a:endParaRPr>
+          </a:p>
+          <a:p>
+            <a:pPr marL="864000" lvl="1" indent="-323280">
+              <a:lnSpc>
+                <a:spcPct val="100000"/>
+              </a:lnSpc>
+              <a:buClr>
+                <a:srgbClr val="000000"/>
+              </a:buClr>
+              <a:buSzPct val="75000"/>
+              <a:buFont typeface="Symbol"/>
+              <a:buChar char=""/>
+            </a:pPr>
+            <a:r>
+              <a:rPr lang="en-US" b="0" strike="noStrike" spc="-1" dirty="0">
                 <a:solidFill>
                   <a:srgbClr val="000000"/>
                 </a:solidFill>
@@ -14305,24 +14372,9 @@
                 <a:latin typeface="Arial"/>
                 <a:ea typeface="Arial"/>
               </a:rPr>
-              <a:t>Modify problem formulation to allow </a:t>
+              <a:t>Allow velocity reversal</a:t>
             </a:r>
-            <a:r>
-              <a:rPr lang="en-US" sz="1600" b="0" strike="noStrike" spc="-1">
-                <a:solidFill>
-                  <a:srgbClr val="000000"/>
-                </a:solidFill>
-                <a:uFill>
-                  <a:solidFill>
-                    <a:srgbClr val="FFFFFF"/>
-                  </a:solidFill>
-                </a:uFill>
-                <a:latin typeface="Arial"/>
-                <a:ea typeface="Arial"/>
-              </a:rPr>
-              <a:t>velocity reversal</a:t>
-            </a:r>
-            <a:endParaRPr lang="en-US" sz="1800" b="0" strike="noStrike" spc="-1" dirty="0">
+            <a:endParaRPr lang="en-US" sz="2000" b="0" strike="noStrike" spc="-1" dirty="0">
               <a:solidFill>
                 <a:srgbClr val="000000"/>
               </a:solidFill>
@@ -14346,22 +14398,7 @@
               <a:buFont typeface="Symbol"/>
               <a:buChar char=""/>
             </a:pPr>
-            <a:r>
-              <a:rPr lang="en-US" sz="1600" b="0" strike="noStrike" spc="-1" dirty="0">
-                <a:solidFill>
-                  <a:srgbClr val="000000"/>
-                </a:solidFill>
-                <a:uFill>
-                  <a:solidFill>
-                    <a:srgbClr val="FFFFFF"/>
-                  </a:solidFill>
-                </a:uFill>
-                <a:latin typeface="Arial"/>
-                <a:ea typeface="Arial"/>
-              </a:rPr>
-              <a:t>Continue on the MPC path computed in the previous time step and run a  less costly global planner (e.g., Probabilistic Road Maps) to re-initialize the MPC problem</a:t>
-            </a:r>
-            <a:endParaRPr lang="en-US" sz="1800" b="0" strike="noStrike" spc="-1" dirty="0">
+            <a:endParaRPr lang="en-US" sz="2000" b="0" strike="noStrike" spc="-1" dirty="0">
               <a:solidFill>
                 <a:srgbClr val="000000"/>
               </a:solidFill>
@@ -14382,7 +14419,7 @@
                 <a:srgbClr val="C00000"/>
               </a:buClr>
             </a:pPr>
-            <a:endParaRPr lang="en-US" sz="1800" b="0" strike="noStrike" spc="-1" dirty="0">
+            <a:endParaRPr lang="en-US" sz="2000" b="0" strike="noStrike" spc="-1" dirty="0">
               <a:solidFill>
                 <a:srgbClr val="000000"/>
               </a:solidFill>
@@ -14406,7 +14443,7 @@
               <a:buChar char="•"/>
             </a:pPr>
             <a:r>
-              <a:rPr lang="en-US" sz="2000" b="0" strike="noStrike" spc="-1" dirty="0">
+              <a:rPr lang="en-US" sz="2400" b="0" strike="noStrike" spc="-1" dirty="0">
                 <a:solidFill>
                   <a:srgbClr val="000000"/>
                 </a:solidFill>
@@ -14421,7 +14458,7 @@
               <a:t>Optimiz</a:t>
             </a:r>
             <a:r>
-              <a:rPr lang="en-US" sz="2000" spc="-1" dirty="0">
+              <a:rPr lang="en-US" sz="2400" spc="-1" dirty="0">
                 <a:solidFill>
                   <a:srgbClr val="000000"/>
                 </a:solidFill>
@@ -14436,7 +14473,7 @@
               <a:t>e algorithm to </a:t>
             </a:r>
             <a:r>
-              <a:rPr lang="en-US" sz="2000" b="0" strike="noStrike" spc="-1" dirty="0">
+              <a:rPr lang="en-US" sz="2400" b="0" strike="noStrike" spc="-1" dirty="0">
                 <a:solidFill>
                   <a:srgbClr val="000000"/>
                 </a:solidFill>
@@ -14450,21 +14487,7 @@
               </a:rPr>
               <a:t>run in real time</a:t>
             </a:r>
-            <a:r>
-              <a:rPr lang="en-US" spc="-1" dirty="0">
-                <a:solidFill>
-                  <a:srgbClr val="000000"/>
-                </a:solidFill>
-                <a:uFill>
-                  <a:solidFill>
-                    <a:srgbClr val="FFFFFF"/>
-                  </a:solidFill>
-                </a:uFill>
-                <a:latin typeface="Arial"/>
-              </a:rPr>
-              <a:t>. </a:t>
-            </a:r>
-            <a:endParaRPr lang="en-US" sz="1800" b="0" strike="noStrike" spc="-1" dirty="0">
+            <a:endParaRPr lang="en-US" sz="2000" b="0" strike="noStrike" spc="-1" dirty="0">
               <a:solidFill>
                 <a:srgbClr val="000000"/>
               </a:solidFill>
@@ -14489,7 +14512,7 @@
               <a:buChar char=""/>
             </a:pPr>
             <a:r>
-              <a:rPr lang="en-US" sz="1600" b="0" strike="noStrike" spc="-1" dirty="0">
+              <a:rPr lang="en-US" b="0" strike="noStrike" spc="-1" dirty="0">
                 <a:solidFill>
                   <a:srgbClr val="000000"/>
                 </a:solidFill>
@@ -14503,7 +14526,7 @@
               </a:rPr>
               <a:t>Use near-optimal values to reduce the number of iterations</a:t>
             </a:r>
-            <a:endParaRPr lang="en-US" sz="1800" b="0" strike="noStrike" spc="-1" dirty="0">
+            <a:endParaRPr lang="en-US" sz="2000" b="0" strike="noStrike" spc="-1" dirty="0">
               <a:solidFill>
                 <a:srgbClr val="000000"/>
               </a:solidFill>
@@ -14528,7 +14551,7 @@
               <a:buChar char=""/>
             </a:pPr>
             <a:r>
-              <a:rPr lang="en-US" sz="1600" b="0" strike="noStrike" spc="-1" dirty="0">
+              <a:rPr lang="en-US" b="0" strike="noStrike" spc="-1" dirty="0">
                 <a:solidFill>
                   <a:srgbClr val="000000"/>
                 </a:solidFill>
@@ -14540,9 +14563,9 @@
                 <a:latin typeface="Arial"/>
                 <a:ea typeface="Arial"/>
               </a:rPr>
-              <a:t>Use efficient linear solvers which is used by the nonlinear optimizer </a:t>
+              <a:t>Use efficient linear solvers which is used by specialized nonlinear optimizer </a:t>
             </a:r>
-            <a:endParaRPr lang="en-US" sz="1800" b="0" strike="noStrike" spc="-1" dirty="0">
+            <a:endParaRPr lang="en-US" sz="2000" b="0" strike="noStrike" spc="-1" dirty="0">
               <a:solidFill>
                 <a:srgbClr val="000000"/>
               </a:solidFill>
@@ -16651,8 +16674,8 @@
         </p:nvSpPr>
         <p:spPr>
           <a:xfrm>
-            <a:off x="609481" y="1056443"/>
-            <a:ext cx="7131847" cy="5291091"/>
+            <a:off x="609481" y="1003177"/>
+            <a:ext cx="7131847" cy="5344357"/>
           </a:xfrm>
         </p:spPr>
         <p:txBody>
@@ -16671,7 +16694,7 @@
           <a:p>
             <a:pPr lvl="1">
               <a:spcAft>
-                <a:spcPts val="1200"/>
+                <a:spcPts val="1800"/>
               </a:spcAft>
               <a:buFont typeface="Arial" panose="020B0604020202020204" pitchFamily="34" charset="0"/>
               <a:buChar char="-"/>
@@ -16705,7 +16728,7 @@
           <a:p>
             <a:pPr lvl="1">
               <a:spcAft>
-                <a:spcPts val="1200"/>
+                <a:spcPts val="1800"/>
               </a:spcAft>
               <a:buFont typeface="Arial" panose="020B0604020202020204" pitchFamily="34" charset="0"/>
               <a:buChar char="-"/>
@@ -16748,7 +16771,7 @@
           <a:p>
             <a:pPr lvl="1">
               <a:spcAft>
-                <a:spcPts val="1200"/>
+                <a:spcPts val="1800"/>
               </a:spcAft>
               <a:buFont typeface="Arial" panose="020B0604020202020204" pitchFamily="34" charset="0"/>
               <a:buChar char="-"/>
